--- a/Powerpoint/NBA Attendance Analysis.pptx
+++ b/Powerpoint/NBA Attendance Analysis.pptx
@@ -2,7 +2,7 @@
 <file path=ppt/presentation.xml><?xml version="1.0" encoding="utf-8"?>
 <p:presentation xmlns:a="http://schemas.openxmlformats.org/drawingml/2006/main" xmlns:r="http://schemas.openxmlformats.org/officeDocument/2006/relationships" xmlns:p="http://schemas.openxmlformats.org/presentationml/2006/main" saveSubsetFonts="1">
   <p:sldMasterIdLst>
-    <p:sldMasterId id="2147483648" r:id="rId1"/>
+    <p:sldMasterId id="2147483720" r:id="rId1"/>
   </p:sldMasterIdLst>
   <p:sldIdLst>
     <p:sldId id="259" r:id="rId2"/>
@@ -10,7 +10,6 @@
     <p:sldId id="260" r:id="rId4"/>
     <p:sldId id="261" r:id="rId5"/>
     <p:sldId id="263" r:id="rId6"/>
-    <p:sldId id="264" r:id="rId7"/>
   </p:sldIdLst>
   <p:sldSz cx="12192000" cy="6858000"/>
   <p:notesSz cx="6858000" cy="9144000"/>
@@ -18,7 +17,7 @@
     <a:defPPr>
       <a:defRPr lang="en-US"/>
     </a:defPPr>
-    <a:lvl1pPr marL="0" algn="l" defTabSz="914400" rtl="0" eaLnBrk="1" latinLnBrk="0" hangingPunct="1">
+    <a:lvl1pPr marL="0" algn="l" defTabSz="457200" rtl="0" eaLnBrk="1" latinLnBrk="0" hangingPunct="1">
       <a:defRPr sz="1800" kern="1200">
         <a:solidFill>
           <a:schemeClr val="tx1"/>
@@ -28,7 +27,7 @@
         <a:cs typeface="+mn-cs"/>
       </a:defRPr>
     </a:lvl1pPr>
-    <a:lvl2pPr marL="457200" algn="l" defTabSz="914400" rtl="0" eaLnBrk="1" latinLnBrk="0" hangingPunct="1">
+    <a:lvl2pPr marL="457200" algn="l" defTabSz="457200" rtl="0" eaLnBrk="1" latinLnBrk="0" hangingPunct="1">
       <a:defRPr sz="1800" kern="1200">
         <a:solidFill>
           <a:schemeClr val="tx1"/>
@@ -38,7 +37,7 @@
         <a:cs typeface="+mn-cs"/>
       </a:defRPr>
     </a:lvl2pPr>
-    <a:lvl3pPr marL="914400" algn="l" defTabSz="914400" rtl="0" eaLnBrk="1" latinLnBrk="0" hangingPunct="1">
+    <a:lvl3pPr marL="914400" algn="l" defTabSz="457200" rtl="0" eaLnBrk="1" latinLnBrk="0" hangingPunct="1">
       <a:defRPr sz="1800" kern="1200">
         <a:solidFill>
           <a:schemeClr val="tx1"/>
@@ -48,7 +47,7 @@
         <a:cs typeface="+mn-cs"/>
       </a:defRPr>
     </a:lvl3pPr>
-    <a:lvl4pPr marL="1371600" algn="l" defTabSz="914400" rtl="0" eaLnBrk="1" latinLnBrk="0" hangingPunct="1">
+    <a:lvl4pPr marL="1371600" algn="l" defTabSz="457200" rtl="0" eaLnBrk="1" latinLnBrk="0" hangingPunct="1">
       <a:defRPr sz="1800" kern="1200">
         <a:solidFill>
           <a:schemeClr val="tx1"/>
@@ -58,7 +57,7 @@
         <a:cs typeface="+mn-cs"/>
       </a:defRPr>
     </a:lvl4pPr>
-    <a:lvl5pPr marL="1828800" algn="l" defTabSz="914400" rtl="0" eaLnBrk="1" latinLnBrk="0" hangingPunct="1">
+    <a:lvl5pPr marL="1828800" algn="l" defTabSz="457200" rtl="0" eaLnBrk="1" latinLnBrk="0" hangingPunct="1">
       <a:defRPr sz="1800" kern="1200">
         <a:solidFill>
           <a:schemeClr val="tx1"/>
@@ -68,7 +67,7 @@
         <a:cs typeface="+mn-cs"/>
       </a:defRPr>
     </a:lvl5pPr>
-    <a:lvl6pPr marL="2286000" algn="l" defTabSz="914400" rtl="0" eaLnBrk="1" latinLnBrk="0" hangingPunct="1">
+    <a:lvl6pPr marL="2286000" algn="l" defTabSz="457200" rtl="0" eaLnBrk="1" latinLnBrk="0" hangingPunct="1">
       <a:defRPr sz="1800" kern="1200">
         <a:solidFill>
           <a:schemeClr val="tx1"/>
@@ -78,7 +77,7 @@
         <a:cs typeface="+mn-cs"/>
       </a:defRPr>
     </a:lvl6pPr>
-    <a:lvl7pPr marL="2743200" algn="l" defTabSz="914400" rtl="0" eaLnBrk="1" latinLnBrk="0" hangingPunct="1">
+    <a:lvl7pPr marL="2743200" algn="l" defTabSz="457200" rtl="0" eaLnBrk="1" latinLnBrk="0" hangingPunct="1">
       <a:defRPr sz="1800" kern="1200">
         <a:solidFill>
           <a:schemeClr val="tx1"/>
@@ -88,7 +87,7 @@
         <a:cs typeface="+mn-cs"/>
       </a:defRPr>
     </a:lvl7pPr>
-    <a:lvl8pPr marL="3200400" algn="l" defTabSz="914400" rtl="0" eaLnBrk="1" latinLnBrk="0" hangingPunct="1">
+    <a:lvl8pPr marL="3200400" algn="l" defTabSz="457200" rtl="0" eaLnBrk="1" latinLnBrk="0" hangingPunct="1">
       <a:defRPr sz="1800" kern="1200">
         <a:solidFill>
           <a:schemeClr val="tx1"/>
@@ -98,7 +97,7 @@
         <a:cs typeface="+mn-cs"/>
       </a:defRPr>
     </a:lvl8pPr>
-    <a:lvl9pPr marL="3657600" algn="l" defTabSz="914400" rtl="0" eaLnBrk="1" latinLnBrk="0" hangingPunct="1">
+    <a:lvl9pPr marL="3657600" algn="l" defTabSz="457200" rtl="0" eaLnBrk="1" latinLnBrk="0" hangingPunct="1">
       <a:defRPr sz="1800" kern="1200">
         <a:solidFill>
           <a:schemeClr val="tx1"/>
@@ -109,6 +108,11 @@
       </a:defRPr>
     </a:lvl9pPr>
   </p:defaultTextStyle>
+  <p:extLst>
+    <p:ext uri="{EFAFB233-063F-42B5-8137-9DF3F51BA10A}">
+      <p15:sldGuideLst xmlns:p15="http://schemas.microsoft.com/office/powerpoint/2012/main"/>
+    </p:ext>
+  </p:extLst>
 </p:presentation>
 </file>
 
@@ -129,49 +133,64 @@
   <pc:docChgLst>
     <pc:chgData name="Matiullah Hasher" userId="b5da0c13cdb4b27c" providerId="LiveId" clId="{2469DAC8-8C7B-4D21-9881-AF2FB6BAF2F6}"/>
     <pc:docChg chg="custSel addSld delSld modSld">
-      <pc:chgData name="Matiullah Hasher" userId="b5da0c13cdb4b27c" providerId="LiveId" clId="{2469DAC8-8C7B-4D21-9881-AF2FB6BAF2F6}" dt="2018-08-09T09:36:16.442" v="812" actId="122"/>
+      <pc:chgData name="Matiullah Hasher" userId="b5da0c13cdb4b27c" providerId="LiveId" clId="{2469DAC8-8C7B-4D21-9881-AF2FB6BAF2F6}" dt="2018-08-11T02:29:32.428" v="844" actId="27636"/>
       <pc:docMkLst>
         <pc:docMk/>
       </pc:docMkLst>
-      <pc:sldChg chg="addSp delSp modSp del addCm delCm">
-        <pc:chgData name="Matiullah Hasher" userId="b5da0c13cdb4b27c" providerId="LiveId" clId="{2469DAC8-8C7B-4D21-9881-AF2FB6BAF2F6}" dt="2018-08-09T09:20:25.950" v="193" actId="2696"/>
+      <pc:sldChg chg="modSp">
+        <pc:chgData name="Matiullah Hasher" userId="b5da0c13cdb4b27c" providerId="LiveId" clId="{2469DAC8-8C7B-4D21-9881-AF2FB6BAF2F6}" dt="2018-08-11T02:29:32.428" v="844" actId="27636"/>
         <pc:sldMkLst>
           <pc:docMk/>
-          <pc:sldMk cId="1763775695" sldId="257"/>
+          <pc:sldMk cId="943188413" sldId="258"/>
         </pc:sldMkLst>
-        <pc:graphicFrameChg chg="add mod">
-          <ac:chgData name="Matiullah Hasher" userId="b5da0c13cdb4b27c" providerId="LiveId" clId="{2469DAC8-8C7B-4D21-9881-AF2FB6BAF2F6}" dt="2018-08-09T09:19:37.292" v="189" actId="13782"/>
-          <ac:graphicFrameMkLst>
+        <pc:spChg chg="mod">
+          <ac:chgData name="Matiullah Hasher" userId="b5da0c13cdb4b27c" providerId="LiveId" clId="{2469DAC8-8C7B-4D21-9881-AF2FB6BAF2F6}" dt="2018-08-11T02:29:08.821" v="838" actId="27636"/>
+          <ac:spMkLst>
             <pc:docMk/>
-            <pc:sldMk cId="1763775695" sldId="257"/>
-            <ac:graphicFrameMk id="2" creationId="{FCF6353F-B5F9-44A1-959B-D844174A70D8}"/>
-          </ac:graphicFrameMkLst>
-        </pc:graphicFrameChg>
-        <pc:graphicFrameChg chg="add del mod">
-          <ac:chgData name="Matiullah Hasher" userId="b5da0c13cdb4b27c" providerId="LiveId" clId="{2469DAC8-8C7B-4D21-9881-AF2FB6BAF2F6}" dt="2018-08-09T09:19:31.170" v="188" actId="1032"/>
-          <ac:graphicFrameMkLst>
+            <pc:sldMk cId="943188413" sldId="258"/>
+            <ac:spMk id="2" creationId="{0459106B-0306-4E21-8E99-EF0CBC3E078B}"/>
+          </ac:spMkLst>
+        </pc:spChg>
+        <pc:spChg chg="mod">
+          <ac:chgData name="Matiullah Hasher" userId="b5da0c13cdb4b27c" providerId="LiveId" clId="{2469DAC8-8C7B-4D21-9881-AF2FB6BAF2F6}" dt="2018-08-11T02:29:32.428" v="844" actId="27636"/>
+          <ac:spMkLst>
             <pc:docMk/>
-            <pc:sldMk cId="1763775695" sldId="257"/>
-            <ac:graphicFrameMk id="3" creationId="{61A20288-5B2F-4AFF-A2DE-850D5B730D3F}"/>
-          </ac:graphicFrameMkLst>
-        </pc:graphicFrameChg>
-        <pc:graphicFrameChg chg="add mod">
-          <ac:chgData name="Matiullah Hasher" userId="b5da0c13cdb4b27c" providerId="LiveId" clId="{2469DAC8-8C7B-4D21-9881-AF2FB6BAF2F6}" dt="2018-08-09T09:20:03.169" v="191" actId="1032"/>
-          <ac:graphicFrameMkLst>
+            <pc:sldMk cId="943188413" sldId="258"/>
+            <ac:spMk id="3" creationId="{D323B26B-B669-4A89-A819-294A77EC09D3}"/>
+          </ac:spMkLst>
+        </pc:spChg>
+      </pc:sldChg>
+      <pc:sldChg chg="modSp">
+        <pc:chgData name="Matiullah Hasher" userId="b5da0c13cdb4b27c" providerId="LiveId" clId="{2469DAC8-8C7B-4D21-9881-AF2FB6BAF2F6}" dt="2018-08-11T02:29:08.905" v="839" actId="27636"/>
+        <pc:sldMkLst>
+          <pc:docMk/>
+          <pc:sldMk cId="3396752082" sldId="260"/>
+        </pc:sldMkLst>
+        <pc:spChg chg="mod">
+          <ac:chgData name="Matiullah Hasher" userId="b5da0c13cdb4b27c" providerId="LiveId" clId="{2469DAC8-8C7B-4D21-9881-AF2FB6BAF2F6}" dt="2018-08-11T02:29:08.905" v="839" actId="27636"/>
+          <ac:spMkLst>
             <pc:docMk/>
-            <pc:sldMk cId="1763775695" sldId="257"/>
-            <ac:graphicFrameMk id="4" creationId="{9F8182B4-FB2B-4C26-AE61-1C18390D0852}"/>
-          </ac:graphicFrameMkLst>
-        </pc:graphicFrameChg>
+            <pc:sldMk cId="3396752082" sldId="260"/>
+            <ac:spMk id="2" creationId="{D1DFE06F-FDD0-4D0D-865E-FC407FEAAC1D}"/>
+          </ac:spMkLst>
+        </pc:spChg>
+        <pc:spChg chg="mod">
+          <ac:chgData name="Matiullah Hasher" userId="b5da0c13cdb4b27c" providerId="LiveId" clId="{2469DAC8-8C7B-4D21-9881-AF2FB6BAF2F6}" dt="2018-08-11T00:23:58.627" v="813" actId="6549"/>
+          <ac:spMkLst>
+            <pc:docMk/>
+            <pc:sldMk cId="3396752082" sldId="260"/>
+            <ac:spMk id="4" creationId="{55D4CA1C-D3EE-486D-AFD6-D1E242EDFCEB}"/>
+          </ac:spMkLst>
+        </pc:spChg>
       </pc:sldChg>
       <pc:sldChg chg="addSp delSp modSp add">
-        <pc:chgData name="Matiullah Hasher" userId="b5da0c13cdb4b27c" providerId="LiveId" clId="{2469DAC8-8C7B-4D21-9881-AF2FB6BAF2F6}" dt="2018-08-09T09:25:48.935" v="544"/>
+        <pc:chgData name="Matiullah Hasher" userId="b5da0c13cdb4b27c" providerId="LiveId" clId="{2469DAC8-8C7B-4D21-9881-AF2FB6BAF2F6}" dt="2018-08-11T02:29:08.933" v="840" actId="27636"/>
         <pc:sldMkLst>
           <pc:docMk/>
           <pc:sldMk cId="216778487" sldId="261"/>
         </pc:sldMkLst>
         <pc:spChg chg="mod">
-          <ac:chgData name="Matiullah Hasher" userId="b5da0c13cdb4b27c" providerId="LiveId" clId="{2469DAC8-8C7B-4D21-9881-AF2FB6BAF2F6}" dt="2018-08-09T09:20:46.293" v="205" actId="122"/>
+          <ac:chgData name="Matiullah Hasher" userId="b5da0c13cdb4b27c" providerId="LiveId" clId="{2469DAC8-8C7B-4D21-9881-AF2FB6BAF2F6}" dt="2018-08-11T02:29:08.933" v="840" actId="27636"/>
           <ac:spMkLst>
             <pc:docMk/>
             <pc:sldMk cId="216778487" sldId="261"/>
@@ -211,21 +230,14 @@
           </ac:graphicFrameMkLst>
         </pc:graphicFrameChg>
       </pc:sldChg>
-      <pc:sldChg chg="add del">
-        <pc:chgData name="Matiullah Hasher" userId="b5da0c13cdb4b27c" providerId="LiveId" clId="{2469DAC8-8C7B-4D21-9881-AF2FB6BAF2F6}" dt="2018-08-09T09:26:49.434" v="547" actId="2696"/>
-        <pc:sldMkLst>
-          <pc:docMk/>
-          <pc:sldMk cId="2411425439" sldId="262"/>
-        </pc:sldMkLst>
-      </pc:sldChg>
       <pc:sldChg chg="addSp delSp modSp add">
-        <pc:chgData name="Matiullah Hasher" userId="b5da0c13cdb4b27c" providerId="LiveId" clId="{2469DAC8-8C7B-4D21-9881-AF2FB6BAF2F6}" dt="2018-08-09T09:35:18.302" v="753" actId="1076"/>
+        <pc:chgData name="Matiullah Hasher" userId="b5da0c13cdb4b27c" providerId="LiveId" clId="{2469DAC8-8C7B-4D21-9881-AF2FB6BAF2F6}" dt="2018-08-11T02:28:50.910" v="834" actId="27636"/>
         <pc:sldMkLst>
           <pc:docMk/>
           <pc:sldMk cId="3490791684" sldId="263"/>
         </pc:sldMkLst>
         <pc:spChg chg="mod">
-          <ac:chgData name="Matiullah Hasher" userId="b5da0c13cdb4b27c" providerId="LiveId" clId="{2469DAC8-8C7B-4D21-9881-AF2FB6BAF2F6}" dt="2018-08-09T09:31:42.375" v="746" actId="255"/>
+          <ac:chgData name="Matiullah Hasher" userId="b5da0c13cdb4b27c" providerId="LiveId" clId="{2469DAC8-8C7B-4D21-9881-AF2FB6BAF2F6}" dt="2018-08-11T02:28:50.910" v="834" actId="27636"/>
           <ac:spMkLst>
             <pc:docMk/>
             <pc:sldMk cId="3490791684" sldId="263"/>
@@ -281,18 +293,26 @@
           </ac:picMkLst>
         </pc:picChg>
       </pc:sldChg>
-      <pc:sldChg chg="modSp add">
-        <pc:chgData name="Matiullah Hasher" userId="b5da0c13cdb4b27c" providerId="LiveId" clId="{2469DAC8-8C7B-4D21-9881-AF2FB6BAF2F6}" dt="2018-08-09T09:36:16.442" v="812" actId="122"/>
+      <pc:sldChg chg="addSp modSp add del">
+        <pc:chgData name="Matiullah Hasher" userId="b5da0c13cdb4b27c" providerId="LiveId" clId="{2469DAC8-8C7B-4D21-9881-AF2FB6BAF2F6}" dt="2018-08-11T02:27:51.628" v="826" actId="2696"/>
         <pc:sldMkLst>
           <pc:docMk/>
           <pc:sldMk cId="2708352129" sldId="264"/>
         </pc:sldMkLst>
         <pc:spChg chg="mod">
-          <ac:chgData name="Matiullah Hasher" userId="b5da0c13cdb4b27c" providerId="LiveId" clId="{2469DAC8-8C7B-4D21-9881-AF2FB6BAF2F6}" dt="2018-08-09T09:36:16.442" v="812" actId="122"/>
+          <ac:chgData name="Matiullah Hasher" userId="b5da0c13cdb4b27c" providerId="LiveId" clId="{2469DAC8-8C7B-4D21-9881-AF2FB6BAF2F6}" dt="2018-08-11T00:42:26.612" v="825" actId="20577"/>
           <ac:spMkLst>
             <pc:docMk/>
             <pc:sldMk cId="2708352129" sldId="264"/>
             <ac:spMk id="2" creationId="{85F52A4C-7E54-4276-8F2F-A49E2B8DCEAB}"/>
+          </ac:spMkLst>
+        </pc:spChg>
+        <pc:spChg chg="add mod">
+          <ac:chgData name="Matiullah Hasher" userId="b5da0c13cdb4b27c" providerId="LiveId" clId="{2469DAC8-8C7B-4D21-9881-AF2FB6BAF2F6}" dt="2018-08-11T00:42:18.441" v="815"/>
+          <ac:spMkLst>
+            <pc:docMk/>
+            <pc:sldMk cId="2708352129" sldId="264"/>
+            <ac:spMk id="3" creationId="{29079C27-8E09-4859-8D5F-BBCE2EEDF5F9}"/>
           </ac:spMkLst>
         </pc:spChg>
       </pc:sldChg>
@@ -2214,7 +2234,7 @@
             <a:alphaOff val="0"/>
           </a:schemeClr>
         </a:solidFill>
-        <a:ln w="12700" cap="flat" cmpd="sng" algn="ctr">
+        <a:ln w="19050" cap="flat" cmpd="sng" algn="ctr">
           <a:solidFill>
             <a:schemeClr val="lt1">
               <a:hueOff val="0"/>
@@ -2224,7 +2244,6 @@
             </a:schemeClr>
           </a:solidFill>
           <a:prstDash val="solid"/>
-          <a:miter lim="800000"/>
         </a:ln>
         <a:effectLst/>
       </dsp:spPr>
@@ -2243,12 +2262,12 @@
         </a:fontRef>
       </dsp:style>
       <dsp:txBody>
-        <a:bodyPr spcFirstLastPara="0" vert="horz" wrap="square" lIns="92012" tIns="30671" rIns="30671" bIns="30671" numCol="1" spcCol="1270" anchor="ctr" anchorCtr="0">
+        <a:bodyPr spcFirstLastPara="0" vert="horz" wrap="square" lIns="76010" tIns="25337" rIns="25337" bIns="25337" numCol="1" spcCol="1270" anchor="ctr" anchorCtr="0">
           <a:noAutofit/>
         </a:bodyPr>
         <a:lstStyle/>
         <a:p>
-          <a:pPr marL="0" lvl="0" indent="0" algn="ctr" defTabSz="1022350">
+          <a:pPr marL="0" lvl="0" indent="0" algn="ctr" defTabSz="844550">
             <a:lnSpc>
               <a:spcPct val="90000"/>
             </a:lnSpc>
@@ -2261,7 +2280,7 @@
             <a:buNone/>
           </a:pPr>
           <a:r>
-            <a:rPr lang="en-US" sz="2300" kern="1200" dirty="0"/>
+            <a:rPr lang="en-US" sz="1900" kern="1200" dirty="0"/>
             <a:t>Collect/Clean Data</a:t>
           </a:r>
         </a:p>
@@ -2292,7 +2311,7 @@
             <a:alphaOff val="0"/>
           </a:schemeClr>
         </a:solidFill>
-        <a:ln w="12700" cap="flat" cmpd="sng" algn="ctr">
+        <a:ln w="19050" cap="flat" cmpd="sng" algn="ctr">
           <a:solidFill>
             <a:schemeClr val="lt1">
               <a:hueOff val="0"/>
@@ -2302,7 +2321,6 @@
             </a:schemeClr>
           </a:solidFill>
           <a:prstDash val="solid"/>
-          <a:miter lim="800000"/>
         </a:ln>
         <a:effectLst/>
       </dsp:spPr>
@@ -2321,12 +2339,12 @@
         </a:fontRef>
       </dsp:style>
       <dsp:txBody>
-        <a:bodyPr spcFirstLastPara="0" vert="horz" wrap="square" lIns="92012" tIns="30671" rIns="30671" bIns="30671" numCol="1" spcCol="1270" anchor="ctr" anchorCtr="0">
+        <a:bodyPr spcFirstLastPara="0" vert="horz" wrap="square" lIns="76010" tIns="25337" rIns="25337" bIns="25337" numCol="1" spcCol="1270" anchor="ctr" anchorCtr="0">
           <a:noAutofit/>
         </a:bodyPr>
         <a:lstStyle/>
         <a:p>
-          <a:pPr marL="0" lvl="0" indent="0" algn="ctr" defTabSz="1022350">
+          <a:pPr marL="0" lvl="0" indent="0" algn="ctr" defTabSz="844550">
             <a:lnSpc>
               <a:spcPct val="90000"/>
             </a:lnSpc>
@@ -2339,7 +2357,7 @@
             <a:buNone/>
           </a:pPr>
           <a:r>
-            <a:rPr lang="en-US" sz="2300" kern="1200" dirty="0"/>
+            <a:rPr lang="en-US" sz="1900" kern="1200" dirty="0"/>
             <a:t>Run Multiple Regression</a:t>
           </a:r>
         </a:p>
@@ -2370,7 +2388,7 @@
             <a:alphaOff val="0"/>
           </a:schemeClr>
         </a:solidFill>
-        <a:ln w="12700" cap="flat" cmpd="sng" algn="ctr">
+        <a:ln w="19050" cap="flat" cmpd="sng" algn="ctr">
           <a:solidFill>
             <a:schemeClr val="lt1">
               <a:hueOff val="0"/>
@@ -2380,7 +2398,6 @@
             </a:schemeClr>
           </a:solidFill>
           <a:prstDash val="solid"/>
-          <a:miter lim="800000"/>
         </a:ln>
         <a:effectLst/>
       </dsp:spPr>
@@ -2399,12 +2416,12 @@
         </a:fontRef>
       </dsp:style>
       <dsp:txBody>
-        <a:bodyPr spcFirstLastPara="0" vert="horz" wrap="square" lIns="92012" tIns="30671" rIns="30671" bIns="30671" numCol="1" spcCol="1270" anchor="ctr" anchorCtr="0">
+        <a:bodyPr spcFirstLastPara="0" vert="horz" wrap="square" lIns="76010" tIns="25337" rIns="25337" bIns="25337" numCol="1" spcCol="1270" anchor="ctr" anchorCtr="0">
           <a:noAutofit/>
         </a:bodyPr>
         <a:lstStyle/>
         <a:p>
-          <a:pPr marL="0" lvl="0" indent="0" algn="ctr" defTabSz="1022350">
+          <a:pPr marL="0" lvl="0" indent="0" algn="ctr" defTabSz="844550">
             <a:lnSpc>
               <a:spcPct val="90000"/>
             </a:lnSpc>
@@ -2417,7 +2434,7 @@
             <a:buNone/>
           </a:pPr>
           <a:r>
-            <a:rPr lang="en-US" sz="2300" kern="1200" dirty="0"/>
+            <a:rPr lang="en-US" sz="1900" kern="1200" dirty="0"/>
             <a:t>Run Linear Regression</a:t>
           </a:r>
         </a:p>
@@ -2460,7 +2477,7 @@
             <a:alphaOff val="0"/>
           </a:schemeClr>
         </a:solidFill>
-        <a:ln w="12700" cap="flat" cmpd="sng" algn="ctr">
+        <a:ln w="19050" cap="flat" cmpd="sng" algn="ctr">
           <a:solidFill>
             <a:schemeClr val="lt1">
               <a:hueOff val="0"/>
@@ -2470,7 +2487,6 @@
             </a:schemeClr>
           </a:solidFill>
           <a:prstDash val="solid"/>
-          <a:miter lim="800000"/>
         </a:ln>
         <a:effectLst/>
       </dsp:spPr>
@@ -2489,12 +2505,12 @@
         </a:fontRef>
       </dsp:style>
       <dsp:txBody>
-        <a:bodyPr spcFirstLastPara="0" vert="horz" wrap="square" lIns="72009" tIns="24003" rIns="24003" bIns="24003" numCol="1" spcCol="1270" anchor="ctr" anchorCtr="0">
+        <a:bodyPr spcFirstLastPara="0" vert="horz" wrap="square" lIns="64008" tIns="21336" rIns="21336" bIns="21336" numCol="1" spcCol="1270" anchor="ctr" anchorCtr="0">
           <a:noAutofit/>
         </a:bodyPr>
         <a:lstStyle/>
         <a:p>
-          <a:pPr marL="0" lvl="0" indent="0" algn="ctr" defTabSz="800100">
+          <a:pPr marL="0" lvl="0" indent="0" algn="ctr" defTabSz="711200">
             <a:lnSpc>
               <a:spcPct val="90000"/>
             </a:lnSpc>
@@ -2507,7 +2523,7 @@
             <a:buNone/>
           </a:pPr>
           <a:r>
-            <a:rPr lang="en-US" sz="1800" kern="1200" dirty="0"/>
+            <a:rPr lang="en-US" sz="1600" kern="1200" dirty="0"/>
             <a:t>Create Tableau Visualizations</a:t>
           </a:r>
         </a:p>
@@ -2538,7 +2554,7 @@
             <a:alphaOff val="0"/>
           </a:schemeClr>
         </a:solidFill>
-        <a:ln w="12700" cap="flat" cmpd="sng" algn="ctr">
+        <a:ln w="19050" cap="flat" cmpd="sng" algn="ctr">
           <a:solidFill>
             <a:schemeClr val="lt1">
               <a:hueOff val="0"/>
@@ -2548,7 +2564,6 @@
             </a:schemeClr>
           </a:solidFill>
           <a:prstDash val="solid"/>
-          <a:miter lim="800000"/>
         </a:ln>
         <a:effectLst/>
       </dsp:spPr>
@@ -2567,12 +2582,12 @@
         </a:fontRef>
       </dsp:style>
       <dsp:txBody>
-        <a:bodyPr spcFirstLastPara="0" vert="horz" wrap="square" lIns="72009" tIns="24003" rIns="24003" bIns="24003" numCol="1" spcCol="1270" anchor="ctr" anchorCtr="0">
+        <a:bodyPr spcFirstLastPara="0" vert="horz" wrap="square" lIns="64008" tIns="21336" rIns="21336" bIns="21336" numCol="1" spcCol="1270" anchor="ctr" anchorCtr="0">
           <a:noAutofit/>
         </a:bodyPr>
         <a:lstStyle/>
         <a:p>
-          <a:pPr marL="0" lvl="0" indent="0" algn="ctr" defTabSz="800100">
+          <a:pPr marL="0" lvl="0" indent="0" algn="ctr" defTabSz="711200">
             <a:lnSpc>
               <a:spcPct val="90000"/>
             </a:lnSpc>
@@ -2585,7 +2600,7 @@
             <a:buNone/>
           </a:pPr>
           <a:r>
-            <a:rPr lang="en-US" sz="1800" kern="1200" dirty="0"/>
+            <a:rPr lang="en-US" sz="1600" kern="1200" dirty="0"/>
             <a:t>Create JS Visualization </a:t>
           </a:r>
         </a:p>
@@ -2616,7 +2631,7 @@
             <a:alphaOff val="0"/>
           </a:schemeClr>
         </a:solidFill>
-        <a:ln w="12700" cap="flat" cmpd="sng" algn="ctr">
+        <a:ln w="19050" cap="flat" cmpd="sng" algn="ctr">
           <a:solidFill>
             <a:schemeClr val="lt1">
               <a:hueOff val="0"/>
@@ -2626,7 +2641,6 @@
             </a:schemeClr>
           </a:solidFill>
           <a:prstDash val="solid"/>
-          <a:miter lim="800000"/>
         </a:ln>
         <a:effectLst/>
       </dsp:spPr>
@@ -2645,12 +2659,12 @@
         </a:fontRef>
       </dsp:style>
       <dsp:txBody>
-        <a:bodyPr spcFirstLastPara="0" vert="horz" wrap="square" lIns="72009" tIns="24003" rIns="24003" bIns="24003" numCol="1" spcCol="1270" anchor="ctr" anchorCtr="0">
+        <a:bodyPr spcFirstLastPara="0" vert="horz" wrap="square" lIns="64008" tIns="21336" rIns="21336" bIns="21336" numCol="1" spcCol="1270" anchor="ctr" anchorCtr="0">
           <a:noAutofit/>
         </a:bodyPr>
         <a:lstStyle/>
         <a:p>
-          <a:pPr marL="0" lvl="0" indent="0" algn="ctr" defTabSz="800100">
+          <a:pPr marL="0" lvl="0" indent="0" algn="ctr" defTabSz="711200">
             <a:lnSpc>
               <a:spcPct val="90000"/>
             </a:lnSpc>
@@ -2663,7 +2677,7 @@
             <a:buNone/>
           </a:pPr>
           <a:r>
-            <a:rPr lang="en-US" sz="1800" kern="1200" dirty="0"/>
+            <a:rPr lang="en-US" sz="1600" kern="1200" dirty="0"/>
             <a:t>Put Visualizations together on JS Dashboard using Tableau’s JS API</a:t>
           </a:r>
         </a:p>
@@ -5330,13 +5344,7 @@
       </p:grpSpPr>
       <p:sp>
         <p:nvSpPr>
-          <p:cNvPr id="2" name="Title 1">
-            <a:extLst>
-              <a:ext uri="{FF2B5EF4-FFF2-40B4-BE49-F238E27FC236}">
-                <a16:creationId xmlns:a16="http://schemas.microsoft.com/office/drawing/2014/main" id="{FC5E78DB-6AF7-41D4-BAC9-6BB006DDF05E}"/>
-              </a:ext>
-            </a:extLst>
-          </p:cNvPr>
+          <p:cNvPr id="2" name="Title 1"/>
           <p:cNvSpPr>
             <a:spLocks noGrp="1"/>
           </p:cNvSpPr>
@@ -5346,15 +5354,17 @@
         </p:nvSpPr>
         <p:spPr>
           <a:xfrm>
-            <a:off x="1524000" y="1122363"/>
-            <a:ext cx="9144000" cy="2387600"/>
+            <a:off x="1595269" y="1122363"/>
+            <a:ext cx="9001462" cy="2387600"/>
           </a:xfrm>
         </p:spPr>
         <p:txBody>
-          <a:bodyPr anchor="b"/>
+          <a:bodyPr anchor="b">
+            <a:normAutofit/>
+          </a:bodyPr>
           <a:lstStyle>
             <a:lvl1pPr algn="ctr">
-              <a:defRPr sz="6000"/>
+              <a:defRPr sz="4800"/>
             </a:lvl1pPr>
           </a:lstStyle>
           <a:p>
@@ -5362,18 +5372,13 @@
               <a:rPr lang="en-US"/>
               <a:t>Click to edit Master title style</a:t>
             </a:r>
-          </a:p>
-        </p:txBody>
-      </p:sp>
-      <p:sp>
-        <p:nvSpPr>
-          <p:cNvPr id="3" name="Subtitle 2">
-            <a:extLst>
-              <a:ext uri="{FF2B5EF4-FFF2-40B4-BE49-F238E27FC236}">
-                <a16:creationId xmlns:a16="http://schemas.microsoft.com/office/drawing/2014/main" id="{98AE2D29-5A72-4A31-B79C-2C9F9E883C96}"/>
-              </a:ext>
-            </a:extLst>
-          </p:cNvPr>
+            <a:endParaRPr lang="en-US" dirty="0"/>
+          </a:p>
+        </p:txBody>
+      </p:sp>
+      <p:sp>
+        <p:nvSpPr>
+          <p:cNvPr id="3" name="Subtitle 2"/>
           <p:cNvSpPr>
             <a:spLocks noGrp="1"/>
           </p:cNvSpPr>
@@ -5383,8 +5388,8 @@
         </p:nvSpPr>
         <p:spPr>
           <a:xfrm>
-            <a:off x="1524000" y="3602038"/>
-            <a:ext cx="9144000" cy="1655762"/>
+            <a:off x="1595269" y="3602038"/>
+            <a:ext cx="9001462" cy="1655762"/>
           </a:xfrm>
         </p:spPr>
         <p:txBody>
@@ -5432,18 +5437,13 @@
               <a:rPr lang="en-US"/>
               <a:t>Click to edit Master subtitle style</a:t>
             </a:r>
-          </a:p>
-        </p:txBody>
-      </p:sp>
-      <p:sp>
-        <p:nvSpPr>
-          <p:cNvPr id="4" name="Date Placeholder 3">
-            <a:extLst>
-              <a:ext uri="{FF2B5EF4-FFF2-40B4-BE49-F238E27FC236}">
-                <a16:creationId xmlns:a16="http://schemas.microsoft.com/office/drawing/2014/main" id="{4623CF1B-6633-47E3-97AD-5B9555DCE083}"/>
-              </a:ext>
-            </a:extLst>
-          </p:cNvPr>
+            <a:endParaRPr lang="en-US" dirty="0"/>
+          </a:p>
+        </p:txBody>
+      </p:sp>
+      <p:sp>
+        <p:nvSpPr>
+          <p:cNvPr id="4" name="Date Placeholder 3"/>
           <p:cNvSpPr>
             <a:spLocks noGrp="1"/>
           </p:cNvSpPr>
@@ -5458,7 +5458,7 @@
           <a:p>
             <a:fld id="{ECFE6AF2-E251-4549-B07F-CA0BEB1B74A4}" type="datetimeFigureOut">
               <a:rPr lang="en-US" smtClean="0"/>
-              <a:t>8/9/2018</a:t>
+              <a:t>8/10/2018</a:t>
             </a:fld>
             <a:endParaRPr lang="en-US"/>
           </a:p>
@@ -5466,13 +5466,7 @@
       </p:sp>
       <p:sp>
         <p:nvSpPr>
-          <p:cNvPr id="5" name="Footer Placeholder 4">
-            <a:extLst>
-              <a:ext uri="{FF2B5EF4-FFF2-40B4-BE49-F238E27FC236}">
-                <a16:creationId xmlns:a16="http://schemas.microsoft.com/office/drawing/2014/main" id="{5097DF9E-CA3D-42B9-B836-C7BDC7BE266C}"/>
-              </a:ext>
-            </a:extLst>
-          </p:cNvPr>
+          <p:cNvPr id="5" name="Footer Placeholder 4"/>
           <p:cNvSpPr>
             <a:spLocks noGrp="1"/>
           </p:cNvSpPr>
@@ -5491,13 +5485,7 @@
       </p:sp>
       <p:sp>
         <p:nvSpPr>
-          <p:cNvPr id="6" name="Slide Number Placeholder 5">
-            <a:extLst>
-              <a:ext uri="{FF2B5EF4-FFF2-40B4-BE49-F238E27FC236}">
-                <a16:creationId xmlns:a16="http://schemas.microsoft.com/office/drawing/2014/main" id="{671CEECD-9DA8-4D64-958D-81394610FB19}"/>
-              </a:ext>
-            </a:extLst>
-          </p:cNvPr>
+          <p:cNvPr id="6" name="Slide Number Placeholder 5"/>
           <p:cNvSpPr>
             <a:spLocks noGrp="1"/>
           </p:cNvSpPr>
@@ -5521,7 +5509,7 @@
     </p:spTree>
     <p:extLst>
       <p:ext uri="{BB962C8B-B14F-4D97-AF65-F5344CB8AC3E}">
-        <p14:creationId xmlns:p14="http://schemas.microsoft.com/office/powerpoint/2010/main" val="1309428048"/>
+        <p14:creationId xmlns:p14="http://schemas.microsoft.com/office/powerpoint/2010/main" val="3464717325"/>
       </p:ext>
     </p:extLst>
   </p:cSld>
@@ -5532,6 +5520,2556 @@
 </file>
 
 <file path=ppt/slideLayouts/slideLayout10.xml><?xml version="1.0" encoding="utf-8"?>
+<p:sldLayout xmlns:a="http://schemas.openxmlformats.org/drawingml/2006/main" xmlns:r="http://schemas.openxmlformats.org/officeDocument/2006/relationships" xmlns:p="http://schemas.openxmlformats.org/presentationml/2006/main" preserve="1">
+  <p:cSld name="Panoramic Picture with Caption">
+    <p:spTree>
+      <p:nvGrpSpPr>
+        <p:cNvPr id="1" name=""/>
+        <p:cNvGrpSpPr/>
+        <p:nvPr/>
+      </p:nvGrpSpPr>
+      <p:grpSpPr>
+        <a:xfrm>
+          <a:off x="0" y="0"/>
+          <a:ext cx="0" cy="0"/>
+          <a:chOff x="0" y="0"/>
+          <a:chExt cx="0" cy="0"/>
+        </a:xfrm>
+      </p:grpSpPr>
+      <p:sp>
+        <p:nvSpPr>
+          <p:cNvPr id="2" name="Title 1"/>
+          <p:cNvSpPr>
+            <a:spLocks noGrp="1"/>
+          </p:cNvSpPr>
+          <p:nvPr>
+            <p:ph type="title"/>
+          </p:nvPr>
+        </p:nvSpPr>
+        <p:spPr>
+          <a:xfrm>
+            <a:off x="913806" y="4289372"/>
+            <a:ext cx="10367564" cy="819355"/>
+          </a:xfrm>
+        </p:spPr>
+        <p:txBody>
+          <a:bodyPr anchor="b">
+            <a:normAutofit/>
+          </a:bodyPr>
+          <a:lstStyle>
+            <a:lvl1pPr>
+              <a:defRPr sz="2800"/>
+            </a:lvl1pPr>
+          </a:lstStyle>
+          <a:p>
+            <a:r>
+              <a:rPr lang="en-US"/>
+              <a:t>Click to edit Master title style</a:t>
+            </a:r>
+            <a:endParaRPr lang="en-US" dirty="0"/>
+          </a:p>
+        </p:txBody>
+      </p:sp>
+      <p:sp>
+        <p:nvSpPr>
+          <p:cNvPr id="3" name="Picture Placeholder 2"/>
+          <p:cNvSpPr>
+            <a:spLocks noGrp="1" noChangeAspect="1"/>
+          </p:cNvSpPr>
+          <p:nvPr>
+            <p:ph type="pic" idx="1"/>
+          </p:nvPr>
+        </p:nvSpPr>
+        <p:spPr>
+          <a:xfrm>
+            <a:off x="913806" y="621321"/>
+            <a:ext cx="10367564" cy="3379735"/>
+          </a:xfrm>
+          <a:noFill/>
+          <a:ln w="190500" cap="sq">
+            <a:solidFill>
+              <a:srgbClr val="FFFFFF"/>
+            </a:solidFill>
+            <a:miter lim="800000"/>
+          </a:ln>
+          <a:effectLst>
+            <a:outerShdw blurRad="55000" dist="18000" dir="5400000" algn="tl" rotWithShape="0">
+              <a:srgbClr val="000000">
+                <a:alpha val="40000"/>
+              </a:srgbClr>
+            </a:outerShdw>
+          </a:effectLst>
+          <a:scene3d>
+            <a:camera prst="orthographicFront"/>
+            <a:lightRig rig="twoPt" dir="t">
+              <a:rot lat="0" lon="0" rev="7200000"/>
+            </a:lightRig>
+          </a:scene3d>
+          <a:sp3d>
+            <a:bevelT w="25400" h="19050"/>
+            <a:contourClr>
+              <a:srgbClr val="FFFFFF"/>
+            </a:contourClr>
+          </a:sp3d>
+        </p:spPr>
+        <p:txBody>
+          <a:bodyPr anchor="t"/>
+          <a:lstStyle>
+            <a:lvl1pPr marL="0" indent="0" algn="ctr">
+              <a:buNone/>
+              <a:defRPr sz="3200"/>
+            </a:lvl1pPr>
+            <a:lvl2pPr marL="457200" indent="0">
+              <a:buNone/>
+              <a:defRPr sz="2800"/>
+            </a:lvl2pPr>
+            <a:lvl3pPr marL="914400" indent="0">
+              <a:buNone/>
+              <a:defRPr sz="2400"/>
+            </a:lvl3pPr>
+            <a:lvl4pPr marL="1371600" indent="0">
+              <a:buNone/>
+              <a:defRPr sz="2000"/>
+            </a:lvl4pPr>
+            <a:lvl5pPr marL="1828800" indent="0">
+              <a:buNone/>
+              <a:defRPr sz="2000"/>
+            </a:lvl5pPr>
+            <a:lvl6pPr marL="2286000" indent="0">
+              <a:buNone/>
+              <a:defRPr sz="2000"/>
+            </a:lvl6pPr>
+            <a:lvl7pPr marL="2743200" indent="0">
+              <a:buNone/>
+              <a:defRPr sz="2000"/>
+            </a:lvl7pPr>
+            <a:lvl8pPr marL="3200400" indent="0">
+              <a:buNone/>
+              <a:defRPr sz="2000"/>
+            </a:lvl8pPr>
+            <a:lvl9pPr marL="3657600" indent="0">
+              <a:buNone/>
+              <a:defRPr sz="2000"/>
+            </a:lvl9pPr>
+          </a:lstStyle>
+          <a:p>
+            <a:r>
+              <a:rPr lang="en-US"/>
+              <a:t>Click icon to add picture</a:t>
+            </a:r>
+            <a:endParaRPr lang="en-US" dirty="0"/>
+          </a:p>
+        </p:txBody>
+      </p:sp>
+      <p:sp>
+        <p:nvSpPr>
+          <p:cNvPr id="4" name="Text Placeholder 3"/>
+          <p:cNvSpPr>
+            <a:spLocks noGrp="1"/>
+          </p:cNvSpPr>
+          <p:nvPr>
+            <p:ph type="body" sz="half" idx="2"/>
+          </p:nvPr>
+        </p:nvSpPr>
+        <p:spPr>
+          <a:xfrm>
+            <a:off x="913795" y="5108728"/>
+            <a:ext cx="10365998" cy="682472"/>
+          </a:xfrm>
+        </p:spPr>
+        <p:txBody>
+          <a:bodyPr>
+            <a:normAutofit/>
+          </a:bodyPr>
+          <a:lstStyle>
+            <a:lvl1pPr marL="0" indent="0" algn="ctr">
+              <a:buNone/>
+              <a:defRPr sz="1800"/>
+            </a:lvl1pPr>
+            <a:lvl2pPr marL="457200" indent="0">
+              <a:buNone/>
+              <a:defRPr sz="1400"/>
+            </a:lvl2pPr>
+            <a:lvl3pPr marL="914400" indent="0">
+              <a:buNone/>
+              <a:defRPr sz="1200"/>
+            </a:lvl3pPr>
+            <a:lvl4pPr marL="1371600" indent="0">
+              <a:buNone/>
+              <a:defRPr sz="1000"/>
+            </a:lvl4pPr>
+            <a:lvl5pPr marL="1828800" indent="0">
+              <a:buNone/>
+              <a:defRPr sz="1000"/>
+            </a:lvl5pPr>
+            <a:lvl6pPr marL="2286000" indent="0">
+              <a:buNone/>
+              <a:defRPr sz="1000"/>
+            </a:lvl6pPr>
+            <a:lvl7pPr marL="2743200" indent="0">
+              <a:buNone/>
+              <a:defRPr sz="1000"/>
+            </a:lvl7pPr>
+            <a:lvl8pPr marL="3200400" indent="0">
+              <a:buNone/>
+              <a:defRPr sz="1000"/>
+            </a:lvl8pPr>
+            <a:lvl9pPr marL="3657600" indent="0">
+              <a:buNone/>
+              <a:defRPr sz="1000"/>
+            </a:lvl9pPr>
+          </a:lstStyle>
+          <a:p>
+            <a:pPr lvl="0"/>
+            <a:r>
+              <a:rPr lang="en-US"/>
+              <a:t>Edit Master text styles</a:t>
+            </a:r>
+          </a:p>
+        </p:txBody>
+      </p:sp>
+      <p:sp>
+        <p:nvSpPr>
+          <p:cNvPr id="5" name="Date Placeholder 4"/>
+          <p:cNvSpPr>
+            <a:spLocks noGrp="1"/>
+          </p:cNvSpPr>
+          <p:nvPr>
+            <p:ph type="dt" sz="half" idx="10"/>
+          </p:nvPr>
+        </p:nvSpPr>
+        <p:spPr/>
+        <p:txBody>
+          <a:bodyPr/>
+          <a:lstStyle/>
+          <a:p>
+            <a:fld id="{ECFE6AF2-E251-4549-B07F-CA0BEB1B74A4}" type="datetimeFigureOut">
+              <a:rPr lang="en-US" smtClean="0"/>
+              <a:t>8/10/2018</a:t>
+            </a:fld>
+            <a:endParaRPr lang="en-US"/>
+          </a:p>
+        </p:txBody>
+      </p:sp>
+      <p:sp>
+        <p:nvSpPr>
+          <p:cNvPr id="6" name="Footer Placeholder 5"/>
+          <p:cNvSpPr>
+            <a:spLocks noGrp="1"/>
+          </p:cNvSpPr>
+          <p:nvPr>
+            <p:ph type="ftr" sz="quarter" idx="11"/>
+          </p:nvPr>
+        </p:nvSpPr>
+        <p:spPr/>
+        <p:txBody>
+          <a:bodyPr/>
+          <a:lstStyle/>
+          <a:p>
+            <a:endParaRPr lang="en-US"/>
+          </a:p>
+        </p:txBody>
+      </p:sp>
+      <p:sp>
+        <p:nvSpPr>
+          <p:cNvPr id="7" name="Slide Number Placeholder 6"/>
+          <p:cNvSpPr>
+            <a:spLocks noGrp="1"/>
+          </p:cNvSpPr>
+          <p:nvPr>
+            <p:ph type="sldNum" sz="quarter" idx="12"/>
+          </p:nvPr>
+        </p:nvSpPr>
+        <p:spPr/>
+        <p:txBody>
+          <a:bodyPr/>
+          <a:lstStyle/>
+          <a:p>
+            <a:fld id="{502FC412-ABFB-4038-BEFE-074C88E4B8BA}" type="slidenum">
+              <a:rPr lang="en-US" smtClean="0"/>
+              <a:t>‹#›</a:t>
+            </a:fld>
+            <a:endParaRPr lang="en-US"/>
+          </a:p>
+        </p:txBody>
+      </p:sp>
+    </p:spTree>
+    <p:extLst>
+      <p:ext uri="{BB962C8B-B14F-4D97-AF65-F5344CB8AC3E}">
+        <p14:creationId xmlns:p14="http://schemas.microsoft.com/office/powerpoint/2010/main" val="618295909"/>
+      </p:ext>
+    </p:extLst>
+  </p:cSld>
+  <p:clrMapOvr>
+    <a:masterClrMapping/>
+  </p:clrMapOvr>
+</p:sldLayout>
+</file>
+
+<file path=ppt/slideLayouts/slideLayout11.xml><?xml version="1.0" encoding="utf-8"?>
+<p:sldLayout xmlns:a="http://schemas.openxmlformats.org/drawingml/2006/main" xmlns:r="http://schemas.openxmlformats.org/officeDocument/2006/relationships" xmlns:p="http://schemas.openxmlformats.org/presentationml/2006/main" preserve="1">
+  <p:cSld name="Title and Caption">
+    <p:spTree>
+      <p:nvGrpSpPr>
+        <p:cNvPr id="1" name=""/>
+        <p:cNvGrpSpPr/>
+        <p:nvPr/>
+      </p:nvGrpSpPr>
+      <p:grpSpPr>
+        <a:xfrm>
+          <a:off x="0" y="0"/>
+          <a:ext cx="0" cy="0"/>
+          <a:chOff x="0" y="0"/>
+          <a:chExt cx="0" cy="0"/>
+        </a:xfrm>
+      </p:grpSpPr>
+      <p:sp>
+        <p:nvSpPr>
+          <p:cNvPr id="2" name="Title 1"/>
+          <p:cNvSpPr>
+            <a:spLocks noGrp="1"/>
+          </p:cNvSpPr>
+          <p:nvPr>
+            <p:ph type="title"/>
+          </p:nvPr>
+        </p:nvSpPr>
+        <p:spPr>
+          <a:xfrm>
+            <a:off x="913795" y="609600"/>
+            <a:ext cx="10353762" cy="3424859"/>
+          </a:xfrm>
+        </p:spPr>
+        <p:txBody>
+          <a:bodyPr anchor="ctr"/>
+          <a:lstStyle>
+            <a:lvl1pPr>
+              <a:defRPr sz="3200"/>
+            </a:lvl1pPr>
+          </a:lstStyle>
+          <a:p>
+            <a:r>
+              <a:rPr lang="en-US"/>
+              <a:t>Click to edit Master title style</a:t>
+            </a:r>
+            <a:endParaRPr lang="en-US" dirty="0"/>
+          </a:p>
+        </p:txBody>
+      </p:sp>
+      <p:sp>
+        <p:nvSpPr>
+          <p:cNvPr id="4" name="Text Placeholder 3"/>
+          <p:cNvSpPr>
+            <a:spLocks noGrp="1"/>
+          </p:cNvSpPr>
+          <p:nvPr>
+            <p:ph type="body" sz="half" idx="2"/>
+          </p:nvPr>
+        </p:nvSpPr>
+        <p:spPr>
+          <a:xfrm>
+            <a:off x="913795" y="4204820"/>
+            <a:ext cx="10353761" cy="1592186"/>
+          </a:xfrm>
+        </p:spPr>
+        <p:txBody>
+          <a:bodyPr anchor="ctr"/>
+          <a:lstStyle>
+            <a:lvl1pPr marL="0" indent="0" algn="ctr">
+              <a:buNone/>
+              <a:defRPr sz="1600"/>
+            </a:lvl1pPr>
+            <a:lvl2pPr marL="457200" indent="0">
+              <a:buNone/>
+              <a:defRPr sz="1400"/>
+            </a:lvl2pPr>
+            <a:lvl3pPr marL="914400" indent="0">
+              <a:buNone/>
+              <a:defRPr sz="1200"/>
+            </a:lvl3pPr>
+            <a:lvl4pPr marL="1371600" indent="0">
+              <a:buNone/>
+              <a:defRPr sz="1000"/>
+            </a:lvl4pPr>
+            <a:lvl5pPr marL="1828800" indent="0">
+              <a:buNone/>
+              <a:defRPr sz="1000"/>
+            </a:lvl5pPr>
+            <a:lvl6pPr marL="2286000" indent="0">
+              <a:buNone/>
+              <a:defRPr sz="1000"/>
+            </a:lvl6pPr>
+            <a:lvl7pPr marL="2743200" indent="0">
+              <a:buNone/>
+              <a:defRPr sz="1000"/>
+            </a:lvl7pPr>
+            <a:lvl8pPr marL="3200400" indent="0">
+              <a:buNone/>
+              <a:defRPr sz="1000"/>
+            </a:lvl8pPr>
+            <a:lvl9pPr marL="3657600" indent="0">
+              <a:buNone/>
+              <a:defRPr sz="1000"/>
+            </a:lvl9pPr>
+          </a:lstStyle>
+          <a:p>
+            <a:pPr lvl="0"/>
+            <a:r>
+              <a:rPr lang="en-US"/>
+              <a:t>Edit Master text styles</a:t>
+            </a:r>
+          </a:p>
+        </p:txBody>
+      </p:sp>
+      <p:sp>
+        <p:nvSpPr>
+          <p:cNvPr id="5" name="Date Placeholder 4"/>
+          <p:cNvSpPr>
+            <a:spLocks noGrp="1"/>
+          </p:cNvSpPr>
+          <p:nvPr>
+            <p:ph type="dt" sz="half" idx="10"/>
+          </p:nvPr>
+        </p:nvSpPr>
+        <p:spPr/>
+        <p:txBody>
+          <a:bodyPr/>
+          <a:lstStyle/>
+          <a:p>
+            <a:fld id="{ECFE6AF2-E251-4549-B07F-CA0BEB1B74A4}" type="datetimeFigureOut">
+              <a:rPr lang="en-US" smtClean="0"/>
+              <a:t>8/10/2018</a:t>
+            </a:fld>
+            <a:endParaRPr lang="en-US"/>
+          </a:p>
+        </p:txBody>
+      </p:sp>
+      <p:sp>
+        <p:nvSpPr>
+          <p:cNvPr id="6" name="Footer Placeholder 5"/>
+          <p:cNvSpPr>
+            <a:spLocks noGrp="1"/>
+          </p:cNvSpPr>
+          <p:nvPr>
+            <p:ph type="ftr" sz="quarter" idx="11"/>
+          </p:nvPr>
+        </p:nvSpPr>
+        <p:spPr/>
+        <p:txBody>
+          <a:bodyPr/>
+          <a:lstStyle/>
+          <a:p>
+            <a:endParaRPr lang="en-US"/>
+          </a:p>
+        </p:txBody>
+      </p:sp>
+      <p:sp>
+        <p:nvSpPr>
+          <p:cNvPr id="7" name="Slide Number Placeholder 6"/>
+          <p:cNvSpPr>
+            <a:spLocks noGrp="1"/>
+          </p:cNvSpPr>
+          <p:nvPr>
+            <p:ph type="sldNum" sz="quarter" idx="12"/>
+          </p:nvPr>
+        </p:nvSpPr>
+        <p:spPr/>
+        <p:txBody>
+          <a:bodyPr/>
+          <a:lstStyle/>
+          <a:p>
+            <a:fld id="{502FC412-ABFB-4038-BEFE-074C88E4B8BA}" type="slidenum">
+              <a:rPr lang="en-US" smtClean="0"/>
+              <a:t>‹#›</a:t>
+            </a:fld>
+            <a:endParaRPr lang="en-US"/>
+          </a:p>
+        </p:txBody>
+      </p:sp>
+    </p:spTree>
+    <p:extLst>
+      <p:ext uri="{BB962C8B-B14F-4D97-AF65-F5344CB8AC3E}">
+        <p14:creationId xmlns:p14="http://schemas.microsoft.com/office/powerpoint/2010/main" val="1174875701"/>
+      </p:ext>
+    </p:extLst>
+  </p:cSld>
+  <p:clrMapOvr>
+    <a:masterClrMapping/>
+  </p:clrMapOvr>
+</p:sldLayout>
+</file>
+
+<file path=ppt/slideLayouts/slideLayout12.xml><?xml version="1.0" encoding="utf-8"?>
+<p:sldLayout xmlns:a="http://schemas.openxmlformats.org/drawingml/2006/main" xmlns:r="http://schemas.openxmlformats.org/officeDocument/2006/relationships" xmlns:p="http://schemas.openxmlformats.org/presentationml/2006/main" preserve="1">
+  <p:cSld name="Quote with Caption">
+    <p:spTree>
+      <p:nvGrpSpPr>
+        <p:cNvPr id="1" name=""/>
+        <p:cNvGrpSpPr/>
+        <p:nvPr/>
+      </p:nvGrpSpPr>
+      <p:grpSpPr>
+        <a:xfrm>
+          <a:off x="0" y="0"/>
+          <a:ext cx="0" cy="0"/>
+          <a:chOff x="0" y="0"/>
+          <a:chExt cx="0" cy="0"/>
+        </a:xfrm>
+      </p:grpSpPr>
+      <p:sp>
+        <p:nvSpPr>
+          <p:cNvPr id="2" name="Title 1"/>
+          <p:cNvSpPr>
+            <a:spLocks noGrp="1"/>
+          </p:cNvSpPr>
+          <p:nvPr>
+            <p:ph type="title"/>
+          </p:nvPr>
+        </p:nvSpPr>
+        <p:spPr>
+          <a:xfrm>
+            <a:off x="1446212" y="609600"/>
+            <a:ext cx="9302752" cy="2992904"/>
+          </a:xfrm>
+        </p:spPr>
+        <p:txBody>
+          <a:bodyPr anchor="ctr"/>
+          <a:lstStyle>
+            <a:lvl1pPr>
+              <a:defRPr sz="3200"/>
+            </a:lvl1pPr>
+          </a:lstStyle>
+          <a:p>
+            <a:r>
+              <a:rPr lang="en-US"/>
+              <a:t>Click to edit Master title style</a:t>
+            </a:r>
+            <a:endParaRPr lang="en-US" dirty="0"/>
+          </a:p>
+        </p:txBody>
+      </p:sp>
+      <p:sp>
+        <p:nvSpPr>
+          <p:cNvPr id="12" name="Text Placeholder 3"/>
+          <p:cNvSpPr>
+            <a:spLocks noGrp="1"/>
+          </p:cNvSpPr>
+          <p:nvPr>
+            <p:ph type="body" sz="half" idx="13"/>
+          </p:nvPr>
+        </p:nvSpPr>
+        <p:spPr>
+          <a:xfrm>
+            <a:off x="1720644" y="3610032"/>
+            <a:ext cx="8752299" cy="426812"/>
+          </a:xfrm>
+        </p:spPr>
+        <p:txBody>
+          <a:bodyPr anchor="t">
+            <a:normAutofit/>
+          </a:bodyPr>
+          <a:lstStyle>
+            <a:lvl1pPr marL="0" indent="0" algn="r">
+              <a:buNone/>
+              <a:defRPr sz="1400"/>
+            </a:lvl1pPr>
+            <a:lvl2pPr marL="457200" indent="0">
+              <a:buNone/>
+              <a:defRPr sz="1400"/>
+            </a:lvl2pPr>
+            <a:lvl3pPr marL="914400" indent="0">
+              <a:buNone/>
+              <a:defRPr sz="1200"/>
+            </a:lvl3pPr>
+            <a:lvl4pPr marL="1371600" indent="0">
+              <a:buNone/>
+              <a:defRPr sz="1000"/>
+            </a:lvl4pPr>
+            <a:lvl5pPr marL="1828800" indent="0">
+              <a:buNone/>
+              <a:defRPr sz="1000"/>
+            </a:lvl5pPr>
+            <a:lvl6pPr marL="2286000" indent="0">
+              <a:buNone/>
+              <a:defRPr sz="1000"/>
+            </a:lvl6pPr>
+            <a:lvl7pPr marL="2743200" indent="0">
+              <a:buNone/>
+              <a:defRPr sz="1000"/>
+            </a:lvl7pPr>
+            <a:lvl8pPr marL="3200400" indent="0">
+              <a:buNone/>
+              <a:defRPr sz="1000"/>
+            </a:lvl8pPr>
+            <a:lvl9pPr marL="3657600" indent="0">
+              <a:buNone/>
+              <a:defRPr sz="1000"/>
+            </a:lvl9pPr>
+          </a:lstStyle>
+          <a:p>
+            <a:pPr lvl="0"/>
+            <a:r>
+              <a:rPr lang="en-US"/>
+              <a:t>Edit Master text styles</a:t>
+            </a:r>
+          </a:p>
+        </p:txBody>
+      </p:sp>
+      <p:sp>
+        <p:nvSpPr>
+          <p:cNvPr id="4" name="Text Placeholder 3"/>
+          <p:cNvSpPr>
+            <a:spLocks noGrp="1"/>
+          </p:cNvSpPr>
+          <p:nvPr>
+            <p:ph type="body" sz="half" idx="2"/>
+          </p:nvPr>
+        </p:nvSpPr>
+        <p:spPr>
+          <a:xfrm>
+            <a:off x="913794" y="4204821"/>
+            <a:ext cx="10353762" cy="1586380"/>
+          </a:xfrm>
+        </p:spPr>
+        <p:txBody>
+          <a:bodyPr anchor="ctr">
+            <a:normAutofit/>
+          </a:bodyPr>
+          <a:lstStyle>
+            <a:lvl1pPr marL="0" indent="0" algn="ctr">
+              <a:buNone/>
+              <a:defRPr sz="1600"/>
+            </a:lvl1pPr>
+            <a:lvl2pPr marL="457200" indent="0">
+              <a:buNone/>
+              <a:defRPr sz="1400"/>
+            </a:lvl2pPr>
+            <a:lvl3pPr marL="914400" indent="0">
+              <a:buNone/>
+              <a:defRPr sz="1200"/>
+            </a:lvl3pPr>
+            <a:lvl4pPr marL="1371600" indent="0">
+              <a:buNone/>
+              <a:defRPr sz="1000"/>
+            </a:lvl4pPr>
+            <a:lvl5pPr marL="1828800" indent="0">
+              <a:buNone/>
+              <a:defRPr sz="1000"/>
+            </a:lvl5pPr>
+            <a:lvl6pPr marL="2286000" indent="0">
+              <a:buNone/>
+              <a:defRPr sz="1000"/>
+            </a:lvl6pPr>
+            <a:lvl7pPr marL="2743200" indent="0">
+              <a:buNone/>
+              <a:defRPr sz="1000"/>
+            </a:lvl7pPr>
+            <a:lvl8pPr marL="3200400" indent="0">
+              <a:buNone/>
+              <a:defRPr sz="1000"/>
+            </a:lvl8pPr>
+            <a:lvl9pPr marL="3657600" indent="0">
+              <a:buNone/>
+              <a:defRPr sz="1000"/>
+            </a:lvl9pPr>
+          </a:lstStyle>
+          <a:p>
+            <a:pPr lvl="0"/>
+            <a:r>
+              <a:rPr lang="en-US"/>
+              <a:t>Edit Master text styles</a:t>
+            </a:r>
+          </a:p>
+        </p:txBody>
+      </p:sp>
+      <p:sp>
+        <p:nvSpPr>
+          <p:cNvPr id="5" name="Date Placeholder 4"/>
+          <p:cNvSpPr>
+            <a:spLocks noGrp="1"/>
+          </p:cNvSpPr>
+          <p:nvPr>
+            <p:ph type="dt" sz="half" idx="10"/>
+          </p:nvPr>
+        </p:nvSpPr>
+        <p:spPr/>
+        <p:txBody>
+          <a:bodyPr/>
+          <a:lstStyle/>
+          <a:p>
+            <a:fld id="{ECFE6AF2-E251-4549-B07F-CA0BEB1B74A4}" type="datetimeFigureOut">
+              <a:rPr lang="en-US" smtClean="0"/>
+              <a:t>8/10/2018</a:t>
+            </a:fld>
+            <a:endParaRPr lang="en-US"/>
+          </a:p>
+        </p:txBody>
+      </p:sp>
+      <p:sp>
+        <p:nvSpPr>
+          <p:cNvPr id="6" name="Footer Placeholder 5"/>
+          <p:cNvSpPr>
+            <a:spLocks noGrp="1"/>
+          </p:cNvSpPr>
+          <p:nvPr>
+            <p:ph type="ftr" sz="quarter" idx="11"/>
+          </p:nvPr>
+        </p:nvSpPr>
+        <p:spPr/>
+        <p:txBody>
+          <a:bodyPr/>
+          <a:lstStyle/>
+          <a:p>
+            <a:endParaRPr lang="en-US"/>
+          </a:p>
+        </p:txBody>
+      </p:sp>
+      <p:sp>
+        <p:nvSpPr>
+          <p:cNvPr id="7" name="Slide Number Placeholder 6"/>
+          <p:cNvSpPr>
+            <a:spLocks noGrp="1"/>
+          </p:cNvSpPr>
+          <p:nvPr>
+            <p:ph type="sldNum" sz="quarter" idx="12"/>
+          </p:nvPr>
+        </p:nvSpPr>
+        <p:spPr/>
+        <p:txBody>
+          <a:bodyPr/>
+          <a:lstStyle/>
+          <a:p>
+            <a:fld id="{502FC412-ABFB-4038-BEFE-074C88E4B8BA}" type="slidenum">
+              <a:rPr lang="en-US" smtClean="0"/>
+              <a:t>‹#›</a:t>
+            </a:fld>
+            <a:endParaRPr lang="en-US"/>
+          </a:p>
+        </p:txBody>
+      </p:sp>
+      <p:sp>
+        <p:nvSpPr>
+          <p:cNvPr id="11" name="TextBox 10"/>
+          <p:cNvSpPr txBox="1"/>
+          <p:nvPr/>
+        </p:nvSpPr>
+        <p:spPr>
+          <a:xfrm>
+            <a:off x="836612" y="735241"/>
+            <a:ext cx="609600" cy="584776"/>
+          </a:xfrm>
+          <a:prstGeom prst="rect">
+            <a:avLst/>
+          </a:prstGeom>
+        </p:spPr>
+        <p:txBody>
+          <a:bodyPr vert="horz" lIns="91440" tIns="45720" rIns="91440" bIns="45720" rtlCol="0" anchor="ctr">
+            <a:noAutofit/>
+          </a:bodyPr>
+          <a:lstStyle>
+            <a:lvl1pPr>
+              <a:spcBef>
+                <a:spcPct val="0"/>
+              </a:spcBef>
+              <a:buNone/>
+              <a:defRPr sz="3200" b="0" cap="all">
+                <a:ln w="3175" cmpd="sng">
+                  <a:noFill/>
+                </a:ln>
+                <a:effectLst>
+                  <a:glow rad="38100">
+                    <a:schemeClr val="bg1">
+                      <a:lumMod val="65000"/>
+                      <a:lumOff val="35000"/>
+                      <a:alpha val="40000"/>
+                    </a:schemeClr>
+                  </a:glow>
+                  <a:outerShdw blurRad="28575" dist="38100" dir="14040000" algn="tl" rotWithShape="0">
+                    <a:srgbClr val="000000">
+                      <a:alpha val="25000"/>
+                    </a:srgbClr>
+                  </a:outerShdw>
+                </a:effectLst>
+              </a:defRPr>
+            </a:lvl1pPr>
+            <a:lvl2pPr>
+              <a:defRPr>
+                <a:solidFill>
+                  <a:schemeClr val="tx2"/>
+                </a:solidFill>
+              </a:defRPr>
+            </a:lvl2pPr>
+            <a:lvl3pPr>
+              <a:defRPr>
+                <a:solidFill>
+                  <a:schemeClr val="tx2"/>
+                </a:solidFill>
+              </a:defRPr>
+            </a:lvl3pPr>
+            <a:lvl4pPr>
+              <a:defRPr>
+                <a:solidFill>
+                  <a:schemeClr val="tx2"/>
+                </a:solidFill>
+              </a:defRPr>
+            </a:lvl4pPr>
+            <a:lvl5pPr>
+              <a:defRPr>
+                <a:solidFill>
+                  <a:schemeClr val="tx2"/>
+                </a:solidFill>
+              </a:defRPr>
+            </a:lvl5pPr>
+            <a:lvl6pPr>
+              <a:defRPr>
+                <a:solidFill>
+                  <a:schemeClr val="tx2"/>
+                </a:solidFill>
+              </a:defRPr>
+            </a:lvl6pPr>
+            <a:lvl7pPr>
+              <a:defRPr>
+                <a:solidFill>
+                  <a:schemeClr val="tx2"/>
+                </a:solidFill>
+              </a:defRPr>
+            </a:lvl7pPr>
+            <a:lvl8pPr>
+              <a:defRPr>
+                <a:solidFill>
+                  <a:schemeClr val="tx2"/>
+                </a:solidFill>
+              </a:defRPr>
+            </a:lvl8pPr>
+            <a:lvl9pPr>
+              <a:defRPr>
+                <a:solidFill>
+                  <a:schemeClr val="tx2"/>
+                </a:solidFill>
+              </a:defRPr>
+            </a:lvl9pPr>
+          </a:lstStyle>
+          <a:p>
+            <a:pPr lvl="0"/>
+            <a:r>
+              <a:rPr lang="en-US" sz="8000" dirty="0">
+                <a:solidFill>
+                  <a:schemeClr val="tx1"/>
+                </a:solidFill>
+                <a:effectLst/>
+              </a:rPr>
+              <a:t>“</a:t>
+            </a:r>
+          </a:p>
+        </p:txBody>
+      </p:sp>
+      <p:sp>
+        <p:nvSpPr>
+          <p:cNvPr id="13" name="TextBox 12"/>
+          <p:cNvSpPr txBox="1"/>
+          <p:nvPr/>
+        </p:nvSpPr>
+        <p:spPr>
+          <a:xfrm>
+            <a:off x="10657956" y="2972093"/>
+            <a:ext cx="609600" cy="584776"/>
+          </a:xfrm>
+          <a:prstGeom prst="rect">
+            <a:avLst/>
+          </a:prstGeom>
+        </p:spPr>
+        <p:txBody>
+          <a:bodyPr vert="horz" lIns="91440" tIns="45720" rIns="91440" bIns="45720" rtlCol="0" anchor="ctr">
+            <a:noAutofit/>
+          </a:bodyPr>
+          <a:lstStyle>
+            <a:lvl1pPr>
+              <a:spcBef>
+                <a:spcPct val="0"/>
+              </a:spcBef>
+              <a:buNone/>
+              <a:defRPr sz="3200" b="0" cap="all">
+                <a:ln w="3175" cmpd="sng">
+                  <a:noFill/>
+                </a:ln>
+                <a:effectLst>
+                  <a:glow rad="38100">
+                    <a:schemeClr val="bg1">
+                      <a:lumMod val="65000"/>
+                      <a:lumOff val="35000"/>
+                      <a:alpha val="40000"/>
+                    </a:schemeClr>
+                  </a:glow>
+                  <a:outerShdw blurRad="28575" dist="38100" dir="14040000" algn="tl" rotWithShape="0">
+                    <a:srgbClr val="000000">
+                      <a:alpha val="25000"/>
+                    </a:srgbClr>
+                  </a:outerShdw>
+                </a:effectLst>
+              </a:defRPr>
+            </a:lvl1pPr>
+            <a:lvl2pPr>
+              <a:defRPr>
+                <a:solidFill>
+                  <a:schemeClr val="tx2"/>
+                </a:solidFill>
+              </a:defRPr>
+            </a:lvl2pPr>
+            <a:lvl3pPr>
+              <a:defRPr>
+                <a:solidFill>
+                  <a:schemeClr val="tx2"/>
+                </a:solidFill>
+              </a:defRPr>
+            </a:lvl3pPr>
+            <a:lvl4pPr>
+              <a:defRPr>
+                <a:solidFill>
+                  <a:schemeClr val="tx2"/>
+                </a:solidFill>
+              </a:defRPr>
+            </a:lvl4pPr>
+            <a:lvl5pPr>
+              <a:defRPr>
+                <a:solidFill>
+                  <a:schemeClr val="tx2"/>
+                </a:solidFill>
+              </a:defRPr>
+            </a:lvl5pPr>
+            <a:lvl6pPr>
+              <a:defRPr>
+                <a:solidFill>
+                  <a:schemeClr val="tx2"/>
+                </a:solidFill>
+              </a:defRPr>
+            </a:lvl6pPr>
+            <a:lvl7pPr>
+              <a:defRPr>
+                <a:solidFill>
+                  <a:schemeClr val="tx2"/>
+                </a:solidFill>
+              </a:defRPr>
+            </a:lvl7pPr>
+            <a:lvl8pPr>
+              <a:defRPr>
+                <a:solidFill>
+                  <a:schemeClr val="tx2"/>
+                </a:solidFill>
+              </a:defRPr>
+            </a:lvl8pPr>
+            <a:lvl9pPr>
+              <a:defRPr>
+                <a:solidFill>
+                  <a:schemeClr val="tx2"/>
+                </a:solidFill>
+              </a:defRPr>
+            </a:lvl9pPr>
+          </a:lstStyle>
+          <a:p>
+            <a:pPr lvl="0" algn="r"/>
+            <a:r>
+              <a:rPr lang="en-US" sz="8000" dirty="0">
+                <a:solidFill>
+                  <a:schemeClr val="tx1"/>
+                </a:solidFill>
+                <a:effectLst/>
+              </a:rPr>
+              <a:t>”</a:t>
+            </a:r>
+          </a:p>
+        </p:txBody>
+      </p:sp>
+    </p:spTree>
+    <p:extLst>
+      <p:ext uri="{BB962C8B-B14F-4D97-AF65-F5344CB8AC3E}">
+        <p14:creationId xmlns:p14="http://schemas.microsoft.com/office/powerpoint/2010/main" val="3305222684"/>
+      </p:ext>
+    </p:extLst>
+  </p:cSld>
+  <p:clrMapOvr>
+    <a:masterClrMapping/>
+  </p:clrMapOvr>
+</p:sldLayout>
+</file>
+
+<file path=ppt/slideLayouts/slideLayout13.xml><?xml version="1.0" encoding="utf-8"?>
+<p:sldLayout xmlns:a="http://schemas.openxmlformats.org/drawingml/2006/main" xmlns:r="http://schemas.openxmlformats.org/officeDocument/2006/relationships" xmlns:p="http://schemas.openxmlformats.org/presentationml/2006/main" preserve="1">
+  <p:cSld name="Name Card">
+    <p:spTree>
+      <p:nvGrpSpPr>
+        <p:cNvPr id="1" name=""/>
+        <p:cNvGrpSpPr/>
+        <p:nvPr/>
+      </p:nvGrpSpPr>
+      <p:grpSpPr>
+        <a:xfrm>
+          <a:off x="0" y="0"/>
+          <a:ext cx="0" cy="0"/>
+          <a:chOff x="0" y="0"/>
+          <a:chExt cx="0" cy="0"/>
+        </a:xfrm>
+      </p:grpSpPr>
+      <p:sp>
+        <p:nvSpPr>
+          <p:cNvPr id="2" name="Title 1"/>
+          <p:cNvSpPr>
+            <a:spLocks noGrp="1"/>
+          </p:cNvSpPr>
+          <p:nvPr>
+            <p:ph type="title"/>
+          </p:nvPr>
+        </p:nvSpPr>
+        <p:spPr>
+          <a:xfrm>
+            <a:off x="913806" y="2126942"/>
+            <a:ext cx="10355327" cy="2511835"/>
+          </a:xfrm>
+        </p:spPr>
+        <p:txBody>
+          <a:bodyPr anchor="b"/>
+          <a:lstStyle>
+            <a:lvl1pPr>
+              <a:defRPr sz="3200"/>
+            </a:lvl1pPr>
+          </a:lstStyle>
+          <a:p>
+            <a:r>
+              <a:rPr lang="en-US"/>
+              <a:t>Click to edit Master title style</a:t>
+            </a:r>
+            <a:endParaRPr lang="en-US" dirty="0"/>
+          </a:p>
+        </p:txBody>
+      </p:sp>
+      <p:sp>
+        <p:nvSpPr>
+          <p:cNvPr id="4" name="Text Placeholder 3"/>
+          <p:cNvSpPr>
+            <a:spLocks noGrp="1"/>
+          </p:cNvSpPr>
+          <p:nvPr>
+            <p:ph type="body" sz="half" idx="2"/>
+          </p:nvPr>
+        </p:nvSpPr>
+        <p:spPr>
+          <a:xfrm>
+            <a:off x="913794" y="4650556"/>
+            <a:ext cx="10353763" cy="1140644"/>
+          </a:xfrm>
+        </p:spPr>
+        <p:txBody>
+          <a:bodyPr anchor="t"/>
+          <a:lstStyle>
+            <a:lvl1pPr marL="0" indent="0" algn="ctr">
+              <a:buNone/>
+              <a:defRPr sz="1600"/>
+            </a:lvl1pPr>
+            <a:lvl2pPr marL="457200" indent="0">
+              <a:buNone/>
+              <a:defRPr sz="1400"/>
+            </a:lvl2pPr>
+            <a:lvl3pPr marL="914400" indent="0">
+              <a:buNone/>
+              <a:defRPr sz="1200"/>
+            </a:lvl3pPr>
+            <a:lvl4pPr marL="1371600" indent="0">
+              <a:buNone/>
+              <a:defRPr sz="1000"/>
+            </a:lvl4pPr>
+            <a:lvl5pPr marL="1828800" indent="0">
+              <a:buNone/>
+              <a:defRPr sz="1000"/>
+            </a:lvl5pPr>
+            <a:lvl6pPr marL="2286000" indent="0">
+              <a:buNone/>
+              <a:defRPr sz="1000"/>
+            </a:lvl6pPr>
+            <a:lvl7pPr marL="2743200" indent="0">
+              <a:buNone/>
+              <a:defRPr sz="1000"/>
+            </a:lvl7pPr>
+            <a:lvl8pPr marL="3200400" indent="0">
+              <a:buNone/>
+              <a:defRPr sz="1000"/>
+            </a:lvl8pPr>
+            <a:lvl9pPr marL="3657600" indent="0">
+              <a:buNone/>
+              <a:defRPr sz="1000"/>
+            </a:lvl9pPr>
+          </a:lstStyle>
+          <a:p>
+            <a:pPr lvl="0"/>
+            <a:r>
+              <a:rPr lang="en-US"/>
+              <a:t>Edit Master text styles</a:t>
+            </a:r>
+          </a:p>
+        </p:txBody>
+      </p:sp>
+      <p:sp>
+        <p:nvSpPr>
+          <p:cNvPr id="5" name="Date Placeholder 4"/>
+          <p:cNvSpPr>
+            <a:spLocks noGrp="1"/>
+          </p:cNvSpPr>
+          <p:nvPr>
+            <p:ph type="dt" sz="half" idx="10"/>
+          </p:nvPr>
+        </p:nvSpPr>
+        <p:spPr/>
+        <p:txBody>
+          <a:bodyPr/>
+          <a:lstStyle/>
+          <a:p>
+            <a:fld id="{ECFE6AF2-E251-4549-B07F-CA0BEB1B74A4}" type="datetimeFigureOut">
+              <a:rPr lang="en-US" smtClean="0"/>
+              <a:t>8/10/2018</a:t>
+            </a:fld>
+            <a:endParaRPr lang="en-US"/>
+          </a:p>
+        </p:txBody>
+      </p:sp>
+      <p:sp>
+        <p:nvSpPr>
+          <p:cNvPr id="6" name="Footer Placeholder 5"/>
+          <p:cNvSpPr>
+            <a:spLocks noGrp="1"/>
+          </p:cNvSpPr>
+          <p:nvPr>
+            <p:ph type="ftr" sz="quarter" idx="11"/>
+          </p:nvPr>
+        </p:nvSpPr>
+        <p:spPr/>
+        <p:txBody>
+          <a:bodyPr/>
+          <a:lstStyle/>
+          <a:p>
+            <a:endParaRPr lang="en-US"/>
+          </a:p>
+        </p:txBody>
+      </p:sp>
+      <p:sp>
+        <p:nvSpPr>
+          <p:cNvPr id="7" name="Slide Number Placeholder 6"/>
+          <p:cNvSpPr>
+            <a:spLocks noGrp="1"/>
+          </p:cNvSpPr>
+          <p:nvPr>
+            <p:ph type="sldNum" sz="quarter" idx="12"/>
+          </p:nvPr>
+        </p:nvSpPr>
+        <p:spPr/>
+        <p:txBody>
+          <a:bodyPr/>
+          <a:lstStyle/>
+          <a:p>
+            <a:fld id="{502FC412-ABFB-4038-BEFE-074C88E4B8BA}" type="slidenum">
+              <a:rPr lang="en-US" smtClean="0"/>
+              <a:t>‹#›</a:t>
+            </a:fld>
+            <a:endParaRPr lang="en-US"/>
+          </a:p>
+        </p:txBody>
+      </p:sp>
+    </p:spTree>
+    <p:extLst>
+      <p:ext uri="{BB962C8B-B14F-4D97-AF65-F5344CB8AC3E}">
+        <p14:creationId xmlns:p14="http://schemas.microsoft.com/office/powerpoint/2010/main" val="2815433133"/>
+      </p:ext>
+    </p:extLst>
+  </p:cSld>
+  <p:clrMapOvr>
+    <a:masterClrMapping/>
+  </p:clrMapOvr>
+</p:sldLayout>
+</file>
+
+<file path=ppt/slideLayouts/slideLayout14.xml><?xml version="1.0" encoding="utf-8"?>
+<p:sldLayout xmlns:a="http://schemas.openxmlformats.org/drawingml/2006/main" xmlns:r="http://schemas.openxmlformats.org/officeDocument/2006/relationships" xmlns:p="http://schemas.openxmlformats.org/presentationml/2006/main" preserve="1">
+  <p:cSld name="3 Column">
+    <p:spTree>
+      <p:nvGrpSpPr>
+        <p:cNvPr id="1" name=""/>
+        <p:cNvGrpSpPr/>
+        <p:nvPr/>
+      </p:nvGrpSpPr>
+      <p:grpSpPr>
+        <a:xfrm>
+          <a:off x="0" y="0"/>
+          <a:ext cx="0" cy="0"/>
+          <a:chOff x="0" y="0"/>
+          <a:chExt cx="0" cy="0"/>
+        </a:xfrm>
+      </p:grpSpPr>
+      <p:sp>
+        <p:nvSpPr>
+          <p:cNvPr id="15" name="Title 1"/>
+          <p:cNvSpPr>
+            <a:spLocks noGrp="1"/>
+          </p:cNvSpPr>
+          <p:nvPr>
+            <p:ph type="title"/>
+          </p:nvPr>
+        </p:nvSpPr>
+        <p:spPr>
+          <a:xfrm>
+            <a:off x="913794" y="609600"/>
+            <a:ext cx="10353762" cy="1325563"/>
+          </a:xfrm>
+        </p:spPr>
+        <p:txBody>
+          <a:bodyPr/>
+          <a:lstStyle/>
+          <a:p>
+            <a:r>
+              <a:rPr lang="en-US"/>
+              <a:t>Click to edit Master title style</a:t>
+            </a:r>
+            <a:endParaRPr lang="en-US" dirty="0"/>
+          </a:p>
+        </p:txBody>
+      </p:sp>
+      <p:sp>
+        <p:nvSpPr>
+          <p:cNvPr id="7" name="Text Placeholder 2"/>
+          <p:cNvSpPr>
+            <a:spLocks noGrp="1"/>
+          </p:cNvSpPr>
+          <p:nvPr>
+            <p:ph type="body" idx="1"/>
+          </p:nvPr>
+        </p:nvSpPr>
+        <p:spPr>
+          <a:xfrm>
+            <a:off x="913794" y="2088319"/>
+            <a:ext cx="3298956" cy="823305"/>
+          </a:xfrm>
+        </p:spPr>
+        <p:txBody>
+          <a:bodyPr anchor="b">
+            <a:noAutofit/>
+          </a:bodyPr>
+          <a:lstStyle>
+            <a:lvl1pPr marL="0" indent="0" algn="ctr">
+              <a:lnSpc>
+                <a:spcPct val="100000"/>
+              </a:lnSpc>
+              <a:buNone/>
+              <a:defRPr sz="2400" b="0">
+                <a:solidFill>
+                  <a:schemeClr val="tx1"/>
+                </a:solidFill>
+              </a:defRPr>
+            </a:lvl1pPr>
+            <a:lvl2pPr marL="457200" indent="0">
+              <a:buNone/>
+              <a:defRPr sz="2000" b="1"/>
+            </a:lvl2pPr>
+            <a:lvl3pPr marL="914400" indent="0">
+              <a:buNone/>
+              <a:defRPr sz="1800" b="1"/>
+            </a:lvl3pPr>
+            <a:lvl4pPr marL="1371600" indent="0">
+              <a:buNone/>
+              <a:defRPr sz="1600" b="1"/>
+            </a:lvl4pPr>
+            <a:lvl5pPr marL="1828800" indent="0">
+              <a:buNone/>
+              <a:defRPr sz="1600" b="1"/>
+            </a:lvl5pPr>
+            <a:lvl6pPr marL="2286000" indent="0">
+              <a:buNone/>
+              <a:defRPr sz="1600" b="1"/>
+            </a:lvl6pPr>
+            <a:lvl7pPr marL="2743200" indent="0">
+              <a:buNone/>
+              <a:defRPr sz="1600" b="1"/>
+            </a:lvl7pPr>
+            <a:lvl8pPr marL="3200400" indent="0">
+              <a:buNone/>
+              <a:defRPr sz="1600" b="1"/>
+            </a:lvl8pPr>
+            <a:lvl9pPr marL="3657600" indent="0">
+              <a:buNone/>
+              <a:defRPr sz="1600" b="1"/>
+            </a:lvl9pPr>
+          </a:lstStyle>
+          <a:p>
+            <a:pPr lvl="0"/>
+            <a:r>
+              <a:rPr lang="en-US"/>
+              <a:t>Edit Master text styles</a:t>
+            </a:r>
+          </a:p>
+        </p:txBody>
+      </p:sp>
+      <p:sp>
+        <p:nvSpPr>
+          <p:cNvPr id="8" name="Text Placeholder 3"/>
+          <p:cNvSpPr>
+            <a:spLocks noGrp="1"/>
+          </p:cNvSpPr>
+          <p:nvPr>
+            <p:ph type="body" sz="half" idx="15"/>
+          </p:nvPr>
+        </p:nvSpPr>
+        <p:spPr>
+          <a:xfrm>
+            <a:off x="913794" y="2911624"/>
+            <a:ext cx="3298956" cy="2879576"/>
+          </a:xfrm>
+        </p:spPr>
+        <p:txBody>
+          <a:bodyPr anchor="t">
+            <a:normAutofit/>
+          </a:bodyPr>
+          <a:lstStyle>
+            <a:lvl1pPr marL="0" indent="0" algn="ctr">
+              <a:buNone/>
+              <a:defRPr sz="1400"/>
+            </a:lvl1pPr>
+            <a:lvl2pPr marL="457200" indent="0">
+              <a:buNone/>
+              <a:defRPr sz="1200"/>
+            </a:lvl2pPr>
+            <a:lvl3pPr marL="914400" indent="0">
+              <a:buNone/>
+              <a:defRPr sz="1000"/>
+            </a:lvl3pPr>
+            <a:lvl4pPr marL="1371600" indent="0">
+              <a:buNone/>
+              <a:defRPr sz="900"/>
+            </a:lvl4pPr>
+            <a:lvl5pPr marL="1828800" indent="0">
+              <a:buNone/>
+              <a:defRPr sz="900"/>
+            </a:lvl5pPr>
+            <a:lvl6pPr marL="2286000" indent="0">
+              <a:buNone/>
+              <a:defRPr sz="900"/>
+            </a:lvl6pPr>
+            <a:lvl7pPr marL="2743200" indent="0">
+              <a:buNone/>
+              <a:defRPr sz="900"/>
+            </a:lvl7pPr>
+            <a:lvl8pPr marL="3200400" indent="0">
+              <a:buNone/>
+              <a:defRPr sz="900"/>
+            </a:lvl8pPr>
+            <a:lvl9pPr marL="3657600" indent="0">
+              <a:buNone/>
+              <a:defRPr sz="900"/>
+            </a:lvl9pPr>
+          </a:lstStyle>
+          <a:p>
+            <a:pPr lvl="0"/>
+            <a:r>
+              <a:rPr lang="en-US"/>
+              <a:t>Edit Master text styles</a:t>
+            </a:r>
+          </a:p>
+        </p:txBody>
+      </p:sp>
+      <p:sp>
+        <p:nvSpPr>
+          <p:cNvPr id="9" name="Text Placeholder 4"/>
+          <p:cNvSpPr>
+            <a:spLocks noGrp="1"/>
+          </p:cNvSpPr>
+          <p:nvPr>
+            <p:ph type="body" sz="quarter" idx="3"/>
+          </p:nvPr>
+        </p:nvSpPr>
+        <p:spPr>
+          <a:xfrm>
+            <a:off x="4444878" y="2088320"/>
+            <a:ext cx="3298558" cy="823304"/>
+          </a:xfrm>
+        </p:spPr>
+        <p:txBody>
+          <a:bodyPr anchor="b">
+            <a:noAutofit/>
+          </a:bodyPr>
+          <a:lstStyle>
+            <a:lvl1pPr marL="0" indent="0" algn="ctr">
+              <a:lnSpc>
+                <a:spcPct val="100000"/>
+              </a:lnSpc>
+              <a:buNone/>
+              <a:defRPr sz="2400" b="0">
+                <a:solidFill>
+                  <a:schemeClr val="tx1"/>
+                </a:solidFill>
+              </a:defRPr>
+            </a:lvl1pPr>
+            <a:lvl2pPr marL="457200" indent="0">
+              <a:buNone/>
+              <a:defRPr sz="2000" b="1"/>
+            </a:lvl2pPr>
+            <a:lvl3pPr marL="914400" indent="0">
+              <a:buNone/>
+              <a:defRPr sz="1800" b="1"/>
+            </a:lvl3pPr>
+            <a:lvl4pPr marL="1371600" indent="0">
+              <a:buNone/>
+              <a:defRPr sz="1600" b="1"/>
+            </a:lvl4pPr>
+            <a:lvl5pPr marL="1828800" indent="0">
+              <a:buNone/>
+              <a:defRPr sz="1600" b="1"/>
+            </a:lvl5pPr>
+            <a:lvl6pPr marL="2286000" indent="0">
+              <a:buNone/>
+              <a:defRPr sz="1600" b="1"/>
+            </a:lvl6pPr>
+            <a:lvl7pPr marL="2743200" indent="0">
+              <a:buNone/>
+              <a:defRPr sz="1600" b="1"/>
+            </a:lvl7pPr>
+            <a:lvl8pPr marL="3200400" indent="0">
+              <a:buNone/>
+              <a:defRPr sz="1600" b="1"/>
+            </a:lvl8pPr>
+            <a:lvl9pPr marL="3657600" indent="0">
+              <a:buNone/>
+              <a:defRPr sz="1600" b="1"/>
+            </a:lvl9pPr>
+          </a:lstStyle>
+          <a:p>
+            <a:pPr lvl="0"/>
+            <a:r>
+              <a:rPr lang="en-US"/>
+              <a:t>Edit Master text styles</a:t>
+            </a:r>
+          </a:p>
+        </p:txBody>
+      </p:sp>
+      <p:sp>
+        <p:nvSpPr>
+          <p:cNvPr id="10" name="Text Placeholder 3"/>
+          <p:cNvSpPr>
+            <a:spLocks noGrp="1"/>
+          </p:cNvSpPr>
+          <p:nvPr>
+            <p:ph type="body" sz="half" idx="16"/>
+          </p:nvPr>
+        </p:nvSpPr>
+        <p:spPr>
+          <a:xfrm>
+            <a:off x="4444878" y="2911624"/>
+            <a:ext cx="3299821" cy="2879576"/>
+          </a:xfrm>
+        </p:spPr>
+        <p:txBody>
+          <a:bodyPr anchor="t">
+            <a:normAutofit/>
+          </a:bodyPr>
+          <a:lstStyle>
+            <a:lvl1pPr marL="0" indent="0" algn="ctr">
+              <a:buNone/>
+              <a:defRPr sz="1400"/>
+            </a:lvl1pPr>
+            <a:lvl2pPr marL="457200" indent="0">
+              <a:buNone/>
+              <a:defRPr sz="1200"/>
+            </a:lvl2pPr>
+            <a:lvl3pPr marL="914400" indent="0">
+              <a:buNone/>
+              <a:defRPr sz="1000"/>
+            </a:lvl3pPr>
+            <a:lvl4pPr marL="1371600" indent="0">
+              <a:buNone/>
+              <a:defRPr sz="900"/>
+            </a:lvl4pPr>
+            <a:lvl5pPr marL="1828800" indent="0">
+              <a:buNone/>
+              <a:defRPr sz="900"/>
+            </a:lvl5pPr>
+            <a:lvl6pPr marL="2286000" indent="0">
+              <a:buNone/>
+              <a:defRPr sz="900"/>
+            </a:lvl6pPr>
+            <a:lvl7pPr marL="2743200" indent="0">
+              <a:buNone/>
+              <a:defRPr sz="900"/>
+            </a:lvl7pPr>
+            <a:lvl8pPr marL="3200400" indent="0">
+              <a:buNone/>
+              <a:defRPr sz="900"/>
+            </a:lvl8pPr>
+            <a:lvl9pPr marL="3657600" indent="0">
+              <a:buNone/>
+              <a:defRPr sz="900"/>
+            </a:lvl9pPr>
+          </a:lstStyle>
+          <a:p>
+            <a:pPr lvl="0"/>
+            <a:r>
+              <a:rPr lang="en-US"/>
+              <a:t>Edit Master text styles</a:t>
+            </a:r>
+          </a:p>
+        </p:txBody>
+      </p:sp>
+      <p:sp>
+        <p:nvSpPr>
+          <p:cNvPr id="11" name="Text Placeholder 4"/>
+          <p:cNvSpPr>
+            <a:spLocks noGrp="1"/>
+          </p:cNvSpPr>
+          <p:nvPr>
+            <p:ph type="body" sz="quarter" idx="13"/>
+          </p:nvPr>
+        </p:nvSpPr>
+        <p:spPr>
+          <a:xfrm>
+            <a:off x="7973298" y="2088320"/>
+            <a:ext cx="3291211" cy="823304"/>
+          </a:xfrm>
+        </p:spPr>
+        <p:txBody>
+          <a:bodyPr anchor="b">
+            <a:noAutofit/>
+          </a:bodyPr>
+          <a:lstStyle>
+            <a:lvl1pPr marL="0" indent="0" algn="ctr">
+              <a:lnSpc>
+                <a:spcPct val="100000"/>
+              </a:lnSpc>
+              <a:buNone/>
+              <a:defRPr sz="2400" b="0">
+                <a:solidFill>
+                  <a:schemeClr val="tx1"/>
+                </a:solidFill>
+              </a:defRPr>
+            </a:lvl1pPr>
+            <a:lvl2pPr marL="457200" indent="0">
+              <a:buNone/>
+              <a:defRPr sz="2000" b="1"/>
+            </a:lvl2pPr>
+            <a:lvl3pPr marL="914400" indent="0">
+              <a:buNone/>
+              <a:defRPr sz="1800" b="1"/>
+            </a:lvl3pPr>
+            <a:lvl4pPr marL="1371600" indent="0">
+              <a:buNone/>
+              <a:defRPr sz="1600" b="1"/>
+            </a:lvl4pPr>
+            <a:lvl5pPr marL="1828800" indent="0">
+              <a:buNone/>
+              <a:defRPr sz="1600" b="1"/>
+            </a:lvl5pPr>
+            <a:lvl6pPr marL="2286000" indent="0">
+              <a:buNone/>
+              <a:defRPr sz="1600" b="1"/>
+            </a:lvl6pPr>
+            <a:lvl7pPr marL="2743200" indent="0">
+              <a:buNone/>
+              <a:defRPr sz="1600" b="1"/>
+            </a:lvl7pPr>
+            <a:lvl8pPr marL="3200400" indent="0">
+              <a:buNone/>
+              <a:defRPr sz="1600" b="1"/>
+            </a:lvl8pPr>
+            <a:lvl9pPr marL="3657600" indent="0">
+              <a:buNone/>
+              <a:defRPr sz="1600" b="1"/>
+            </a:lvl9pPr>
+          </a:lstStyle>
+          <a:p>
+            <a:pPr lvl="0"/>
+            <a:r>
+              <a:rPr lang="en-US"/>
+              <a:t>Edit Master text styles</a:t>
+            </a:r>
+          </a:p>
+        </p:txBody>
+      </p:sp>
+      <p:sp>
+        <p:nvSpPr>
+          <p:cNvPr id="12" name="Text Placeholder 3"/>
+          <p:cNvSpPr>
+            <a:spLocks noGrp="1"/>
+          </p:cNvSpPr>
+          <p:nvPr>
+            <p:ph type="body" sz="half" idx="17"/>
+          </p:nvPr>
+        </p:nvSpPr>
+        <p:spPr>
+          <a:xfrm>
+            <a:off x="7976346" y="2911624"/>
+            <a:ext cx="3291211" cy="2879576"/>
+          </a:xfrm>
+        </p:spPr>
+        <p:txBody>
+          <a:bodyPr anchor="t">
+            <a:normAutofit/>
+          </a:bodyPr>
+          <a:lstStyle>
+            <a:lvl1pPr marL="0" indent="0" algn="ctr">
+              <a:buNone/>
+              <a:defRPr sz="1400"/>
+            </a:lvl1pPr>
+            <a:lvl2pPr marL="457200" indent="0">
+              <a:buNone/>
+              <a:defRPr sz="1200"/>
+            </a:lvl2pPr>
+            <a:lvl3pPr marL="914400" indent="0">
+              <a:buNone/>
+              <a:defRPr sz="1000"/>
+            </a:lvl3pPr>
+            <a:lvl4pPr marL="1371600" indent="0">
+              <a:buNone/>
+              <a:defRPr sz="900"/>
+            </a:lvl4pPr>
+            <a:lvl5pPr marL="1828800" indent="0">
+              <a:buNone/>
+              <a:defRPr sz="900"/>
+            </a:lvl5pPr>
+            <a:lvl6pPr marL="2286000" indent="0">
+              <a:buNone/>
+              <a:defRPr sz="900"/>
+            </a:lvl6pPr>
+            <a:lvl7pPr marL="2743200" indent="0">
+              <a:buNone/>
+              <a:defRPr sz="900"/>
+            </a:lvl7pPr>
+            <a:lvl8pPr marL="3200400" indent="0">
+              <a:buNone/>
+              <a:defRPr sz="900"/>
+            </a:lvl8pPr>
+            <a:lvl9pPr marL="3657600" indent="0">
+              <a:buNone/>
+              <a:defRPr sz="900"/>
+            </a:lvl9pPr>
+          </a:lstStyle>
+          <a:p>
+            <a:pPr lvl="0"/>
+            <a:r>
+              <a:rPr lang="en-US"/>
+              <a:t>Edit Master text styles</a:t>
+            </a:r>
+          </a:p>
+        </p:txBody>
+      </p:sp>
+      <p:sp>
+        <p:nvSpPr>
+          <p:cNvPr id="3" name="Date Placeholder 2"/>
+          <p:cNvSpPr>
+            <a:spLocks noGrp="1"/>
+          </p:cNvSpPr>
+          <p:nvPr>
+            <p:ph type="dt" sz="half" idx="10"/>
+          </p:nvPr>
+        </p:nvSpPr>
+        <p:spPr/>
+        <p:txBody>
+          <a:bodyPr/>
+          <a:lstStyle/>
+          <a:p>
+            <a:fld id="{ECFE6AF2-E251-4549-B07F-CA0BEB1B74A4}" type="datetimeFigureOut">
+              <a:rPr lang="en-US" smtClean="0"/>
+              <a:t>8/10/2018</a:t>
+            </a:fld>
+            <a:endParaRPr lang="en-US"/>
+          </a:p>
+        </p:txBody>
+      </p:sp>
+      <p:sp>
+        <p:nvSpPr>
+          <p:cNvPr id="4" name="Footer Placeholder 3"/>
+          <p:cNvSpPr>
+            <a:spLocks noGrp="1"/>
+          </p:cNvSpPr>
+          <p:nvPr>
+            <p:ph type="ftr" sz="quarter" idx="11"/>
+          </p:nvPr>
+        </p:nvSpPr>
+        <p:spPr/>
+        <p:txBody>
+          <a:bodyPr/>
+          <a:lstStyle/>
+          <a:p>
+            <a:endParaRPr lang="en-US"/>
+          </a:p>
+        </p:txBody>
+      </p:sp>
+      <p:sp>
+        <p:nvSpPr>
+          <p:cNvPr id="5" name="Slide Number Placeholder 4"/>
+          <p:cNvSpPr>
+            <a:spLocks noGrp="1"/>
+          </p:cNvSpPr>
+          <p:nvPr>
+            <p:ph type="sldNum" sz="quarter" idx="12"/>
+          </p:nvPr>
+        </p:nvSpPr>
+        <p:spPr/>
+        <p:txBody>
+          <a:bodyPr/>
+          <a:lstStyle/>
+          <a:p>
+            <a:fld id="{502FC412-ABFB-4038-BEFE-074C88E4B8BA}" type="slidenum">
+              <a:rPr lang="en-US" smtClean="0"/>
+              <a:t>‹#›</a:t>
+            </a:fld>
+            <a:endParaRPr lang="en-US"/>
+          </a:p>
+        </p:txBody>
+      </p:sp>
+    </p:spTree>
+    <p:extLst>
+      <p:ext uri="{BB962C8B-B14F-4D97-AF65-F5344CB8AC3E}">
+        <p14:creationId xmlns:p14="http://schemas.microsoft.com/office/powerpoint/2010/main" val="3794578200"/>
+      </p:ext>
+    </p:extLst>
+  </p:cSld>
+  <p:clrMapOvr>
+    <a:masterClrMapping/>
+  </p:clrMapOvr>
+</p:sldLayout>
+</file>
+
+<file path=ppt/slideLayouts/slideLayout15.xml><?xml version="1.0" encoding="utf-8"?>
+<p:sldLayout xmlns:a="http://schemas.openxmlformats.org/drawingml/2006/main" xmlns:r="http://schemas.openxmlformats.org/officeDocument/2006/relationships" xmlns:p="http://schemas.openxmlformats.org/presentationml/2006/main" preserve="1">
+  <p:cSld name="3 Picture Column">
+    <p:spTree>
+      <p:nvGrpSpPr>
+        <p:cNvPr id="1" name=""/>
+        <p:cNvGrpSpPr/>
+        <p:nvPr/>
+      </p:nvGrpSpPr>
+      <p:grpSpPr>
+        <a:xfrm>
+          <a:off x="0" y="0"/>
+          <a:ext cx="0" cy="0"/>
+          <a:chOff x="0" y="0"/>
+          <a:chExt cx="0" cy="0"/>
+        </a:xfrm>
+      </p:grpSpPr>
+      <p:sp>
+        <p:nvSpPr>
+          <p:cNvPr id="30" name="Title 1"/>
+          <p:cNvSpPr>
+            <a:spLocks noGrp="1"/>
+          </p:cNvSpPr>
+          <p:nvPr>
+            <p:ph type="title"/>
+          </p:nvPr>
+        </p:nvSpPr>
+        <p:spPr>
+          <a:xfrm>
+            <a:off x="913795" y="609600"/>
+            <a:ext cx="10353762" cy="1325563"/>
+          </a:xfrm>
+        </p:spPr>
+        <p:txBody>
+          <a:bodyPr/>
+          <a:lstStyle/>
+          <a:p>
+            <a:r>
+              <a:rPr lang="en-US"/>
+              <a:t>Click to edit Master title style</a:t>
+            </a:r>
+            <a:endParaRPr lang="en-US" dirty="0"/>
+          </a:p>
+        </p:txBody>
+      </p:sp>
+      <p:sp>
+        <p:nvSpPr>
+          <p:cNvPr id="19" name="Text Placeholder 2"/>
+          <p:cNvSpPr>
+            <a:spLocks noGrp="1"/>
+          </p:cNvSpPr>
+          <p:nvPr>
+            <p:ph type="body" idx="1"/>
+          </p:nvPr>
+        </p:nvSpPr>
+        <p:spPr>
+          <a:xfrm>
+            <a:off x="913795" y="4195899"/>
+            <a:ext cx="3298955" cy="576262"/>
+          </a:xfrm>
+        </p:spPr>
+        <p:txBody>
+          <a:bodyPr anchor="b">
+            <a:noAutofit/>
+          </a:bodyPr>
+          <a:lstStyle>
+            <a:lvl1pPr marL="0" indent="0" algn="ctr">
+              <a:lnSpc>
+                <a:spcPct val="100000"/>
+              </a:lnSpc>
+              <a:buNone/>
+              <a:defRPr sz="2000" b="0">
+                <a:solidFill>
+                  <a:schemeClr val="tx1"/>
+                </a:solidFill>
+              </a:defRPr>
+            </a:lvl1pPr>
+            <a:lvl2pPr marL="457200" indent="0">
+              <a:buNone/>
+              <a:defRPr sz="2000" b="1"/>
+            </a:lvl2pPr>
+            <a:lvl3pPr marL="914400" indent="0">
+              <a:buNone/>
+              <a:defRPr sz="1800" b="1"/>
+            </a:lvl3pPr>
+            <a:lvl4pPr marL="1371600" indent="0">
+              <a:buNone/>
+              <a:defRPr sz="1600" b="1"/>
+            </a:lvl4pPr>
+            <a:lvl5pPr marL="1828800" indent="0">
+              <a:buNone/>
+              <a:defRPr sz="1600" b="1"/>
+            </a:lvl5pPr>
+            <a:lvl6pPr marL="2286000" indent="0">
+              <a:buNone/>
+              <a:defRPr sz="1600" b="1"/>
+            </a:lvl6pPr>
+            <a:lvl7pPr marL="2743200" indent="0">
+              <a:buNone/>
+              <a:defRPr sz="1600" b="1"/>
+            </a:lvl7pPr>
+            <a:lvl8pPr marL="3200400" indent="0">
+              <a:buNone/>
+              <a:defRPr sz="1600" b="1"/>
+            </a:lvl8pPr>
+            <a:lvl9pPr marL="3657600" indent="0">
+              <a:buNone/>
+              <a:defRPr sz="1600" b="1"/>
+            </a:lvl9pPr>
+          </a:lstStyle>
+          <a:p>
+            <a:pPr lvl="0"/>
+            <a:r>
+              <a:rPr lang="en-US"/>
+              <a:t>Edit Master text styles</a:t>
+            </a:r>
+          </a:p>
+        </p:txBody>
+      </p:sp>
+      <p:sp>
+        <p:nvSpPr>
+          <p:cNvPr id="20" name="Picture Placeholder 2"/>
+          <p:cNvSpPr>
+            <a:spLocks noGrp="1" noChangeAspect="1"/>
+          </p:cNvSpPr>
+          <p:nvPr>
+            <p:ph type="pic" idx="15"/>
+          </p:nvPr>
+        </p:nvSpPr>
+        <p:spPr>
+          <a:xfrm>
+            <a:off x="1092020" y="2298987"/>
+            <a:ext cx="2940050" cy="1524000"/>
+          </a:xfrm>
+          <a:prstGeom prst="roundRect">
+            <a:avLst>
+              <a:gd name="adj" fmla="val 0"/>
+            </a:avLst>
+          </a:prstGeom>
+          <a:noFill/>
+          <a:ln w="146050" cap="sq">
+            <a:solidFill>
+              <a:srgbClr val="FFFFFF"/>
+            </a:solidFill>
+            <a:miter lim="800000"/>
+          </a:ln>
+          <a:effectLst>
+            <a:outerShdw blurRad="55000" dist="18000" dir="5400000" algn="tl" rotWithShape="0">
+              <a:srgbClr val="000000">
+                <a:alpha val="40000"/>
+              </a:srgbClr>
+            </a:outerShdw>
+          </a:effectLst>
+          <a:scene3d>
+            <a:camera prst="orthographicFront"/>
+            <a:lightRig rig="twoPt" dir="t">
+              <a:rot lat="0" lon="0" rev="7200000"/>
+            </a:lightRig>
+          </a:scene3d>
+          <a:sp3d>
+            <a:bevelT w="25400" h="19050"/>
+            <a:contourClr>
+              <a:srgbClr val="FFFFFF"/>
+            </a:contourClr>
+          </a:sp3d>
+        </p:spPr>
+        <p:txBody>
+          <a:bodyPr anchor="t">
+            <a:normAutofit/>
+          </a:bodyPr>
+          <a:lstStyle>
+            <a:lvl1pPr marL="0" indent="0" algn="ctr">
+              <a:buNone/>
+              <a:defRPr sz="1600"/>
+            </a:lvl1pPr>
+            <a:lvl2pPr marL="457200" indent="0">
+              <a:buNone/>
+              <a:defRPr sz="1600"/>
+            </a:lvl2pPr>
+            <a:lvl3pPr marL="914400" indent="0">
+              <a:buNone/>
+              <a:defRPr sz="1600"/>
+            </a:lvl3pPr>
+            <a:lvl4pPr marL="1371600" indent="0">
+              <a:buNone/>
+              <a:defRPr sz="1600"/>
+            </a:lvl4pPr>
+            <a:lvl5pPr marL="1828800" indent="0">
+              <a:buNone/>
+              <a:defRPr sz="1600"/>
+            </a:lvl5pPr>
+            <a:lvl6pPr marL="2286000" indent="0">
+              <a:buNone/>
+              <a:defRPr sz="1600"/>
+            </a:lvl6pPr>
+            <a:lvl7pPr marL="2743200" indent="0">
+              <a:buNone/>
+              <a:defRPr sz="1600"/>
+            </a:lvl7pPr>
+            <a:lvl8pPr marL="3200400" indent="0">
+              <a:buNone/>
+              <a:defRPr sz="1600"/>
+            </a:lvl8pPr>
+            <a:lvl9pPr marL="3657600" indent="0">
+              <a:buNone/>
+              <a:defRPr sz="1600"/>
+            </a:lvl9pPr>
+          </a:lstStyle>
+          <a:p>
+            <a:r>
+              <a:rPr lang="en-US"/>
+              <a:t>Click icon to add picture</a:t>
+            </a:r>
+            <a:endParaRPr lang="en-US" dirty="0"/>
+          </a:p>
+        </p:txBody>
+      </p:sp>
+      <p:sp>
+        <p:nvSpPr>
+          <p:cNvPr id="21" name="Text Placeholder 3"/>
+          <p:cNvSpPr>
+            <a:spLocks noGrp="1"/>
+          </p:cNvSpPr>
+          <p:nvPr>
+            <p:ph type="body" sz="half" idx="18"/>
+          </p:nvPr>
+        </p:nvSpPr>
+        <p:spPr>
+          <a:xfrm>
+            <a:off x="913795" y="4772161"/>
+            <a:ext cx="3298955" cy="1019038"/>
+          </a:xfrm>
+        </p:spPr>
+        <p:txBody>
+          <a:bodyPr anchor="t">
+            <a:normAutofit/>
+          </a:bodyPr>
+          <a:lstStyle>
+            <a:lvl1pPr marL="0" indent="0" algn="ctr">
+              <a:buNone/>
+              <a:defRPr sz="1400"/>
+            </a:lvl1pPr>
+            <a:lvl2pPr marL="457200" indent="0">
+              <a:buNone/>
+              <a:defRPr sz="1200"/>
+            </a:lvl2pPr>
+            <a:lvl3pPr marL="914400" indent="0">
+              <a:buNone/>
+              <a:defRPr sz="1000"/>
+            </a:lvl3pPr>
+            <a:lvl4pPr marL="1371600" indent="0">
+              <a:buNone/>
+              <a:defRPr sz="900"/>
+            </a:lvl4pPr>
+            <a:lvl5pPr marL="1828800" indent="0">
+              <a:buNone/>
+              <a:defRPr sz="900"/>
+            </a:lvl5pPr>
+            <a:lvl6pPr marL="2286000" indent="0">
+              <a:buNone/>
+              <a:defRPr sz="900"/>
+            </a:lvl6pPr>
+            <a:lvl7pPr marL="2743200" indent="0">
+              <a:buNone/>
+              <a:defRPr sz="900"/>
+            </a:lvl7pPr>
+            <a:lvl8pPr marL="3200400" indent="0">
+              <a:buNone/>
+              <a:defRPr sz="900"/>
+            </a:lvl8pPr>
+            <a:lvl9pPr marL="3657600" indent="0">
+              <a:buNone/>
+              <a:defRPr sz="900"/>
+            </a:lvl9pPr>
+          </a:lstStyle>
+          <a:p>
+            <a:pPr lvl="0"/>
+            <a:r>
+              <a:rPr lang="en-US"/>
+              <a:t>Edit Master text styles</a:t>
+            </a:r>
+          </a:p>
+        </p:txBody>
+      </p:sp>
+      <p:sp>
+        <p:nvSpPr>
+          <p:cNvPr id="22" name="Text Placeholder 4"/>
+          <p:cNvSpPr>
+            <a:spLocks noGrp="1"/>
+          </p:cNvSpPr>
+          <p:nvPr>
+            <p:ph type="body" sz="quarter" idx="3"/>
+          </p:nvPr>
+        </p:nvSpPr>
+        <p:spPr>
+          <a:xfrm>
+            <a:off x="4442701" y="4195899"/>
+            <a:ext cx="3298983" cy="576262"/>
+          </a:xfrm>
+        </p:spPr>
+        <p:txBody>
+          <a:bodyPr anchor="b">
+            <a:noAutofit/>
+          </a:bodyPr>
+          <a:lstStyle>
+            <a:lvl1pPr marL="0" indent="0" algn="ctr">
+              <a:lnSpc>
+                <a:spcPct val="100000"/>
+              </a:lnSpc>
+              <a:buNone/>
+              <a:defRPr sz="2000" b="0">
+                <a:solidFill>
+                  <a:schemeClr val="tx1"/>
+                </a:solidFill>
+              </a:defRPr>
+            </a:lvl1pPr>
+            <a:lvl2pPr marL="457200" indent="0">
+              <a:buNone/>
+              <a:defRPr sz="2000" b="1"/>
+            </a:lvl2pPr>
+            <a:lvl3pPr marL="914400" indent="0">
+              <a:buNone/>
+              <a:defRPr sz="1800" b="1"/>
+            </a:lvl3pPr>
+            <a:lvl4pPr marL="1371600" indent="0">
+              <a:buNone/>
+              <a:defRPr sz="1600" b="1"/>
+            </a:lvl4pPr>
+            <a:lvl5pPr marL="1828800" indent="0">
+              <a:buNone/>
+              <a:defRPr sz="1600" b="1"/>
+            </a:lvl5pPr>
+            <a:lvl6pPr marL="2286000" indent="0">
+              <a:buNone/>
+              <a:defRPr sz="1600" b="1"/>
+            </a:lvl6pPr>
+            <a:lvl7pPr marL="2743200" indent="0">
+              <a:buNone/>
+              <a:defRPr sz="1600" b="1"/>
+            </a:lvl7pPr>
+            <a:lvl8pPr marL="3200400" indent="0">
+              <a:buNone/>
+              <a:defRPr sz="1600" b="1"/>
+            </a:lvl8pPr>
+            <a:lvl9pPr marL="3657600" indent="0">
+              <a:buNone/>
+              <a:defRPr sz="1600" b="1"/>
+            </a:lvl9pPr>
+          </a:lstStyle>
+          <a:p>
+            <a:pPr lvl="0"/>
+            <a:r>
+              <a:rPr lang="en-US"/>
+              <a:t>Edit Master text styles</a:t>
+            </a:r>
+          </a:p>
+        </p:txBody>
+      </p:sp>
+      <p:sp>
+        <p:nvSpPr>
+          <p:cNvPr id="23" name="Picture Placeholder 2"/>
+          <p:cNvSpPr>
+            <a:spLocks noGrp="1" noChangeAspect="1"/>
+          </p:cNvSpPr>
+          <p:nvPr>
+            <p:ph type="pic" idx="21"/>
+          </p:nvPr>
+        </p:nvSpPr>
+        <p:spPr>
+          <a:xfrm>
+            <a:off x="4568996" y="2298987"/>
+            <a:ext cx="2930525" cy="1524000"/>
+          </a:xfrm>
+          <a:prstGeom prst="roundRect">
+            <a:avLst>
+              <a:gd name="adj" fmla="val 0"/>
+            </a:avLst>
+          </a:prstGeom>
+          <a:noFill/>
+          <a:ln w="146050" cap="sq">
+            <a:solidFill>
+              <a:srgbClr val="FFFFFF"/>
+            </a:solidFill>
+            <a:miter lim="800000"/>
+          </a:ln>
+          <a:effectLst>
+            <a:outerShdw blurRad="55000" dist="18000" dir="5400000" algn="tl" rotWithShape="0">
+              <a:srgbClr val="000000">
+                <a:alpha val="40000"/>
+              </a:srgbClr>
+            </a:outerShdw>
+          </a:effectLst>
+          <a:scene3d>
+            <a:camera prst="orthographicFront"/>
+            <a:lightRig rig="twoPt" dir="t">
+              <a:rot lat="0" lon="0" rev="7200000"/>
+            </a:lightRig>
+          </a:scene3d>
+          <a:sp3d>
+            <a:bevelT w="25400" h="19050"/>
+            <a:contourClr>
+              <a:srgbClr val="FFFFFF"/>
+            </a:contourClr>
+          </a:sp3d>
+        </p:spPr>
+        <p:txBody>
+          <a:bodyPr anchor="t">
+            <a:normAutofit/>
+          </a:bodyPr>
+          <a:lstStyle>
+            <a:lvl1pPr marL="0" indent="0" algn="ctr">
+              <a:buNone/>
+              <a:defRPr sz="1600"/>
+            </a:lvl1pPr>
+            <a:lvl2pPr marL="457200" indent="0">
+              <a:buNone/>
+              <a:defRPr sz="1600"/>
+            </a:lvl2pPr>
+            <a:lvl3pPr marL="914400" indent="0">
+              <a:buNone/>
+              <a:defRPr sz="1600"/>
+            </a:lvl3pPr>
+            <a:lvl4pPr marL="1371600" indent="0">
+              <a:buNone/>
+              <a:defRPr sz="1600"/>
+            </a:lvl4pPr>
+            <a:lvl5pPr marL="1828800" indent="0">
+              <a:buNone/>
+              <a:defRPr sz="1600"/>
+            </a:lvl5pPr>
+            <a:lvl6pPr marL="2286000" indent="0">
+              <a:buNone/>
+              <a:defRPr sz="1600"/>
+            </a:lvl6pPr>
+            <a:lvl7pPr marL="2743200" indent="0">
+              <a:buNone/>
+              <a:defRPr sz="1600"/>
+            </a:lvl7pPr>
+            <a:lvl8pPr marL="3200400" indent="0">
+              <a:buNone/>
+              <a:defRPr sz="1600"/>
+            </a:lvl8pPr>
+            <a:lvl9pPr marL="3657600" indent="0">
+              <a:buNone/>
+              <a:defRPr sz="1600"/>
+            </a:lvl9pPr>
+          </a:lstStyle>
+          <a:p>
+            <a:r>
+              <a:rPr lang="en-US"/>
+              <a:t>Click icon to add picture</a:t>
+            </a:r>
+            <a:endParaRPr lang="en-US" dirty="0"/>
+          </a:p>
+        </p:txBody>
+      </p:sp>
+      <p:sp>
+        <p:nvSpPr>
+          <p:cNvPr id="24" name="Text Placeholder 3"/>
+          <p:cNvSpPr>
+            <a:spLocks noGrp="1"/>
+          </p:cNvSpPr>
+          <p:nvPr>
+            <p:ph type="body" sz="half" idx="19"/>
+          </p:nvPr>
+        </p:nvSpPr>
+        <p:spPr>
+          <a:xfrm>
+            <a:off x="4441348" y="4772160"/>
+            <a:ext cx="3300336" cy="1019038"/>
+          </a:xfrm>
+        </p:spPr>
+        <p:txBody>
+          <a:bodyPr anchor="t">
+            <a:normAutofit/>
+          </a:bodyPr>
+          <a:lstStyle>
+            <a:lvl1pPr marL="0" indent="0" algn="ctr">
+              <a:buNone/>
+              <a:defRPr sz="1400"/>
+            </a:lvl1pPr>
+            <a:lvl2pPr marL="457200" indent="0">
+              <a:buNone/>
+              <a:defRPr sz="1200"/>
+            </a:lvl2pPr>
+            <a:lvl3pPr marL="914400" indent="0">
+              <a:buNone/>
+              <a:defRPr sz="1000"/>
+            </a:lvl3pPr>
+            <a:lvl4pPr marL="1371600" indent="0">
+              <a:buNone/>
+              <a:defRPr sz="900"/>
+            </a:lvl4pPr>
+            <a:lvl5pPr marL="1828800" indent="0">
+              <a:buNone/>
+              <a:defRPr sz="900"/>
+            </a:lvl5pPr>
+            <a:lvl6pPr marL="2286000" indent="0">
+              <a:buNone/>
+              <a:defRPr sz="900"/>
+            </a:lvl6pPr>
+            <a:lvl7pPr marL="2743200" indent="0">
+              <a:buNone/>
+              <a:defRPr sz="900"/>
+            </a:lvl7pPr>
+            <a:lvl8pPr marL="3200400" indent="0">
+              <a:buNone/>
+              <a:defRPr sz="900"/>
+            </a:lvl8pPr>
+            <a:lvl9pPr marL="3657600" indent="0">
+              <a:buNone/>
+              <a:defRPr sz="900"/>
+            </a:lvl9pPr>
+          </a:lstStyle>
+          <a:p>
+            <a:pPr lvl="0"/>
+            <a:r>
+              <a:rPr lang="en-US"/>
+              <a:t>Edit Master text styles</a:t>
+            </a:r>
+          </a:p>
+        </p:txBody>
+      </p:sp>
+      <p:sp>
+        <p:nvSpPr>
+          <p:cNvPr id="25" name="Text Placeholder 4"/>
+          <p:cNvSpPr>
+            <a:spLocks noGrp="1"/>
+          </p:cNvSpPr>
+          <p:nvPr>
+            <p:ph type="body" sz="quarter" idx="13"/>
+          </p:nvPr>
+        </p:nvSpPr>
+        <p:spPr>
+          <a:xfrm>
+            <a:off x="7973423" y="4195899"/>
+            <a:ext cx="3289900" cy="576262"/>
+          </a:xfrm>
+        </p:spPr>
+        <p:txBody>
+          <a:bodyPr anchor="b">
+            <a:noAutofit/>
+          </a:bodyPr>
+          <a:lstStyle>
+            <a:lvl1pPr marL="0" indent="0" algn="ctr">
+              <a:lnSpc>
+                <a:spcPct val="100000"/>
+              </a:lnSpc>
+              <a:buNone/>
+              <a:defRPr sz="2000" b="0">
+                <a:solidFill>
+                  <a:schemeClr val="tx1"/>
+                </a:solidFill>
+              </a:defRPr>
+            </a:lvl1pPr>
+            <a:lvl2pPr marL="457200" indent="0">
+              <a:buNone/>
+              <a:defRPr sz="2000" b="1"/>
+            </a:lvl2pPr>
+            <a:lvl3pPr marL="914400" indent="0">
+              <a:buNone/>
+              <a:defRPr sz="1800" b="1"/>
+            </a:lvl3pPr>
+            <a:lvl4pPr marL="1371600" indent="0">
+              <a:buNone/>
+              <a:defRPr sz="1600" b="1"/>
+            </a:lvl4pPr>
+            <a:lvl5pPr marL="1828800" indent="0">
+              <a:buNone/>
+              <a:defRPr sz="1600" b="1"/>
+            </a:lvl5pPr>
+            <a:lvl6pPr marL="2286000" indent="0">
+              <a:buNone/>
+              <a:defRPr sz="1600" b="1"/>
+            </a:lvl6pPr>
+            <a:lvl7pPr marL="2743200" indent="0">
+              <a:buNone/>
+              <a:defRPr sz="1600" b="1"/>
+            </a:lvl7pPr>
+            <a:lvl8pPr marL="3200400" indent="0">
+              <a:buNone/>
+              <a:defRPr sz="1600" b="1"/>
+            </a:lvl8pPr>
+            <a:lvl9pPr marL="3657600" indent="0">
+              <a:buNone/>
+              <a:defRPr sz="1600" b="1"/>
+            </a:lvl9pPr>
+          </a:lstStyle>
+          <a:p>
+            <a:pPr lvl="0"/>
+            <a:r>
+              <a:rPr lang="en-US"/>
+              <a:t>Edit Master text styles</a:t>
+            </a:r>
+          </a:p>
+        </p:txBody>
+      </p:sp>
+      <p:sp>
+        <p:nvSpPr>
+          <p:cNvPr id="26" name="Picture Placeholder 2"/>
+          <p:cNvSpPr>
+            <a:spLocks noGrp="1" noChangeAspect="1"/>
+          </p:cNvSpPr>
+          <p:nvPr>
+            <p:ph type="pic" idx="22"/>
+          </p:nvPr>
+        </p:nvSpPr>
+        <p:spPr>
+          <a:xfrm>
+            <a:off x="8152803" y="2298987"/>
+            <a:ext cx="2932113" cy="1524000"/>
+          </a:xfrm>
+          <a:prstGeom prst="roundRect">
+            <a:avLst>
+              <a:gd name="adj" fmla="val 0"/>
+            </a:avLst>
+          </a:prstGeom>
+          <a:noFill/>
+          <a:ln w="146050" cap="sq">
+            <a:solidFill>
+              <a:srgbClr val="FFFFFF"/>
+            </a:solidFill>
+            <a:miter lim="800000"/>
+          </a:ln>
+          <a:effectLst>
+            <a:outerShdw blurRad="55000" dist="18000" dir="5400000" algn="tl" rotWithShape="0">
+              <a:srgbClr val="000000">
+                <a:alpha val="40000"/>
+              </a:srgbClr>
+            </a:outerShdw>
+          </a:effectLst>
+          <a:scene3d>
+            <a:camera prst="orthographicFront"/>
+            <a:lightRig rig="twoPt" dir="t">
+              <a:rot lat="0" lon="0" rev="7200000"/>
+            </a:lightRig>
+          </a:scene3d>
+          <a:sp3d>
+            <a:bevelT w="25400" h="19050"/>
+            <a:contourClr>
+              <a:srgbClr val="FFFFFF"/>
+            </a:contourClr>
+          </a:sp3d>
+        </p:spPr>
+        <p:txBody>
+          <a:bodyPr anchor="t">
+            <a:normAutofit/>
+          </a:bodyPr>
+          <a:lstStyle>
+            <a:lvl1pPr marL="0" indent="0" algn="ctr">
+              <a:buNone/>
+              <a:defRPr sz="1600"/>
+            </a:lvl1pPr>
+            <a:lvl2pPr marL="457200" indent="0">
+              <a:buNone/>
+              <a:defRPr sz="1600"/>
+            </a:lvl2pPr>
+            <a:lvl3pPr marL="914400" indent="0">
+              <a:buNone/>
+              <a:defRPr sz="1600"/>
+            </a:lvl3pPr>
+            <a:lvl4pPr marL="1371600" indent="0">
+              <a:buNone/>
+              <a:defRPr sz="1600"/>
+            </a:lvl4pPr>
+            <a:lvl5pPr marL="1828800" indent="0">
+              <a:buNone/>
+              <a:defRPr sz="1600"/>
+            </a:lvl5pPr>
+            <a:lvl6pPr marL="2286000" indent="0">
+              <a:buNone/>
+              <a:defRPr sz="1600"/>
+            </a:lvl6pPr>
+            <a:lvl7pPr marL="2743200" indent="0">
+              <a:buNone/>
+              <a:defRPr sz="1600"/>
+            </a:lvl7pPr>
+            <a:lvl8pPr marL="3200400" indent="0">
+              <a:buNone/>
+              <a:defRPr sz="1600"/>
+            </a:lvl8pPr>
+            <a:lvl9pPr marL="3657600" indent="0">
+              <a:buNone/>
+              <a:defRPr sz="1600"/>
+            </a:lvl9pPr>
+          </a:lstStyle>
+          <a:p>
+            <a:r>
+              <a:rPr lang="en-US"/>
+              <a:t>Click icon to add picture</a:t>
+            </a:r>
+            <a:endParaRPr lang="en-US" dirty="0"/>
+          </a:p>
+        </p:txBody>
+      </p:sp>
+      <p:sp>
+        <p:nvSpPr>
+          <p:cNvPr id="27" name="Text Placeholder 3"/>
+          <p:cNvSpPr>
+            <a:spLocks noGrp="1"/>
+          </p:cNvSpPr>
+          <p:nvPr>
+            <p:ph type="body" sz="half" idx="20"/>
+          </p:nvPr>
+        </p:nvSpPr>
+        <p:spPr>
+          <a:xfrm>
+            <a:off x="7973298" y="4772161"/>
+            <a:ext cx="3294258" cy="1019037"/>
+          </a:xfrm>
+        </p:spPr>
+        <p:txBody>
+          <a:bodyPr anchor="t">
+            <a:normAutofit/>
+          </a:bodyPr>
+          <a:lstStyle>
+            <a:lvl1pPr marL="0" indent="0" algn="ctr">
+              <a:buNone/>
+              <a:defRPr sz="1400"/>
+            </a:lvl1pPr>
+            <a:lvl2pPr marL="457200" indent="0">
+              <a:buNone/>
+              <a:defRPr sz="1200"/>
+            </a:lvl2pPr>
+            <a:lvl3pPr marL="914400" indent="0">
+              <a:buNone/>
+              <a:defRPr sz="1000"/>
+            </a:lvl3pPr>
+            <a:lvl4pPr marL="1371600" indent="0">
+              <a:buNone/>
+              <a:defRPr sz="900"/>
+            </a:lvl4pPr>
+            <a:lvl5pPr marL="1828800" indent="0">
+              <a:buNone/>
+              <a:defRPr sz="900"/>
+            </a:lvl5pPr>
+            <a:lvl6pPr marL="2286000" indent="0">
+              <a:buNone/>
+              <a:defRPr sz="900"/>
+            </a:lvl6pPr>
+            <a:lvl7pPr marL="2743200" indent="0">
+              <a:buNone/>
+              <a:defRPr sz="900"/>
+            </a:lvl7pPr>
+            <a:lvl8pPr marL="3200400" indent="0">
+              <a:buNone/>
+              <a:defRPr sz="900"/>
+            </a:lvl8pPr>
+            <a:lvl9pPr marL="3657600" indent="0">
+              <a:buNone/>
+              <a:defRPr sz="900"/>
+            </a:lvl9pPr>
+          </a:lstStyle>
+          <a:p>
+            <a:pPr lvl="0"/>
+            <a:r>
+              <a:rPr lang="en-US"/>
+              <a:t>Edit Master text styles</a:t>
+            </a:r>
+          </a:p>
+        </p:txBody>
+      </p:sp>
+      <p:sp>
+        <p:nvSpPr>
+          <p:cNvPr id="3" name="Date Placeholder 2"/>
+          <p:cNvSpPr>
+            <a:spLocks noGrp="1"/>
+          </p:cNvSpPr>
+          <p:nvPr>
+            <p:ph type="dt" sz="half" idx="10"/>
+          </p:nvPr>
+        </p:nvSpPr>
+        <p:spPr/>
+        <p:txBody>
+          <a:bodyPr/>
+          <a:lstStyle/>
+          <a:p>
+            <a:fld id="{ECFE6AF2-E251-4549-B07F-CA0BEB1B74A4}" type="datetimeFigureOut">
+              <a:rPr lang="en-US" smtClean="0"/>
+              <a:t>8/10/2018</a:t>
+            </a:fld>
+            <a:endParaRPr lang="en-US"/>
+          </a:p>
+        </p:txBody>
+      </p:sp>
+      <p:sp>
+        <p:nvSpPr>
+          <p:cNvPr id="4" name="Footer Placeholder 3"/>
+          <p:cNvSpPr>
+            <a:spLocks noGrp="1"/>
+          </p:cNvSpPr>
+          <p:nvPr>
+            <p:ph type="ftr" sz="quarter" idx="11"/>
+          </p:nvPr>
+        </p:nvSpPr>
+        <p:spPr/>
+        <p:txBody>
+          <a:bodyPr/>
+          <a:lstStyle/>
+          <a:p>
+            <a:endParaRPr lang="en-US"/>
+          </a:p>
+        </p:txBody>
+      </p:sp>
+      <p:sp>
+        <p:nvSpPr>
+          <p:cNvPr id="5" name="Slide Number Placeholder 4"/>
+          <p:cNvSpPr>
+            <a:spLocks noGrp="1"/>
+          </p:cNvSpPr>
+          <p:nvPr>
+            <p:ph type="sldNum" sz="quarter" idx="12"/>
+          </p:nvPr>
+        </p:nvSpPr>
+        <p:spPr/>
+        <p:txBody>
+          <a:bodyPr/>
+          <a:lstStyle/>
+          <a:p>
+            <a:fld id="{502FC412-ABFB-4038-BEFE-074C88E4B8BA}" type="slidenum">
+              <a:rPr lang="en-US" smtClean="0"/>
+              <a:t>‹#›</a:t>
+            </a:fld>
+            <a:endParaRPr lang="en-US"/>
+          </a:p>
+        </p:txBody>
+      </p:sp>
+    </p:spTree>
+    <p:extLst>
+      <p:ext uri="{BB962C8B-B14F-4D97-AF65-F5344CB8AC3E}">
+        <p14:creationId xmlns:p14="http://schemas.microsoft.com/office/powerpoint/2010/main" val="2946966251"/>
+      </p:ext>
+    </p:extLst>
+  </p:cSld>
+  <p:clrMapOvr>
+    <a:masterClrMapping/>
+  </p:clrMapOvr>
+</p:sldLayout>
+</file>
+
+<file path=ppt/slideLayouts/slideLayout16.xml><?xml version="1.0" encoding="utf-8"?>
 <p:sldLayout xmlns:a="http://schemas.openxmlformats.org/drawingml/2006/main" xmlns:r="http://schemas.openxmlformats.org/officeDocument/2006/relationships" xmlns:p="http://schemas.openxmlformats.org/presentationml/2006/main" type="vertTx" preserve="1">
   <p:cSld name="Title and Vertical Text">
     <p:spTree>
@@ -5550,13 +8088,7 @@
       </p:grpSpPr>
       <p:sp>
         <p:nvSpPr>
-          <p:cNvPr id="2" name="Title 1">
-            <a:extLst>
-              <a:ext uri="{FF2B5EF4-FFF2-40B4-BE49-F238E27FC236}">
-                <a16:creationId xmlns:a16="http://schemas.microsoft.com/office/drawing/2014/main" id="{8F02FFE7-72D6-41CE-B756-BEE957942241}"/>
-              </a:ext>
-            </a:extLst>
-          </p:cNvPr>
+          <p:cNvPr id="2" name="Title 1"/>
           <p:cNvSpPr>
             <a:spLocks noGrp="1"/>
           </p:cNvSpPr>
@@ -5573,18 +8105,13 @@
               <a:rPr lang="en-US"/>
               <a:t>Click to edit Master title style</a:t>
             </a:r>
-          </a:p>
-        </p:txBody>
-      </p:sp>
-      <p:sp>
-        <p:nvSpPr>
-          <p:cNvPr id="3" name="Vertical Text Placeholder 2">
-            <a:extLst>
-              <a:ext uri="{FF2B5EF4-FFF2-40B4-BE49-F238E27FC236}">
-                <a16:creationId xmlns:a16="http://schemas.microsoft.com/office/drawing/2014/main" id="{9A242F82-80A1-48A9-AD4A-5485695781A0}"/>
-              </a:ext>
-            </a:extLst>
-          </p:cNvPr>
+            <a:endParaRPr lang="en-US" dirty="0"/>
+          </a:p>
+        </p:txBody>
+      </p:sp>
+      <p:sp>
+        <p:nvSpPr>
+          <p:cNvPr id="3" name="Vertical Text Placeholder 2"/>
           <p:cNvSpPr>
             <a:spLocks noGrp="1"/>
           </p:cNvSpPr>
@@ -5630,18 +8157,13 @@
               <a:rPr lang="en-US"/>
               <a:t>Fifth level</a:t>
             </a:r>
-          </a:p>
-        </p:txBody>
-      </p:sp>
-      <p:sp>
-        <p:nvSpPr>
-          <p:cNvPr id="4" name="Date Placeholder 3">
-            <a:extLst>
-              <a:ext uri="{FF2B5EF4-FFF2-40B4-BE49-F238E27FC236}">
-                <a16:creationId xmlns:a16="http://schemas.microsoft.com/office/drawing/2014/main" id="{E9F8350D-56EF-4FFA-8A44-E3839703FE96}"/>
-              </a:ext>
-            </a:extLst>
-          </p:cNvPr>
+            <a:endParaRPr lang="en-US" dirty="0"/>
+          </a:p>
+        </p:txBody>
+      </p:sp>
+      <p:sp>
+        <p:nvSpPr>
+          <p:cNvPr id="4" name="Date Placeholder 3"/>
           <p:cNvSpPr>
             <a:spLocks noGrp="1"/>
           </p:cNvSpPr>
@@ -5656,7 +8178,7 @@
           <a:p>
             <a:fld id="{ECFE6AF2-E251-4549-B07F-CA0BEB1B74A4}" type="datetimeFigureOut">
               <a:rPr lang="en-US" smtClean="0"/>
-              <a:t>8/9/2018</a:t>
+              <a:t>8/10/2018</a:t>
             </a:fld>
             <a:endParaRPr lang="en-US"/>
           </a:p>
@@ -5664,13 +8186,7 @@
       </p:sp>
       <p:sp>
         <p:nvSpPr>
-          <p:cNvPr id="5" name="Footer Placeholder 4">
-            <a:extLst>
-              <a:ext uri="{FF2B5EF4-FFF2-40B4-BE49-F238E27FC236}">
-                <a16:creationId xmlns:a16="http://schemas.microsoft.com/office/drawing/2014/main" id="{37875680-4B72-4783-823A-122F8B69C1D7}"/>
-              </a:ext>
-            </a:extLst>
-          </p:cNvPr>
+          <p:cNvPr id="5" name="Footer Placeholder 4"/>
           <p:cNvSpPr>
             <a:spLocks noGrp="1"/>
           </p:cNvSpPr>
@@ -5689,13 +8205,7 @@
       </p:sp>
       <p:sp>
         <p:nvSpPr>
-          <p:cNvPr id="6" name="Slide Number Placeholder 5">
-            <a:extLst>
-              <a:ext uri="{FF2B5EF4-FFF2-40B4-BE49-F238E27FC236}">
-                <a16:creationId xmlns:a16="http://schemas.microsoft.com/office/drawing/2014/main" id="{29B6476F-17EC-4596-8E6F-05045CD7D61D}"/>
-              </a:ext>
-            </a:extLst>
-          </p:cNvPr>
+          <p:cNvPr id="6" name="Slide Number Placeholder 5"/>
           <p:cNvSpPr>
             <a:spLocks noGrp="1"/>
           </p:cNvSpPr>
@@ -5719,7 +8229,7 @@
     </p:spTree>
     <p:extLst>
       <p:ext uri="{BB962C8B-B14F-4D97-AF65-F5344CB8AC3E}">
-        <p14:creationId xmlns:p14="http://schemas.microsoft.com/office/powerpoint/2010/main" val="2633566906"/>
+        <p14:creationId xmlns:p14="http://schemas.microsoft.com/office/powerpoint/2010/main" val="2074054569"/>
       </p:ext>
     </p:extLst>
   </p:cSld>
@@ -5729,7 +8239,7 @@
 </p:sldLayout>
 </file>
 
-<file path=ppt/slideLayouts/slideLayout11.xml><?xml version="1.0" encoding="utf-8"?>
+<file path=ppt/slideLayouts/slideLayout17.xml><?xml version="1.0" encoding="utf-8"?>
 <p:sldLayout xmlns:a="http://schemas.openxmlformats.org/drawingml/2006/main" xmlns:r="http://schemas.openxmlformats.org/officeDocument/2006/relationships" xmlns:p="http://schemas.openxmlformats.org/presentationml/2006/main" type="vertTitleAndTx" preserve="1">
   <p:cSld name="Vertical Title and Text">
     <p:spTree>
@@ -5748,13 +8258,7 @@
       </p:grpSpPr>
       <p:sp>
         <p:nvSpPr>
-          <p:cNvPr id="2" name="Vertical Title 1">
-            <a:extLst>
-              <a:ext uri="{FF2B5EF4-FFF2-40B4-BE49-F238E27FC236}">
-                <a16:creationId xmlns:a16="http://schemas.microsoft.com/office/drawing/2014/main" id="{CA5BFBFD-96DE-4AC3-B2CF-354F7AA47C02}"/>
-              </a:ext>
-            </a:extLst>
-          </p:cNvPr>
+          <p:cNvPr id="2" name="Vertical Title 1"/>
           <p:cNvSpPr>
             <a:spLocks noGrp="1"/>
           </p:cNvSpPr>
@@ -5764,30 +8268,29 @@
         </p:nvSpPr>
         <p:spPr>
           <a:xfrm>
-            <a:off x="8724900" y="365125"/>
-            <a:ext cx="2628900" cy="5811838"/>
+            <a:off x="8724900" y="609599"/>
+            <a:ext cx="2542657" cy="5181601"/>
           </a:xfrm>
         </p:spPr>
         <p:txBody>
           <a:bodyPr vert="eaVert"/>
-          <a:lstStyle/>
+          <a:lstStyle>
+            <a:lvl1pPr algn="l">
+              <a:defRPr/>
+            </a:lvl1pPr>
+          </a:lstStyle>
           <a:p>
             <a:r>
               <a:rPr lang="en-US"/>
               <a:t>Click to edit Master title style</a:t>
             </a:r>
-          </a:p>
-        </p:txBody>
-      </p:sp>
-      <p:sp>
-        <p:nvSpPr>
-          <p:cNvPr id="3" name="Vertical Text Placeholder 2">
-            <a:extLst>
-              <a:ext uri="{FF2B5EF4-FFF2-40B4-BE49-F238E27FC236}">
-                <a16:creationId xmlns:a16="http://schemas.microsoft.com/office/drawing/2014/main" id="{1C0E7D1F-949E-4A67-9E35-25D6DAFEF06E}"/>
-              </a:ext>
-            </a:extLst>
-          </p:cNvPr>
+            <a:endParaRPr lang="en-US" dirty="0"/>
+          </a:p>
+        </p:txBody>
+      </p:sp>
+      <p:sp>
+        <p:nvSpPr>
+          <p:cNvPr id="3" name="Vertical Text Placeholder 2"/>
           <p:cNvSpPr>
             <a:spLocks noGrp="1"/>
           </p:cNvSpPr>
@@ -5797,8 +8300,8 @@
         </p:nvSpPr>
         <p:spPr>
           <a:xfrm>
-            <a:off x="838200" y="365125"/>
-            <a:ext cx="7734300" cy="5811838"/>
+            <a:off x="913794" y="609599"/>
+            <a:ext cx="7658705" cy="5181601"/>
           </a:xfrm>
         </p:spPr>
         <p:txBody>
@@ -5838,18 +8341,13 @@
               <a:rPr lang="en-US"/>
               <a:t>Fifth level</a:t>
             </a:r>
-          </a:p>
-        </p:txBody>
-      </p:sp>
-      <p:sp>
-        <p:nvSpPr>
-          <p:cNvPr id="4" name="Date Placeholder 3">
-            <a:extLst>
-              <a:ext uri="{FF2B5EF4-FFF2-40B4-BE49-F238E27FC236}">
-                <a16:creationId xmlns:a16="http://schemas.microsoft.com/office/drawing/2014/main" id="{8025B3F1-D8EC-4660-A63E-19669B4A6372}"/>
-              </a:ext>
-            </a:extLst>
-          </p:cNvPr>
+            <a:endParaRPr lang="en-US" dirty="0"/>
+          </a:p>
+        </p:txBody>
+      </p:sp>
+      <p:sp>
+        <p:nvSpPr>
+          <p:cNvPr id="4" name="Date Placeholder 3"/>
           <p:cNvSpPr>
             <a:spLocks noGrp="1"/>
           </p:cNvSpPr>
@@ -5864,7 +8362,7 @@
           <a:p>
             <a:fld id="{ECFE6AF2-E251-4549-B07F-CA0BEB1B74A4}" type="datetimeFigureOut">
               <a:rPr lang="en-US" smtClean="0"/>
-              <a:t>8/9/2018</a:t>
+              <a:t>8/10/2018</a:t>
             </a:fld>
             <a:endParaRPr lang="en-US"/>
           </a:p>
@@ -5872,13 +8370,7 @@
       </p:sp>
       <p:sp>
         <p:nvSpPr>
-          <p:cNvPr id="5" name="Footer Placeholder 4">
-            <a:extLst>
-              <a:ext uri="{FF2B5EF4-FFF2-40B4-BE49-F238E27FC236}">
-                <a16:creationId xmlns:a16="http://schemas.microsoft.com/office/drawing/2014/main" id="{7F711009-A06B-4FAB-A397-1519DF969826}"/>
-              </a:ext>
-            </a:extLst>
-          </p:cNvPr>
+          <p:cNvPr id="5" name="Footer Placeholder 4"/>
           <p:cNvSpPr>
             <a:spLocks noGrp="1"/>
           </p:cNvSpPr>
@@ -5897,13 +8389,7 @@
       </p:sp>
       <p:sp>
         <p:nvSpPr>
-          <p:cNvPr id="6" name="Slide Number Placeholder 5">
-            <a:extLst>
-              <a:ext uri="{FF2B5EF4-FFF2-40B4-BE49-F238E27FC236}">
-                <a16:creationId xmlns:a16="http://schemas.microsoft.com/office/drawing/2014/main" id="{67DBD5CC-5BFC-4FCD-978C-A33B2EC49819}"/>
-              </a:ext>
-            </a:extLst>
-          </p:cNvPr>
+          <p:cNvPr id="6" name="Slide Number Placeholder 5"/>
           <p:cNvSpPr>
             <a:spLocks noGrp="1"/>
           </p:cNvSpPr>
@@ -5927,7 +8413,7 @@
     </p:spTree>
     <p:extLst>
       <p:ext uri="{BB962C8B-B14F-4D97-AF65-F5344CB8AC3E}">
-        <p14:creationId xmlns:p14="http://schemas.microsoft.com/office/powerpoint/2010/main" val="1493103380"/>
+        <p14:creationId xmlns:p14="http://schemas.microsoft.com/office/powerpoint/2010/main" val="3257328531"/>
       </p:ext>
     </p:extLst>
   </p:cSld>
@@ -5956,13 +8442,7 @@
       </p:grpSpPr>
       <p:sp>
         <p:nvSpPr>
-          <p:cNvPr id="2" name="Title 1">
-            <a:extLst>
-              <a:ext uri="{FF2B5EF4-FFF2-40B4-BE49-F238E27FC236}">
-                <a16:creationId xmlns:a16="http://schemas.microsoft.com/office/drawing/2014/main" id="{110DB43F-A364-4302-A5B5-504BD103A2EF}"/>
-              </a:ext>
-            </a:extLst>
-          </p:cNvPr>
+          <p:cNvPr id="2" name="Title 1"/>
           <p:cNvSpPr>
             <a:spLocks noGrp="1"/>
           </p:cNvSpPr>
@@ -5979,18 +8459,13 @@
               <a:rPr lang="en-US"/>
               <a:t>Click to edit Master title style</a:t>
             </a:r>
-          </a:p>
-        </p:txBody>
-      </p:sp>
-      <p:sp>
-        <p:nvSpPr>
-          <p:cNvPr id="3" name="Content Placeholder 2">
-            <a:extLst>
-              <a:ext uri="{FF2B5EF4-FFF2-40B4-BE49-F238E27FC236}">
-                <a16:creationId xmlns:a16="http://schemas.microsoft.com/office/drawing/2014/main" id="{8F2E3467-6D23-4389-8BA1-BE4F134984EB}"/>
-              </a:ext>
-            </a:extLst>
-          </p:cNvPr>
+            <a:endParaRPr lang="en-US" dirty="0"/>
+          </a:p>
+        </p:txBody>
+      </p:sp>
+      <p:sp>
+        <p:nvSpPr>
+          <p:cNvPr id="3" name="Content Placeholder 2"/>
           <p:cNvSpPr>
             <a:spLocks noGrp="1"/>
           </p:cNvSpPr>
@@ -6036,18 +8511,13 @@
               <a:rPr lang="en-US"/>
               <a:t>Fifth level</a:t>
             </a:r>
-          </a:p>
-        </p:txBody>
-      </p:sp>
-      <p:sp>
-        <p:nvSpPr>
-          <p:cNvPr id="4" name="Date Placeholder 3">
-            <a:extLst>
-              <a:ext uri="{FF2B5EF4-FFF2-40B4-BE49-F238E27FC236}">
-                <a16:creationId xmlns:a16="http://schemas.microsoft.com/office/drawing/2014/main" id="{855CAFC5-EFA8-4573-A56C-92A57A3513EC}"/>
-              </a:ext>
-            </a:extLst>
-          </p:cNvPr>
+            <a:endParaRPr lang="en-US" dirty="0"/>
+          </a:p>
+        </p:txBody>
+      </p:sp>
+      <p:sp>
+        <p:nvSpPr>
+          <p:cNvPr id="4" name="Date Placeholder 3"/>
           <p:cNvSpPr>
             <a:spLocks noGrp="1"/>
           </p:cNvSpPr>
@@ -6062,7 +8532,7 @@
           <a:p>
             <a:fld id="{ECFE6AF2-E251-4549-B07F-CA0BEB1B74A4}" type="datetimeFigureOut">
               <a:rPr lang="en-US" smtClean="0"/>
-              <a:t>8/9/2018</a:t>
+              <a:t>8/10/2018</a:t>
             </a:fld>
             <a:endParaRPr lang="en-US"/>
           </a:p>
@@ -6070,13 +8540,7 @@
       </p:sp>
       <p:sp>
         <p:nvSpPr>
-          <p:cNvPr id="5" name="Footer Placeholder 4">
-            <a:extLst>
-              <a:ext uri="{FF2B5EF4-FFF2-40B4-BE49-F238E27FC236}">
-                <a16:creationId xmlns:a16="http://schemas.microsoft.com/office/drawing/2014/main" id="{7CEC9F18-51FB-4711-A078-219B03696A87}"/>
-              </a:ext>
-            </a:extLst>
-          </p:cNvPr>
+          <p:cNvPr id="5" name="Footer Placeholder 4"/>
           <p:cNvSpPr>
             <a:spLocks noGrp="1"/>
           </p:cNvSpPr>
@@ -6095,13 +8559,7 @@
       </p:sp>
       <p:sp>
         <p:nvSpPr>
-          <p:cNvPr id="6" name="Slide Number Placeholder 5">
-            <a:extLst>
-              <a:ext uri="{FF2B5EF4-FFF2-40B4-BE49-F238E27FC236}">
-                <a16:creationId xmlns:a16="http://schemas.microsoft.com/office/drawing/2014/main" id="{B7C4A122-D47A-4703-A41C-4BE40731216A}"/>
-              </a:ext>
-            </a:extLst>
-          </p:cNvPr>
+          <p:cNvPr id="6" name="Slide Number Placeholder 5"/>
           <p:cNvSpPr>
             <a:spLocks noGrp="1"/>
           </p:cNvSpPr>
@@ -6125,7 +8583,7 @@
     </p:spTree>
     <p:extLst>
       <p:ext uri="{BB962C8B-B14F-4D97-AF65-F5344CB8AC3E}">
-        <p14:creationId xmlns:p14="http://schemas.microsoft.com/office/powerpoint/2010/main" val="821797002"/>
+        <p14:creationId xmlns:p14="http://schemas.microsoft.com/office/powerpoint/2010/main" val="1926019763"/>
       </p:ext>
     </p:extLst>
   </p:cSld>
@@ -6154,13 +8612,7 @@
       </p:grpSpPr>
       <p:sp>
         <p:nvSpPr>
-          <p:cNvPr id="2" name="Title 1">
-            <a:extLst>
-              <a:ext uri="{FF2B5EF4-FFF2-40B4-BE49-F238E27FC236}">
-                <a16:creationId xmlns:a16="http://schemas.microsoft.com/office/drawing/2014/main" id="{0C63FAE9-F389-4F5E-B654-ED0E336E4222}"/>
-              </a:ext>
-            </a:extLst>
-          </p:cNvPr>
+          <p:cNvPr id="2" name="Title 1"/>
           <p:cNvSpPr>
             <a:spLocks noGrp="1"/>
           </p:cNvSpPr>
@@ -6170,15 +8622,17 @@
         </p:nvSpPr>
         <p:spPr>
           <a:xfrm>
-            <a:off x="831850" y="1709738"/>
-            <a:ext cx="10515600" cy="2852737"/>
+            <a:off x="1229244" y="657226"/>
+            <a:ext cx="9733512" cy="2852737"/>
           </a:xfrm>
         </p:spPr>
         <p:txBody>
-          <a:bodyPr anchor="b"/>
+          <a:bodyPr anchor="b">
+            <a:normAutofit/>
+          </a:bodyPr>
           <a:lstStyle>
             <a:lvl1pPr>
-              <a:defRPr sz="6000"/>
+              <a:defRPr sz="3400"/>
             </a:lvl1pPr>
           </a:lstStyle>
           <a:p>
@@ -6186,18 +8640,13 @@
               <a:rPr lang="en-US"/>
               <a:t>Click to edit Master title style</a:t>
             </a:r>
-          </a:p>
-        </p:txBody>
-      </p:sp>
-      <p:sp>
-        <p:nvSpPr>
-          <p:cNvPr id="3" name="Text Placeholder 2">
-            <a:extLst>
-              <a:ext uri="{FF2B5EF4-FFF2-40B4-BE49-F238E27FC236}">
-                <a16:creationId xmlns:a16="http://schemas.microsoft.com/office/drawing/2014/main" id="{DE396DD0-2288-4835-937B-885545465AAB}"/>
-              </a:ext>
-            </a:extLst>
-          </p:cNvPr>
+            <a:endParaRPr lang="en-US" dirty="0"/>
+          </a:p>
+        </p:txBody>
+      </p:sp>
+      <p:sp>
+        <p:nvSpPr>
+          <p:cNvPr id="3" name="Text Placeholder 2"/>
           <p:cNvSpPr>
             <a:spLocks noGrp="1"/>
           </p:cNvSpPr>
@@ -6207,14 +8656,14 @@
         </p:nvSpPr>
         <p:spPr>
           <a:xfrm>
-            <a:off x="831850" y="4589463"/>
-            <a:ext cx="10515600" cy="1500187"/>
+            <a:off x="1229244" y="3602038"/>
+            <a:ext cx="9733512" cy="1500187"/>
           </a:xfrm>
         </p:spPr>
         <p:txBody>
           <a:bodyPr/>
           <a:lstStyle>
-            <a:lvl1pPr marL="0" indent="0">
+            <a:lvl1pPr marL="0" indent="0" algn="ctr">
               <a:buNone/>
               <a:defRPr sz="2400">
                 <a:solidFill>
@@ -6316,13 +8765,7 @@
       </p:sp>
       <p:sp>
         <p:nvSpPr>
-          <p:cNvPr id="4" name="Date Placeholder 3">
-            <a:extLst>
-              <a:ext uri="{FF2B5EF4-FFF2-40B4-BE49-F238E27FC236}">
-                <a16:creationId xmlns:a16="http://schemas.microsoft.com/office/drawing/2014/main" id="{137959B0-6089-4FA8-AB10-EBE75F61DD12}"/>
-              </a:ext>
-            </a:extLst>
-          </p:cNvPr>
+          <p:cNvPr id="4" name="Date Placeholder 3"/>
           <p:cNvSpPr>
             <a:spLocks noGrp="1"/>
           </p:cNvSpPr>
@@ -6337,7 +8780,7 @@
           <a:p>
             <a:fld id="{ECFE6AF2-E251-4549-B07F-CA0BEB1B74A4}" type="datetimeFigureOut">
               <a:rPr lang="en-US" smtClean="0"/>
-              <a:t>8/9/2018</a:t>
+              <a:t>8/10/2018</a:t>
             </a:fld>
             <a:endParaRPr lang="en-US"/>
           </a:p>
@@ -6345,13 +8788,7 @@
       </p:sp>
       <p:sp>
         <p:nvSpPr>
-          <p:cNvPr id="5" name="Footer Placeholder 4">
-            <a:extLst>
-              <a:ext uri="{FF2B5EF4-FFF2-40B4-BE49-F238E27FC236}">
-                <a16:creationId xmlns:a16="http://schemas.microsoft.com/office/drawing/2014/main" id="{E705446E-2233-4038-8090-95BDE1F4F7FF}"/>
-              </a:ext>
-            </a:extLst>
-          </p:cNvPr>
+          <p:cNvPr id="5" name="Footer Placeholder 4"/>
           <p:cNvSpPr>
             <a:spLocks noGrp="1"/>
           </p:cNvSpPr>
@@ -6370,13 +8807,7 @@
       </p:sp>
       <p:sp>
         <p:nvSpPr>
-          <p:cNvPr id="6" name="Slide Number Placeholder 5">
-            <a:extLst>
-              <a:ext uri="{FF2B5EF4-FFF2-40B4-BE49-F238E27FC236}">
-                <a16:creationId xmlns:a16="http://schemas.microsoft.com/office/drawing/2014/main" id="{5AD2BC2C-7BFC-48AE-8399-357CB08AA652}"/>
-              </a:ext>
-            </a:extLst>
-          </p:cNvPr>
+          <p:cNvPr id="6" name="Slide Number Placeholder 5"/>
           <p:cNvSpPr>
             <a:spLocks noGrp="1"/>
           </p:cNvSpPr>
@@ -6400,7 +8831,7 @@
     </p:spTree>
     <p:extLst>
       <p:ext uri="{BB962C8B-B14F-4D97-AF65-F5344CB8AC3E}">
-        <p14:creationId xmlns:p14="http://schemas.microsoft.com/office/powerpoint/2010/main" val="2200326255"/>
+        <p14:creationId xmlns:p14="http://schemas.microsoft.com/office/powerpoint/2010/main" val="133397025"/>
       </p:ext>
     </p:extLst>
   </p:cSld>
@@ -6429,13 +8860,7 @@
       </p:grpSpPr>
       <p:sp>
         <p:nvSpPr>
-          <p:cNvPr id="2" name="Title 1">
-            <a:extLst>
-              <a:ext uri="{FF2B5EF4-FFF2-40B4-BE49-F238E27FC236}">
-                <a16:creationId xmlns:a16="http://schemas.microsoft.com/office/drawing/2014/main" id="{C5B46C4F-DFBA-444A-B071-72BD8C4B288D}"/>
-              </a:ext>
-            </a:extLst>
-          </p:cNvPr>
+          <p:cNvPr id="2" name="Title 1"/>
           <p:cNvSpPr>
             <a:spLocks noGrp="1"/>
           </p:cNvSpPr>
@@ -6443,7 +8868,12 @@
             <p:ph type="title"/>
           </p:nvPr>
         </p:nvSpPr>
-        <p:spPr/>
+        <p:spPr>
+          <a:xfrm>
+            <a:off x="913795" y="609600"/>
+            <a:ext cx="10353761" cy="1326321"/>
+          </a:xfrm>
+        </p:spPr>
         <p:txBody>
           <a:bodyPr/>
           <a:lstStyle/>
@@ -6452,18 +8882,13 @@
               <a:rPr lang="en-US"/>
               <a:t>Click to edit Master title style</a:t>
             </a:r>
-          </a:p>
-        </p:txBody>
-      </p:sp>
-      <p:sp>
-        <p:nvSpPr>
-          <p:cNvPr id="3" name="Content Placeholder 2">
-            <a:extLst>
-              <a:ext uri="{FF2B5EF4-FFF2-40B4-BE49-F238E27FC236}">
-                <a16:creationId xmlns:a16="http://schemas.microsoft.com/office/drawing/2014/main" id="{E481A75A-94D2-4D80-B449-00988D7DBA0A}"/>
-              </a:ext>
-            </a:extLst>
-          </p:cNvPr>
+            <a:endParaRPr lang="en-US" dirty="0"/>
+          </a:p>
+        </p:txBody>
+      </p:sp>
+      <p:sp>
+        <p:nvSpPr>
+          <p:cNvPr id="3" name="Content Placeholder 2"/>
           <p:cNvSpPr>
             <a:spLocks noGrp="1"/>
           </p:cNvSpPr>
@@ -6473,8 +8898,8 @@
         </p:nvSpPr>
         <p:spPr>
           <a:xfrm>
-            <a:off x="838200" y="1825625"/>
-            <a:ext cx="5181600" cy="4351338"/>
+            <a:off x="913795" y="2088319"/>
+            <a:ext cx="5106004" cy="3702881"/>
           </a:xfrm>
         </p:spPr>
         <p:txBody>
@@ -6514,18 +8939,13 @@
               <a:rPr lang="en-US"/>
               <a:t>Fifth level</a:t>
             </a:r>
-          </a:p>
-        </p:txBody>
-      </p:sp>
-      <p:sp>
-        <p:nvSpPr>
-          <p:cNvPr id="4" name="Content Placeholder 3">
-            <a:extLst>
-              <a:ext uri="{FF2B5EF4-FFF2-40B4-BE49-F238E27FC236}">
-                <a16:creationId xmlns:a16="http://schemas.microsoft.com/office/drawing/2014/main" id="{00EE5C13-A367-4813-BB3A-EEA0BC00663E}"/>
-              </a:ext>
-            </a:extLst>
-          </p:cNvPr>
+            <a:endParaRPr lang="en-US" dirty="0"/>
+          </a:p>
+        </p:txBody>
+      </p:sp>
+      <p:sp>
+        <p:nvSpPr>
+          <p:cNvPr id="4" name="Content Placeholder 3"/>
           <p:cNvSpPr>
             <a:spLocks noGrp="1"/>
           </p:cNvSpPr>
@@ -6535,8 +8955,8 @@
         </p:nvSpPr>
         <p:spPr>
           <a:xfrm>
-            <a:off x="6172200" y="1825625"/>
-            <a:ext cx="5181600" cy="4351338"/>
+            <a:off x="6173403" y="2088319"/>
+            <a:ext cx="5094154" cy="3702881"/>
           </a:xfrm>
         </p:spPr>
         <p:txBody>
@@ -6576,18 +8996,13 @@
               <a:rPr lang="en-US"/>
               <a:t>Fifth level</a:t>
             </a:r>
-          </a:p>
-        </p:txBody>
-      </p:sp>
-      <p:sp>
-        <p:nvSpPr>
-          <p:cNvPr id="5" name="Date Placeholder 4">
-            <a:extLst>
-              <a:ext uri="{FF2B5EF4-FFF2-40B4-BE49-F238E27FC236}">
-                <a16:creationId xmlns:a16="http://schemas.microsoft.com/office/drawing/2014/main" id="{DB6CDBF4-93FF-4750-8C7F-FE63DADB66DD}"/>
-              </a:ext>
-            </a:extLst>
-          </p:cNvPr>
+            <a:endParaRPr lang="en-US" dirty="0"/>
+          </a:p>
+        </p:txBody>
+      </p:sp>
+      <p:sp>
+        <p:nvSpPr>
+          <p:cNvPr id="5" name="Date Placeholder 4"/>
           <p:cNvSpPr>
             <a:spLocks noGrp="1"/>
           </p:cNvSpPr>
@@ -6602,7 +9017,7 @@
           <a:p>
             <a:fld id="{ECFE6AF2-E251-4549-B07F-CA0BEB1B74A4}" type="datetimeFigureOut">
               <a:rPr lang="en-US" smtClean="0"/>
-              <a:t>8/9/2018</a:t>
+              <a:t>8/10/2018</a:t>
             </a:fld>
             <a:endParaRPr lang="en-US"/>
           </a:p>
@@ -6610,13 +9025,7 @@
       </p:sp>
       <p:sp>
         <p:nvSpPr>
-          <p:cNvPr id="6" name="Footer Placeholder 5">
-            <a:extLst>
-              <a:ext uri="{FF2B5EF4-FFF2-40B4-BE49-F238E27FC236}">
-                <a16:creationId xmlns:a16="http://schemas.microsoft.com/office/drawing/2014/main" id="{E94BBB1E-5176-41F8-80F8-936EE3FAC6DB}"/>
-              </a:ext>
-            </a:extLst>
-          </p:cNvPr>
+          <p:cNvPr id="6" name="Footer Placeholder 5"/>
           <p:cNvSpPr>
             <a:spLocks noGrp="1"/>
           </p:cNvSpPr>
@@ -6635,13 +9044,7 @@
       </p:sp>
       <p:sp>
         <p:nvSpPr>
-          <p:cNvPr id="7" name="Slide Number Placeholder 6">
-            <a:extLst>
-              <a:ext uri="{FF2B5EF4-FFF2-40B4-BE49-F238E27FC236}">
-                <a16:creationId xmlns:a16="http://schemas.microsoft.com/office/drawing/2014/main" id="{75789F06-4C30-4E4C-AFA4-C73206E878AD}"/>
-              </a:ext>
-            </a:extLst>
-          </p:cNvPr>
+          <p:cNvPr id="7" name="Slide Number Placeholder 6"/>
           <p:cNvSpPr>
             <a:spLocks noGrp="1"/>
           </p:cNvSpPr>
@@ -6665,13 +9068,18 @@
     </p:spTree>
     <p:extLst>
       <p:ext uri="{BB962C8B-B14F-4D97-AF65-F5344CB8AC3E}">
-        <p14:creationId xmlns:p14="http://schemas.microsoft.com/office/powerpoint/2010/main" val="342548356"/>
+        <p14:creationId xmlns:p14="http://schemas.microsoft.com/office/powerpoint/2010/main" val="2741621390"/>
       </p:ext>
     </p:extLst>
   </p:cSld>
   <p:clrMapOvr>
     <a:masterClrMapping/>
   </p:clrMapOvr>
+  <p:extLst>
+    <p:ext uri="{DCECCB84-F9BA-43D5-87BE-67443E8EF086}">
+      <p15:sldGuideLst xmlns:p15="http://schemas.microsoft.com/office/powerpoint/2012/main"/>
+    </p:ext>
+  </p:extLst>
 </p:sldLayout>
 </file>
 
@@ -6694,13 +9102,7 @@
       </p:grpSpPr>
       <p:sp>
         <p:nvSpPr>
-          <p:cNvPr id="2" name="Title 1">
-            <a:extLst>
-              <a:ext uri="{FF2B5EF4-FFF2-40B4-BE49-F238E27FC236}">
-                <a16:creationId xmlns:a16="http://schemas.microsoft.com/office/drawing/2014/main" id="{BFDD0D1D-55BA-4229-ADCD-997A3E00E05D}"/>
-              </a:ext>
-            </a:extLst>
-          </p:cNvPr>
+          <p:cNvPr id="2" name="Title 1"/>
           <p:cNvSpPr>
             <a:spLocks noGrp="1"/>
           </p:cNvSpPr>
@@ -6710,8 +9112,8 @@
         </p:nvSpPr>
         <p:spPr>
           <a:xfrm>
-            <a:off x="839788" y="365125"/>
-            <a:ext cx="10515600" cy="1325563"/>
+            <a:off x="913795" y="609600"/>
+            <a:ext cx="10353761" cy="1325563"/>
           </a:xfrm>
         </p:spPr>
         <p:txBody>
@@ -6722,18 +9124,13 @@
               <a:rPr lang="en-US"/>
               <a:t>Click to edit Master title style</a:t>
             </a:r>
-          </a:p>
-        </p:txBody>
-      </p:sp>
-      <p:sp>
-        <p:nvSpPr>
-          <p:cNvPr id="3" name="Text Placeholder 2">
-            <a:extLst>
-              <a:ext uri="{FF2B5EF4-FFF2-40B4-BE49-F238E27FC236}">
-                <a16:creationId xmlns:a16="http://schemas.microsoft.com/office/drawing/2014/main" id="{AC8B9228-D16F-4060-8AC5-709575FCB744}"/>
-              </a:ext>
-            </a:extLst>
-          </p:cNvPr>
+            <a:endParaRPr lang="en-US" dirty="0"/>
+          </a:p>
+        </p:txBody>
+      </p:sp>
+      <p:sp>
+        <p:nvSpPr>
+          <p:cNvPr id="3" name="Text Placeholder 2"/>
           <p:cNvSpPr>
             <a:spLocks noGrp="1"/>
           </p:cNvSpPr>
@@ -6743,14 +9140,17 @@
         </p:nvSpPr>
         <p:spPr>
           <a:xfrm>
-            <a:off x="839788" y="1681163"/>
-            <a:ext cx="5157787" cy="823912"/>
+            <a:off x="1141804" y="2088320"/>
+            <a:ext cx="4879199" cy="823912"/>
           </a:xfrm>
         </p:spPr>
         <p:txBody>
           <a:bodyPr anchor="b"/>
           <a:lstStyle>
             <a:lvl1pPr marL="0" indent="0">
+              <a:lnSpc>
+                <a:spcPct val="100000"/>
+              </a:lnSpc>
               <a:buNone/>
               <a:defRPr sz="2400" b="1"/>
             </a:lvl1pPr>
@@ -6798,13 +9198,7 @@
       </p:sp>
       <p:sp>
         <p:nvSpPr>
-          <p:cNvPr id="4" name="Content Placeholder 3">
-            <a:extLst>
-              <a:ext uri="{FF2B5EF4-FFF2-40B4-BE49-F238E27FC236}">
-                <a16:creationId xmlns:a16="http://schemas.microsoft.com/office/drawing/2014/main" id="{8593A975-270C-4020-84DD-69754DA31A6B}"/>
-              </a:ext>
-            </a:extLst>
-          </p:cNvPr>
+          <p:cNvPr id="4" name="Content Placeholder 3"/>
           <p:cNvSpPr>
             <a:spLocks noGrp="1"/>
           </p:cNvSpPr>
@@ -6814,8 +9208,8 @@
         </p:nvSpPr>
         <p:spPr>
           <a:xfrm>
-            <a:off x="839788" y="2505075"/>
-            <a:ext cx="5157787" cy="3684588"/>
+            <a:off x="913795" y="2912232"/>
+            <a:ext cx="5107208" cy="2878968"/>
           </a:xfrm>
         </p:spPr>
         <p:txBody>
@@ -6855,18 +9249,13 @@
               <a:rPr lang="en-US"/>
               <a:t>Fifth level</a:t>
             </a:r>
-          </a:p>
-        </p:txBody>
-      </p:sp>
-      <p:sp>
-        <p:nvSpPr>
-          <p:cNvPr id="5" name="Text Placeholder 4">
-            <a:extLst>
-              <a:ext uri="{FF2B5EF4-FFF2-40B4-BE49-F238E27FC236}">
-                <a16:creationId xmlns:a16="http://schemas.microsoft.com/office/drawing/2014/main" id="{18584609-7A31-4520-8C0A-4224878A4239}"/>
-              </a:ext>
-            </a:extLst>
-          </p:cNvPr>
+            <a:endParaRPr lang="en-US" dirty="0"/>
+          </a:p>
+        </p:txBody>
+      </p:sp>
+      <p:sp>
+        <p:nvSpPr>
+          <p:cNvPr id="5" name="Text Placeholder 4"/>
           <p:cNvSpPr>
             <a:spLocks noGrp="1"/>
           </p:cNvSpPr>
@@ -6876,14 +9265,17 @@
         </p:nvSpPr>
         <p:spPr>
           <a:xfrm>
-            <a:off x="6172200" y="1681163"/>
-            <a:ext cx="5183188" cy="823912"/>
+            <a:off x="6402003" y="2088320"/>
+            <a:ext cx="4865554" cy="823912"/>
           </a:xfrm>
         </p:spPr>
         <p:txBody>
           <a:bodyPr anchor="b"/>
           <a:lstStyle>
             <a:lvl1pPr marL="0" indent="0">
+              <a:lnSpc>
+                <a:spcPct val="100000"/>
+              </a:lnSpc>
               <a:buNone/>
               <a:defRPr sz="2400" b="1"/>
             </a:lvl1pPr>
@@ -6931,13 +9323,7 @@
       </p:sp>
       <p:sp>
         <p:nvSpPr>
-          <p:cNvPr id="6" name="Content Placeholder 5">
-            <a:extLst>
-              <a:ext uri="{FF2B5EF4-FFF2-40B4-BE49-F238E27FC236}">
-                <a16:creationId xmlns:a16="http://schemas.microsoft.com/office/drawing/2014/main" id="{BF18B223-6D5F-403B-94E6-AEF57F863D09}"/>
-              </a:ext>
-            </a:extLst>
-          </p:cNvPr>
+          <p:cNvPr id="6" name="Content Placeholder 5"/>
           <p:cNvSpPr>
             <a:spLocks noGrp="1"/>
           </p:cNvSpPr>
@@ -6947,8 +9333,8 @@
         </p:nvSpPr>
         <p:spPr>
           <a:xfrm>
-            <a:off x="6172200" y="2505075"/>
-            <a:ext cx="5183188" cy="3684588"/>
+            <a:off x="6172200" y="2912232"/>
+            <a:ext cx="5095357" cy="2878968"/>
           </a:xfrm>
         </p:spPr>
         <p:txBody>
@@ -6988,18 +9374,13 @@
               <a:rPr lang="en-US"/>
               <a:t>Fifth level</a:t>
             </a:r>
-          </a:p>
-        </p:txBody>
-      </p:sp>
-      <p:sp>
-        <p:nvSpPr>
-          <p:cNvPr id="7" name="Date Placeholder 6">
-            <a:extLst>
-              <a:ext uri="{FF2B5EF4-FFF2-40B4-BE49-F238E27FC236}">
-                <a16:creationId xmlns:a16="http://schemas.microsoft.com/office/drawing/2014/main" id="{F7F0773C-AC05-4ECA-87EF-98F7A5B83E5C}"/>
-              </a:ext>
-            </a:extLst>
-          </p:cNvPr>
+            <a:endParaRPr lang="en-US" dirty="0"/>
+          </a:p>
+        </p:txBody>
+      </p:sp>
+      <p:sp>
+        <p:nvSpPr>
+          <p:cNvPr id="7" name="Date Placeholder 6"/>
           <p:cNvSpPr>
             <a:spLocks noGrp="1"/>
           </p:cNvSpPr>
@@ -7014,7 +9395,7 @@
           <a:p>
             <a:fld id="{ECFE6AF2-E251-4549-B07F-CA0BEB1B74A4}" type="datetimeFigureOut">
               <a:rPr lang="en-US" smtClean="0"/>
-              <a:t>8/9/2018</a:t>
+              <a:t>8/10/2018</a:t>
             </a:fld>
             <a:endParaRPr lang="en-US"/>
           </a:p>
@@ -7022,13 +9403,7 @@
       </p:sp>
       <p:sp>
         <p:nvSpPr>
-          <p:cNvPr id="8" name="Footer Placeholder 7">
-            <a:extLst>
-              <a:ext uri="{FF2B5EF4-FFF2-40B4-BE49-F238E27FC236}">
-                <a16:creationId xmlns:a16="http://schemas.microsoft.com/office/drawing/2014/main" id="{79DE6600-E599-4946-B5BE-1A565EB5B806}"/>
-              </a:ext>
-            </a:extLst>
-          </p:cNvPr>
+          <p:cNvPr id="8" name="Footer Placeholder 7"/>
           <p:cNvSpPr>
             <a:spLocks noGrp="1"/>
           </p:cNvSpPr>
@@ -7047,13 +9422,7 @@
       </p:sp>
       <p:sp>
         <p:nvSpPr>
-          <p:cNvPr id="9" name="Slide Number Placeholder 8">
-            <a:extLst>
-              <a:ext uri="{FF2B5EF4-FFF2-40B4-BE49-F238E27FC236}">
-                <a16:creationId xmlns:a16="http://schemas.microsoft.com/office/drawing/2014/main" id="{ECA09151-553F-4C11-8D1C-A4C9BA4A6472}"/>
-              </a:ext>
-            </a:extLst>
-          </p:cNvPr>
+          <p:cNvPr id="9" name="Slide Number Placeholder 8"/>
           <p:cNvSpPr>
             <a:spLocks noGrp="1"/>
           </p:cNvSpPr>
@@ -7077,13 +9446,18 @@
     </p:spTree>
     <p:extLst>
       <p:ext uri="{BB962C8B-B14F-4D97-AF65-F5344CB8AC3E}">
-        <p14:creationId xmlns:p14="http://schemas.microsoft.com/office/powerpoint/2010/main" val="1293563204"/>
+        <p14:creationId xmlns:p14="http://schemas.microsoft.com/office/powerpoint/2010/main" val="1060640581"/>
       </p:ext>
     </p:extLst>
   </p:cSld>
   <p:clrMapOvr>
     <a:masterClrMapping/>
   </p:clrMapOvr>
+  <p:extLst>
+    <p:ext uri="{DCECCB84-F9BA-43D5-87BE-67443E8EF086}">
+      <p15:sldGuideLst xmlns:p15="http://schemas.microsoft.com/office/powerpoint/2012/main"/>
+    </p:ext>
+  </p:extLst>
 </p:sldLayout>
 </file>
 
@@ -7106,13 +9480,7 @@
       </p:grpSpPr>
       <p:sp>
         <p:nvSpPr>
-          <p:cNvPr id="2" name="Title 1">
-            <a:extLst>
-              <a:ext uri="{FF2B5EF4-FFF2-40B4-BE49-F238E27FC236}">
-                <a16:creationId xmlns:a16="http://schemas.microsoft.com/office/drawing/2014/main" id="{EE0FA4BE-83F3-4B9E-9D95-4F5943DF804C}"/>
-              </a:ext>
-            </a:extLst>
-          </p:cNvPr>
+          <p:cNvPr id="2" name="Title 1"/>
           <p:cNvSpPr>
             <a:spLocks noGrp="1"/>
           </p:cNvSpPr>
@@ -7129,18 +9497,13 @@
               <a:rPr lang="en-US"/>
               <a:t>Click to edit Master title style</a:t>
             </a:r>
-          </a:p>
-        </p:txBody>
-      </p:sp>
-      <p:sp>
-        <p:nvSpPr>
-          <p:cNvPr id="3" name="Date Placeholder 2">
-            <a:extLst>
-              <a:ext uri="{FF2B5EF4-FFF2-40B4-BE49-F238E27FC236}">
-                <a16:creationId xmlns:a16="http://schemas.microsoft.com/office/drawing/2014/main" id="{5584F807-085E-4E68-8929-27311707B775}"/>
-              </a:ext>
-            </a:extLst>
-          </p:cNvPr>
+            <a:endParaRPr lang="en-US" dirty="0"/>
+          </a:p>
+        </p:txBody>
+      </p:sp>
+      <p:sp>
+        <p:nvSpPr>
+          <p:cNvPr id="3" name="Date Placeholder 2"/>
           <p:cNvSpPr>
             <a:spLocks noGrp="1"/>
           </p:cNvSpPr>
@@ -7155,7 +9518,7 @@
           <a:p>
             <a:fld id="{ECFE6AF2-E251-4549-B07F-CA0BEB1B74A4}" type="datetimeFigureOut">
               <a:rPr lang="en-US" smtClean="0"/>
-              <a:t>8/9/2018</a:t>
+              <a:t>8/10/2018</a:t>
             </a:fld>
             <a:endParaRPr lang="en-US"/>
           </a:p>
@@ -7163,13 +9526,7 @@
       </p:sp>
       <p:sp>
         <p:nvSpPr>
-          <p:cNvPr id="4" name="Footer Placeholder 3">
-            <a:extLst>
-              <a:ext uri="{FF2B5EF4-FFF2-40B4-BE49-F238E27FC236}">
-                <a16:creationId xmlns:a16="http://schemas.microsoft.com/office/drawing/2014/main" id="{BBF320A8-375B-4B3C-8424-82D69D370EF2}"/>
-              </a:ext>
-            </a:extLst>
-          </p:cNvPr>
+          <p:cNvPr id="4" name="Footer Placeholder 3"/>
           <p:cNvSpPr>
             <a:spLocks noGrp="1"/>
           </p:cNvSpPr>
@@ -7188,13 +9545,7 @@
       </p:sp>
       <p:sp>
         <p:nvSpPr>
-          <p:cNvPr id="5" name="Slide Number Placeholder 4">
-            <a:extLst>
-              <a:ext uri="{FF2B5EF4-FFF2-40B4-BE49-F238E27FC236}">
-                <a16:creationId xmlns:a16="http://schemas.microsoft.com/office/drawing/2014/main" id="{EE910C6B-C129-41A9-ADA4-A0EFDAC97ED8}"/>
-              </a:ext>
-            </a:extLst>
-          </p:cNvPr>
+          <p:cNvPr id="5" name="Slide Number Placeholder 4"/>
           <p:cNvSpPr>
             <a:spLocks noGrp="1"/>
           </p:cNvSpPr>
@@ -7218,7 +9569,7 @@
     </p:spTree>
     <p:extLst>
       <p:ext uri="{BB962C8B-B14F-4D97-AF65-F5344CB8AC3E}">
-        <p14:creationId xmlns:p14="http://schemas.microsoft.com/office/powerpoint/2010/main" val="1517030237"/>
+        <p14:creationId xmlns:p14="http://schemas.microsoft.com/office/powerpoint/2010/main" val="3493392510"/>
       </p:ext>
     </p:extLst>
   </p:cSld>
@@ -7247,13 +9598,7 @@
       </p:grpSpPr>
       <p:sp>
         <p:nvSpPr>
-          <p:cNvPr id="2" name="Date Placeholder 1">
-            <a:extLst>
-              <a:ext uri="{FF2B5EF4-FFF2-40B4-BE49-F238E27FC236}">
-                <a16:creationId xmlns:a16="http://schemas.microsoft.com/office/drawing/2014/main" id="{260D3E3E-F032-4DA3-8317-9E15EB70C343}"/>
-              </a:ext>
-            </a:extLst>
-          </p:cNvPr>
+          <p:cNvPr id="2" name="Date Placeholder 1"/>
           <p:cNvSpPr>
             <a:spLocks noGrp="1"/>
           </p:cNvSpPr>
@@ -7268,7 +9613,7 @@
           <a:p>
             <a:fld id="{ECFE6AF2-E251-4549-B07F-CA0BEB1B74A4}" type="datetimeFigureOut">
               <a:rPr lang="en-US" smtClean="0"/>
-              <a:t>8/9/2018</a:t>
+              <a:t>8/10/2018</a:t>
             </a:fld>
             <a:endParaRPr lang="en-US"/>
           </a:p>
@@ -7276,13 +9621,7 @@
       </p:sp>
       <p:sp>
         <p:nvSpPr>
-          <p:cNvPr id="3" name="Footer Placeholder 2">
-            <a:extLst>
-              <a:ext uri="{FF2B5EF4-FFF2-40B4-BE49-F238E27FC236}">
-                <a16:creationId xmlns:a16="http://schemas.microsoft.com/office/drawing/2014/main" id="{E1D04BF6-9A7D-4406-9908-C5673FC2FA22}"/>
-              </a:ext>
-            </a:extLst>
-          </p:cNvPr>
+          <p:cNvPr id="3" name="Footer Placeholder 2"/>
           <p:cNvSpPr>
             <a:spLocks noGrp="1"/>
           </p:cNvSpPr>
@@ -7301,13 +9640,7 @@
       </p:sp>
       <p:sp>
         <p:nvSpPr>
-          <p:cNvPr id="4" name="Slide Number Placeholder 3">
-            <a:extLst>
-              <a:ext uri="{FF2B5EF4-FFF2-40B4-BE49-F238E27FC236}">
-                <a16:creationId xmlns:a16="http://schemas.microsoft.com/office/drawing/2014/main" id="{7AF3047C-1956-4A43-8946-9FD15C64D99D}"/>
-              </a:ext>
-            </a:extLst>
-          </p:cNvPr>
+          <p:cNvPr id="4" name="Slide Number Placeholder 3"/>
           <p:cNvSpPr>
             <a:spLocks noGrp="1"/>
           </p:cNvSpPr>
@@ -7331,7 +9664,7 @@
     </p:spTree>
     <p:extLst>
       <p:ext uri="{BB962C8B-B14F-4D97-AF65-F5344CB8AC3E}">
-        <p14:creationId xmlns:p14="http://schemas.microsoft.com/office/powerpoint/2010/main" val="1446573291"/>
+        <p14:creationId xmlns:p14="http://schemas.microsoft.com/office/powerpoint/2010/main" val="421159227"/>
       </p:ext>
     </p:extLst>
   </p:cSld>
@@ -7360,13 +9693,7 @@
       </p:grpSpPr>
       <p:sp>
         <p:nvSpPr>
-          <p:cNvPr id="2" name="Title 1">
-            <a:extLst>
-              <a:ext uri="{FF2B5EF4-FFF2-40B4-BE49-F238E27FC236}">
-                <a16:creationId xmlns:a16="http://schemas.microsoft.com/office/drawing/2014/main" id="{16C2A627-A914-4D33-88AB-028ED6F8FA64}"/>
-              </a:ext>
-            </a:extLst>
-          </p:cNvPr>
+          <p:cNvPr id="2" name="Title 1"/>
           <p:cNvSpPr>
             <a:spLocks noGrp="1"/>
           </p:cNvSpPr>
@@ -7376,15 +9703,17 @@
         </p:nvSpPr>
         <p:spPr>
           <a:xfrm>
-            <a:off x="839788" y="457200"/>
-            <a:ext cx="3932237" cy="1600200"/>
+            <a:off x="917228" y="609600"/>
+            <a:ext cx="3932237" cy="2362200"/>
           </a:xfrm>
         </p:spPr>
         <p:txBody>
-          <a:bodyPr anchor="b"/>
+          <a:bodyPr anchor="b">
+            <a:normAutofit/>
+          </a:bodyPr>
           <a:lstStyle>
             <a:lvl1pPr>
-              <a:defRPr sz="3200"/>
+              <a:defRPr sz="2800"/>
             </a:lvl1pPr>
           </a:lstStyle>
           <a:p>
@@ -7392,18 +9721,13 @@
               <a:rPr lang="en-US"/>
               <a:t>Click to edit Master title style</a:t>
             </a:r>
-          </a:p>
-        </p:txBody>
-      </p:sp>
-      <p:sp>
-        <p:nvSpPr>
-          <p:cNvPr id="3" name="Content Placeholder 2">
-            <a:extLst>
-              <a:ext uri="{FF2B5EF4-FFF2-40B4-BE49-F238E27FC236}">
-                <a16:creationId xmlns:a16="http://schemas.microsoft.com/office/drawing/2014/main" id="{72B24743-F990-40D5-A2A6-8B22B4B83937}"/>
-              </a:ext>
-            </a:extLst>
-          </p:cNvPr>
+            <a:endParaRPr lang="en-US" dirty="0"/>
+          </a:p>
+        </p:txBody>
+      </p:sp>
+      <p:sp>
+        <p:nvSpPr>
+          <p:cNvPr id="3" name="Content Placeholder 2"/>
           <p:cNvSpPr>
             <a:spLocks noGrp="1"/>
           </p:cNvSpPr>
@@ -7413,41 +9737,13 @@
         </p:nvSpPr>
         <p:spPr>
           <a:xfrm>
-            <a:off x="5183188" y="987425"/>
-            <a:ext cx="6172200" cy="4873625"/>
+            <a:off x="5078064" y="609600"/>
+            <a:ext cx="6189492" cy="5181600"/>
           </a:xfrm>
         </p:spPr>
         <p:txBody>
-          <a:bodyPr/>
-          <a:lstStyle>
-            <a:lvl1pPr>
-              <a:defRPr sz="3200"/>
-            </a:lvl1pPr>
-            <a:lvl2pPr>
-              <a:defRPr sz="2800"/>
-            </a:lvl2pPr>
-            <a:lvl3pPr>
-              <a:defRPr sz="2400"/>
-            </a:lvl3pPr>
-            <a:lvl4pPr>
-              <a:defRPr sz="2000"/>
-            </a:lvl4pPr>
-            <a:lvl5pPr>
-              <a:defRPr sz="2000"/>
-            </a:lvl5pPr>
-            <a:lvl6pPr>
-              <a:defRPr sz="2000"/>
-            </a:lvl6pPr>
-            <a:lvl7pPr>
-              <a:defRPr sz="2000"/>
-            </a:lvl7pPr>
-            <a:lvl8pPr>
-              <a:defRPr sz="2000"/>
-            </a:lvl8pPr>
-            <a:lvl9pPr>
-              <a:defRPr sz="2000"/>
-            </a:lvl9pPr>
-          </a:lstStyle>
+          <a:bodyPr anchor="ctr"/>
+          <a:lstStyle/>
           <a:p>
             <a:pPr lvl="0"/>
             <a:r>
@@ -7482,18 +9778,13 @@
               <a:rPr lang="en-US"/>
               <a:t>Fifth level</a:t>
             </a:r>
-          </a:p>
-        </p:txBody>
-      </p:sp>
-      <p:sp>
-        <p:nvSpPr>
-          <p:cNvPr id="4" name="Text Placeholder 3">
-            <a:extLst>
-              <a:ext uri="{FF2B5EF4-FFF2-40B4-BE49-F238E27FC236}">
-                <a16:creationId xmlns:a16="http://schemas.microsoft.com/office/drawing/2014/main" id="{B44E2EF8-FDB9-469D-9043-48D8F617CFFF}"/>
-              </a:ext>
-            </a:extLst>
-          </p:cNvPr>
+            <a:endParaRPr lang="en-US" dirty="0"/>
+          </a:p>
+        </p:txBody>
+      </p:sp>
+      <p:sp>
+        <p:nvSpPr>
+          <p:cNvPr id="4" name="Text Placeholder 3"/>
           <p:cNvSpPr>
             <a:spLocks noGrp="1"/>
           </p:cNvSpPr>
@@ -7503,14 +9794,14 @@
         </p:nvSpPr>
         <p:spPr>
           <a:xfrm>
-            <a:off x="839788" y="2057400"/>
-            <a:ext cx="3932237" cy="3811588"/>
+            <a:off x="917228" y="2971800"/>
+            <a:ext cx="3932237" cy="2819399"/>
           </a:xfrm>
         </p:spPr>
         <p:txBody>
           <a:bodyPr/>
           <a:lstStyle>
-            <a:lvl1pPr marL="0" indent="0">
+            <a:lvl1pPr marL="0" indent="0" algn="ctr">
               <a:buNone/>
               <a:defRPr sz="1600"/>
             </a:lvl1pPr>
@@ -7558,13 +9849,7 @@
       </p:sp>
       <p:sp>
         <p:nvSpPr>
-          <p:cNvPr id="5" name="Date Placeholder 4">
-            <a:extLst>
-              <a:ext uri="{FF2B5EF4-FFF2-40B4-BE49-F238E27FC236}">
-                <a16:creationId xmlns:a16="http://schemas.microsoft.com/office/drawing/2014/main" id="{47E78AC4-C4D4-4F8D-8632-B8E03A535DA9}"/>
-              </a:ext>
-            </a:extLst>
-          </p:cNvPr>
+          <p:cNvPr id="5" name="Date Placeholder 4"/>
           <p:cNvSpPr>
             <a:spLocks noGrp="1"/>
           </p:cNvSpPr>
@@ -7579,7 +9864,7 @@
           <a:p>
             <a:fld id="{ECFE6AF2-E251-4549-B07F-CA0BEB1B74A4}" type="datetimeFigureOut">
               <a:rPr lang="en-US" smtClean="0"/>
-              <a:t>8/9/2018</a:t>
+              <a:t>8/10/2018</a:t>
             </a:fld>
             <a:endParaRPr lang="en-US"/>
           </a:p>
@@ -7587,13 +9872,7 @@
       </p:sp>
       <p:sp>
         <p:nvSpPr>
-          <p:cNvPr id="6" name="Footer Placeholder 5">
-            <a:extLst>
-              <a:ext uri="{FF2B5EF4-FFF2-40B4-BE49-F238E27FC236}">
-                <a16:creationId xmlns:a16="http://schemas.microsoft.com/office/drawing/2014/main" id="{C7C86439-E6F6-49E2-AC7A-666192C64A82}"/>
-              </a:ext>
-            </a:extLst>
-          </p:cNvPr>
+          <p:cNvPr id="6" name="Footer Placeholder 5"/>
           <p:cNvSpPr>
             <a:spLocks noGrp="1"/>
           </p:cNvSpPr>
@@ -7612,13 +9891,7 @@
       </p:sp>
       <p:sp>
         <p:nvSpPr>
-          <p:cNvPr id="7" name="Slide Number Placeholder 6">
-            <a:extLst>
-              <a:ext uri="{FF2B5EF4-FFF2-40B4-BE49-F238E27FC236}">
-                <a16:creationId xmlns:a16="http://schemas.microsoft.com/office/drawing/2014/main" id="{883C01AC-35C9-4AE4-92AE-AC77B03C1564}"/>
-              </a:ext>
-            </a:extLst>
-          </p:cNvPr>
+          <p:cNvPr id="7" name="Slide Number Placeholder 6"/>
           <p:cNvSpPr>
             <a:spLocks noGrp="1"/>
           </p:cNvSpPr>
@@ -7642,13 +9915,18 @@
     </p:spTree>
     <p:extLst>
       <p:ext uri="{BB962C8B-B14F-4D97-AF65-F5344CB8AC3E}">
-        <p14:creationId xmlns:p14="http://schemas.microsoft.com/office/powerpoint/2010/main" val="241541734"/>
+        <p14:creationId xmlns:p14="http://schemas.microsoft.com/office/powerpoint/2010/main" val="3938035468"/>
       </p:ext>
     </p:extLst>
   </p:cSld>
   <p:clrMapOvr>
     <a:masterClrMapping/>
   </p:clrMapOvr>
+  <p:extLst>
+    <p:ext uri="{DCECCB84-F9BA-43D5-87BE-67443E8EF086}">
+      <p15:sldGuideLst xmlns:p15="http://schemas.microsoft.com/office/powerpoint/2012/main"/>
+    </p:ext>
+  </p:extLst>
 </p:sldLayout>
 </file>
 
@@ -7671,13 +9949,7 @@
       </p:grpSpPr>
       <p:sp>
         <p:nvSpPr>
-          <p:cNvPr id="2" name="Title 1">
-            <a:extLst>
-              <a:ext uri="{FF2B5EF4-FFF2-40B4-BE49-F238E27FC236}">
-                <a16:creationId xmlns:a16="http://schemas.microsoft.com/office/drawing/2014/main" id="{824A3BAF-AACD-4736-B1CB-5F2D9BF7666B}"/>
-              </a:ext>
-            </a:extLst>
-          </p:cNvPr>
+          <p:cNvPr id="2" name="Title 1"/>
           <p:cNvSpPr>
             <a:spLocks noGrp="1"/>
           </p:cNvSpPr>
@@ -7687,12 +9959,14 @@
         </p:nvSpPr>
         <p:spPr>
           <a:xfrm>
-            <a:off x="839788" y="457200"/>
-            <a:ext cx="3932237" cy="1600200"/>
+            <a:off x="917227" y="609600"/>
+            <a:ext cx="5929773" cy="2362200"/>
           </a:xfrm>
         </p:spPr>
         <p:txBody>
-          <a:bodyPr anchor="b"/>
+          <a:bodyPr anchor="b">
+            <a:normAutofit/>
+          </a:bodyPr>
           <a:lstStyle>
             <a:lvl1pPr>
               <a:defRPr sz="3200"/>
@@ -7703,20 +9977,15 @@
               <a:rPr lang="en-US"/>
               <a:t>Click to edit Master title style</a:t>
             </a:r>
-          </a:p>
-        </p:txBody>
-      </p:sp>
-      <p:sp>
-        <p:nvSpPr>
-          <p:cNvPr id="3" name="Picture Placeholder 2">
-            <a:extLst>
-              <a:ext uri="{FF2B5EF4-FFF2-40B4-BE49-F238E27FC236}">
-                <a16:creationId xmlns:a16="http://schemas.microsoft.com/office/drawing/2014/main" id="{362C8CAE-F0DA-4B0E-9BFD-0D39B2CD96F2}"/>
-              </a:ext>
-            </a:extLst>
-          </p:cNvPr>
+            <a:endParaRPr lang="en-US" dirty="0"/>
+          </a:p>
+        </p:txBody>
+      </p:sp>
+      <p:sp>
+        <p:nvSpPr>
+          <p:cNvPr id="3" name="Picture Placeholder 2"/>
           <p:cNvSpPr>
-            <a:spLocks noGrp="1"/>
+            <a:spLocks noGrp="1" noChangeAspect="1"/>
           </p:cNvSpPr>
           <p:nvPr>
             <p:ph type="pic" idx="1"/>
@@ -7724,14 +9993,40 @@
         </p:nvSpPr>
         <p:spPr>
           <a:xfrm>
-            <a:off x="5183188" y="987425"/>
-            <a:ext cx="6172200" cy="4873625"/>
+            <a:off x="7424804" y="758881"/>
+            <a:ext cx="3255356" cy="4883038"/>
           </a:xfrm>
+          <a:noFill/>
+          <a:ln w="190500" cap="sq">
+            <a:solidFill>
+              <a:srgbClr val="FFFFFF"/>
+            </a:solidFill>
+            <a:miter lim="800000"/>
+          </a:ln>
+          <a:effectLst>
+            <a:outerShdw blurRad="55000" dist="18000" dir="5400000" algn="tl" rotWithShape="0">
+              <a:srgbClr val="000000">
+                <a:alpha val="40000"/>
+              </a:srgbClr>
+            </a:outerShdw>
+          </a:effectLst>
+          <a:scene3d>
+            <a:camera prst="orthographicFront"/>
+            <a:lightRig rig="twoPt" dir="t">
+              <a:rot lat="0" lon="0" rev="7200000"/>
+            </a:lightRig>
+          </a:scene3d>
+          <a:sp3d>
+            <a:bevelT w="25400" h="19050"/>
+            <a:contourClr>
+              <a:srgbClr val="FFFFFF"/>
+            </a:contourClr>
+          </a:sp3d>
         </p:spPr>
         <p:txBody>
-          <a:bodyPr/>
+          <a:bodyPr anchor="t"/>
           <a:lstStyle>
-            <a:lvl1pPr marL="0" indent="0">
+            <a:lvl1pPr marL="0" indent="0" algn="ctr">
               <a:buNone/>
               <a:defRPr sz="3200"/>
             </a:lvl1pPr>
@@ -7769,19 +10064,17 @@
             </a:lvl9pPr>
           </a:lstStyle>
           <a:p>
-            <a:endParaRPr lang="en-US"/>
-          </a:p>
-        </p:txBody>
-      </p:sp>
-      <p:sp>
-        <p:nvSpPr>
-          <p:cNvPr id="4" name="Text Placeholder 3">
-            <a:extLst>
-              <a:ext uri="{FF2B5EF4-FFF2-40B4-BE49-F238E27FC236}">
-                <a16:creationId xmlns:a16="http://schemas.microsoft.com/office/drawing/2014/main" id="{A5811463-A141-48D4-9878-FFC021BCD582}"/>
-              </a:ext>
-            </a:extLst>
-          </p:cNvPr>
+            <a:r>
+              <a:rPr lang="en-US"/>
+              <a:t>Click icon to add picture</a:t>
+            </a:r>
+            <a:endParaRPr lang="en-US" dirty="0"/>
+          </a:p>
+        </p:txBody>
+      </p:sp>
+      <p:sp>
+        <p:nvSpPr>
+          <p:cNvPr id="4" name="Text Placeholder 3"/>
           <p:cNvSpPr>
             <a:spLocks noGrp="1"/>
           </p:cNvSpPr>
@@ -7791,16 +10084,18 @@
         </p:nvSpPr>
         <p:spPr>
           <a:xfrm>
-            <a:off x="839788" y="2057400"/>
-            <a:ext cx="3932237" cy="3811588"/>
+            <a:off x="913794" y="2971800"/>
+            <a:ext cx="5934950" cy="2819400"/>
           </a:xfrm>
         </p:spPr>
         <p:txBody>
-          <a:bodyPr/>
+          <a:bodyPr>
+            <a:normAutofit/>
+          </a:bodyPr>
           <a:lstStyle>
-            <a:lvl1pPr marL="0" indent="0">
-              <a:buNone/>
-              <a:defRPr sz="1600"/>
+            <a:lvl1pPr marL="0" indent="0" algn="ctr">
+              <a:buNone/>
+              <a:defRPr sz="1800"/>
             </a:lvl1pPr>
             <a:lvl2pPr marL="457200" indent="0">
               <a:buNone/>
@@ -7846,13 +10141,7 @@
       </p:sp>
       <p:sp>
         <p:nvSpPr>
-          <p:cNvPr id="5" name="Date Placeholder 4">
-            <a:extLst>
-              <a:ext uri="{FF2B5EF4-FFF2-40B4-BE49-F238E27FC236}">
-                <a16:creationId xmlns:a16="http://schemas.microsoft.com/office/drawing/2014/main" id="{EFE51967-F288-4D26-9DFD-58365432A694}"/>
-              </a:ext>
-            </a:extLst>
-          </p:cNvPr>
+          <p:cNvPr id="5" name="Date Placeholder 4"/>
           <p:cNvSpPr>
             <a:spLocks noGrp="1"/>
           </p:cNvSpPr>
@@ -7867,7 +10156,7 @@
           <a:p>
             <a:fld id="{ECFE6AF2-E251-4549-B07F-CA0BEB1B74A4}" type="datetimeFigureOut">
               <a:rPr lang="en-US" smtClean="0"/>
-              <a:t>8/9/2018</a:t>
+              <a:t>8/10/2018</a:t>
             </a:fld>
             <a:endParaRPr lang="en-US"/>
           </a:p>
@@ -7875,13 +10164,7 @@
       </p:sp>
       <p:sp>
         <p:nvSpPr>
-          <p:cNvPr id="6" name="Footer Placeholder 5">
-            <a:extLst>
-              <a:ext uri="{FF2B5EF4-FFF2-40B4-BE49-F238E27FC236}">
-                <a16:creationId xmlns:a16="http://schemas.microsoft.com/office/drawing/2014/main" id="{43260A34-C4AC-4645-8300-3BE402B069E7}"/>
-              </a:ext>
-            </a:extLst>
-          </p:cNvPr>
+          <p:cNvPr id="6" name="Footer Placeholder 5"/>
           <p:cNvSpPr>
             <a:spLocks noGrp="1"/>
           </p:cNvSpPr>
@@ -7900,13 +10183,7 @@
       </p:sp>
       <p:sp>
         <p:nvSpPr>
-          <p:cNvPr id="7" name="Slide Number Placeholder 6">
-            <a:extLst>
-              <a:ext uri="{FF2B5EF4-FFF2-40B4-BE49-F238E27FC236}">
-                <a16:creationId xmlns:a16="http://schemas.microsoft.com/office/drawing/2014/main" id="{9925D44C-8FFF-43D5-B533-12573AF34654}"/>
-              </a:ext>
-            </a:extLst>
-          </p:cNvPr>
+          <p:cNvPr id="7" name="Slide Number Placeholder 6"/>
           <p:cNvSpPr>
             <a:spLocks noGrp="1"/>
           </p:cNvSpPr>
@@ -7930,7 +10207,7 @@
     </p:spTree>
     <p:extLst>
       <p:ext uri="{BB962C8B-B14F-4D97-AF65-F5344CB8AC3E}">
-        <p14:creationId xmlns:p14="http://schemas.microsoft.com/office/powerpoint/2010/main" val="950723577"/>
+        <p14:creationId xmlns:p14="http://schemas.microsoft.com/office/powerpoint/2010/main" val="2148129312"/>
       </p:ext>
     </p:extLst>
   </p:cSld>
@@ -7944,8 +10221,8 @@
 <p:sldMaster xmlns:a="http://schemas.openxmlformats.org/drawingml/2006/main" xmlns:r="http://schemas.openxmlformats.org/officeDocument/2006/relationships" xmlns:p="http://schemas.openxmlformats.org/presentationml/2006/main">
   <p:cSld>
     <p:bg>
-      <p:bgRef idx="1001">
-        <a:schemeClr val="bg1"/>
+      <p:bgRef idx="1003">
+        <a:schemeClr val="bg2"/>
       </p:bgRef>
     </p:bg>
     <p:spTree>
@@ -7964,13 +10241,7 @@
       </p:grpSpPr>
       <p:sp>
         <p:nvSpPr>
-          <p:cNvPr id="2" name="Title Placeholder 1">
-            <a:extLst>
-              <a:ext uri="{FF2B5EF4-FFF2-40B4-BE49-F238E27FC236}">
-                <a16:creationId xmlns:a16="http://schemas.microsoft.com/office/drawing/2014/main" id="{47180025-97E1-493D-8EBA-218762EA9869}"/>
-              </a:ext>
-            </a:extLst>
-          </p:cNvPr>
+          <p:cNvPr id="2" name="Title Placeholder 1"/>
           <p:cNvSpPr>
             <a:spLocks noGrp="1"/>
           </p:cNvSpPr>
@@ -7980,8 +10251,8 @@
         </p:nvSpPr>
         <p:spPr>
           <a:xfrm>
-            <a:off x="838200" y="365125"/>
-            <a:ext cx="10515600" cy="1325563"/>
+            <a:off x="913795" y="609600"/>
+            <a:ext cx="10353761" cy="1326321"/>
           </a:xfrm>
           <a:prstGeom prst="rect">
             <a:avLst/>
@@ -7997,18 +10268,13 @@
               <a:rPr lang="en-US"/>
               <a:t>Click to edit Master title style</a:t>
             </a:r>
-          </a:p>
-        </p:txBody>
-      </p:sp>
-      <p:sp>
-        <p:nvSpPr>
-          <p:cNvPr id="3" name="Text Placeholder 2">
-            <a:extLst>
-              <a:ext uri="{FF2B5EF4-FFF2-40B4-BE49-F238E27FC236}">
-                <a16:creationId xmlns:a16="http://schemas.microsoft.com/office/drawing/2014/main" id="{A8E794E8-0E3D-4525-8ABE-EDFE9DCE950B}"/>
-              </a:ext>
-            </a:extLst>
-          </p:cNvPr>
+            <a:endParaRPr lang="en-US" dirty="0"/>
+          </a:p>
+        </p:txBody>
+      </p:sp>
+      <p:sp>
+        <p:nvSpPr>
+          <p:cNvPr id="3" name="Text Placeholder 2"/>
           <p:cNvSpPr>
             <a:spLocks noGrp="1"/>
           </p:cNvSpPr>
@@ -8018,8 +10284,8 @@
         </p:nvSpPr>
         <p:spPr>
           <a:xfrm>
-            <a:off x="838200" y="1825625"/>
-            <a:ext cx="10515600" cy="4351338"/>
+            <a:off x="913795" y="2096064"/>
+            <a:ext cx="10353762" cy="3695136"/>
           </a:xfrm>
           <a:prstGeom prst="rect">
             <a:avLst/>
@@ -8064,18 +10330,13 @@
               <a:rPr lang="en-US"/>
               <a:t>Fifth level</a:t>
             </a:r>
-          </a:p>
-        </p:txBody>
-      </p:sp>
-      <p:sp>
-        <p:nvSpPr>
-          <p:cNvPr id="4" name="Date Placeholder 3">
-            <a:extLst>
-              <a:ext uri="{FF2B5EF4-FFF2-40B4-BE49-F238E27FC236}">
-                <a16:creationId xmlns:a16="http://schemas.microsoft.com/office/drawing/2014/main" id="{59FF2408-E7C6-4C9B-B85F-D34D24FABB3F}"/>
-              </a:ext>
-            </a:extLst>
-          </p:cNvPr>
+            <a:endParaRPr lang="en-US" dirty="0"/>
+          </a:p>
+        </p:txBody>
+      </p:sp>
+      <p:sp>
+        <p:nvSpPr>
+          <p:cNvPr id="4" name="Date Placeholder 3"/>
           <p:cNvSpPr>
             <a:spLocks noGrp="1"/>
           </p:cNvSpPr>
@@ -8085,7 +10346,7 @@
         </p:nvSpPr>
         <p:spPr>
           <a:xfrm>
-            <a:off x="838200" y="6356350"/>
+            <a:off x="7678736" y="5883275"/>
             <a:ext cx="2743200" cy="365125"/>
           </a:xfrm>
           <a:prstGeom prst="rect">
@@ -8095,8 +10356,8 @@
         <p:txBody>
           <a:bodyPr vert="horz" lIns="91440" tIns="45720" rIns="91440" bIns="45720" rtlCol="0" anchor="ctr"/>
           <a:lstStyle>
-            <a:lvl1pPr algn="l">
-              <a:defRPr sz="1200">
+            <a:lvl1pPr algn="r">
+              <a:defRPr sz="1000">
                 <a:solidFill>
                   <a:schemeClr val="tx1">
                     <a:tint val="75000"/>
@@ -8108,7 +10369,7 @@
           <a:p>
             <a:fld id="{ECFE6AF2-E251-4549-B07F-CA0BEB1B74A4}" type="datetimeFigureOut">
               <a:rPr lang="en-US" smtClean="0"/>
-              <a:t>8/9/2018</a:t>
+              <a:t>8/10/2018</a:t>
             </a:fld>
             <a:endParaRPr lang="en-US"/>
           </a:p>
@@ -8116,13 +10377,7 @@
       </p:sp>
       <p:sp>
         <p:nvSpPr>
-          <p:cNvPr id="5" name="Footer Placeholder 4">
-            <a:extLst>
-              <a:ext uri="{FF2B5EF4-FFF2-40B4-BE49-F238E27FC236}">
-                <a16:creationId xmlns:a16="http://schemas.microsoft.com/office/drawing/2014/main" id="{66E9FF32-2F7D-4E3A-AD77-C96BF9BA4AC0}"/>
-              </a:ext>
-            </a:extLst>
-          </p:cNvPr>
+          <p:cNvPr id="5" name="Footer Placeholder 4"/>
           <p:cNvSpPr>
             <a:spLocks noGrp="1"/>
           </p:cNvSpPr>
@@ -8132,8 +10387,8 @@
         </p:nvSpPr>
         <p:spPr>
           <a:xfrm>
-            <a:off x="4038600" y="6356350"/>
-            <a:ext cx="4114800" cy="365125"/>
+            <a:off x="913794" y="5883275"/>
+            <a:ext cx="6672865" cy="365125"/>
           </a:xfrm>
           <a:prstGeom prst="rect">
             <a:avLst/>
@@ -8142,8 +10397,8 @@
         <p:txBody>
           <a:bodyPr vert="horz" lIns="91440" tIns="45720" rIns="91440" bIns="45720" rtlCol="0" anchor="ctr"/>
           <a:lstStyle>
-            <a:lvl1pPr algn="ctr">
-              <a:defRPr sz="1200">
+            <a:lvl1pPr algn="l">
+              <a:defRPr sz="1000">
                 <a:solidFill>
                   <a:schemeClr val="tx1">
                     <a:tint val="75000"/>
@@ -8159,13 +10414,7 @@
       </p:sp>
       <p:sp>
         <p:nvSpPr>
-          <p:cNvPr id="6" name="Slide Number Placeholder 5">
-            <a:extLst>
-              <a:ext uri="{FF2B5EF4-FFF2-40B4-BE49-F238E27FC236}">
-                <a16:creationId xmlns:a16="http://schemas.microsoft.com/office/drawing/2014/main" id="{664DA004-C746-45E6-8AAA-7CEABDC3B786}"/>
-              </a:ext>
-            </a:extLst>
-          </p:cNvPr>
+          <p:cNvPr id="6" name="Slide Number Placeholder 5"/>
           <p:cNvSpPr>
             <a:spLocks noGrp="1"/>
           </p:cNvSpPr>
@@ -8175,8 +10424,8 @@
         </p:nvSpPr>
         <p:spPr>
           <a:xfrm>
-            <a:off x="8610600" y="6356350"/>
-            <a:ext cx="2743200" cy="365125"/>
+            <a:off x="10514011" y="5883275"/>
+            <a:ext cx="753545" cy="365125"/>
           </a:xfrm>
           <a:prstGeom prst="rect">
             <a:avLst/>
@@ -8186,7 +10435,7 @@
           <a:bodyPr vert="horz" lIns="91440" tIns="45720" rIns="91440" bIns="45720" rtlCol="0" anchor="ctr"/>
           <a:lstStyle>
             <a:lvl1pPr algn="r">
-              <a:defRPr sz="1200">
+              <a:defRPr sz="1000">
                 <a:solidFill>
                   <a:schemeClr val="tx1">
                     <a:tint val="75000"/>
@@ -8207,27 +10456,33 @@
     </p:spTree>
     <p:extLst>
       <p:ext uri="{BB962C8B-B14F-4D97-AF65-F5344CB8AC3E}">
-        <p14:creationId xmlns:p14="http://schemas.microsoft.com/office/powerpoint/2010/main" val="1458683053"/>
+        <p14:creationId xmlns:p14="http://schemas.microsoft.com/office/powerpoint/2010/main" val="3429722148"/>
       </p:ext>
     </p:extLst>
   </p:cSld>
-  <p:clrMap bg1="lt1" tx1="dk1" bg2="lt2" tx2="dk2" accent1="accent1" accent2="accent2" accent3="accent3" accent4="accent4" accent5="accent5" accent6="accent6" hlink="hlink" folHlink="folHlink"/>
+  <p:clrMap bg1="dk1" tx1="lt1" bg2="dk2" tx2="lt2" accent1="accent1" accent2="accent2" accent3="accent3" accent4="accent4" accent5="accent5" accent6="accent6" hlink="hlink" folHlink="folHlink"/>
   <p:sldLayoutIdLst>
-    <p:sldLayoutId id="2147483649" r:id="rId1"/>
-    <p:sldLayoutId id="2147483650" r:id="rId2"/>
-    <p:sldLayoutId id="2147483651" r:id="rId3"/>
-    <p:sldLayoutId id="2147483652" r:id="rId4"/>
-    <p:sldLayoutId id="2147483653" r:id="rId5"/>
-    <p:sldLayoutId id="2147483654" r:id="rId6"/>
-    <p:sldLayoutId id="2147483655" r:id="rId7"/>
-    <p:sldLayoutId id="2147483656" r:id="rId8"/>
-    <p:sldLayoutId id="2147483657" r:id="rId9"/>
-    <p:sldLayoutId id="2147483658" r:id="rId10"/>
-    <p:sldLayoutId id="2147483659" r:id="rId11"/>
+    <p:sldLayoutId id="2147483721" r:id="rId1"/>
+    <p:sldLayoutId id="2147483722" r:id="rId2"/>
+    <p:sldLayoutId id="2147483723" r:id="rId3"/>
+    <p:sldLayoutId id="2147483724" r:id="rId4"/>
+    <p:sldLayoutId id="2147483725" r:id="rId5"/>
+    <p:sldLayoutId id="2147483726" r:id="rId6"/>
+    <p:sldLayoutId id="2147483727" r:id="rId7"/>
+    <p:sldLayoutId id="2147483728" r:id="rId8"/>
+    <p:sldLayoutId id="2147483729" r:id="rId9"/>
+    <p:sldLayoutId id="2147483730" r:id="rId10"/>
+    <p:sldLayoutId id="2147483731" r:id="rId11"/>
+    <p:sldLayoutId id="2147483732" r:id="rId12"/>
+    <p:sldLayoutId id="2147483733" r:id="rId13"/>
+    <p:sldLayoutId id="2147483734" r:id="rId14"/>
+    <p:sldLayoutId id="2147483735" r:id="rId15"/>
+    <p:sldLayoutId id="2147483736" r:id="rId16"/>
+    <p:sldLayoutId id="2147483737" r:id="rId17"/>
   </p:sldLayoutIdLst>
   <p:txStyles>
     <p:titleStyle>
-      <a:lvl1pPr algn="l" defTabSz="914400" rtl="0" eaLnBrk="1" latinLnBrk="0" hangingPunct="1">
+      <a:lvl1pPr algn="ctr" defTabSz="914400" rtl="0" eaLnBrk="1" latinLnBrk="0" hangingPunct="1">
         <a:lnSpc>
           <a:spcPct val="90000"/>
         </a:lnSpc>
@@ -8235,10 +10490,17 @@
           <a:spcPct val="0"/>
         </a:spcBef>
         <a:buNone/>
-        <a:defRPr sz="4400" kern="1200">
+        <a:defRPr sz="3400" b="1" i="0" kern="1200" cap="all">
           <a:solidFill>
             <a:schemeClr val="tx1"/>
           </a:solidFill>
+          <a:effectLst>
+            <a:outerShdw blurRad="50800" dist="63500" dir="2700000" algn="tl" rotWithShape="0">
+              <a:srgbClr val="000000">
+                <a:alpha val="48000"/>
+              </a:srgbClr>
+            </a:outerShdw>
+          </a:effectLst>
           <a:latin typeface="+mj-lt"/>
           <a:ea typeface="+mj-ea"/>
           <a:cs typeface="+mj-cs"/>
@@ -8248,17 +10510,24 @@
     <p:bodyStyle>
       <a:lvl1pPr marL="228600" indent="-228600" algn="l" defTabSz="914400" rtl="0" eaLnBrk="1" latinLnBrk="0" hangingPunct="1">
         <a:lnSpc>
-          <a:spcPct val="90000"/>
+          <a:spcPct val="120000"/>
         </a:lnSpc>
         <a:spcBef>
           <a:spcPts val="1000"/>
         </a:spcBef>
         <a:buFont typeface="Arial" panose="020B0604020202020204" pitchFamily="34" charset="0"/>
         <a:buChar char="•"/>
-        <a:defRPr sz="2800" kern="1200">
+        <a:defRPr sz="2000" kern="1200">
           <a:solidFill>
             <a:schemeClr val="tx1"/>
           </a:solidFill>
+          <a:effectLst>
+            <a:outerShdw blurRad="50800" dist="38100" dir="2700000" algn="tl" rotWithShape="0">
+              <a:srgbClr val="000000">
+                <a:alpha val="48000"/>
+              </a:srgbClr>
+            </a:outerShdw>
+          </a:effectLst>
           <a:latin typeface="+mn-lt"/>
           <a:ea typeface="+mn-ea"/>
           <a:cs typeface="+mn-cs"/>
@@ -8266,43 +10535,7 @@
       </a:lvl1pPr>
       <a:lvl2pPr marL="685800" indent="-228600" algn="l" defTabSz="914400" rtl="0" eaLnBrk="1" latinLnBrk="0" hangingPunct="1">
         <a:lnSpc>
-          <a:spcPct val="90000"/>
-        </a:lnSpc>
-        <a:spcBef>
-          <a:spcPts val="500"/>
-        </a:spcBef>
-        <a:buFont typeface="Arial" panose="020B0604020202020204" pitchFamily="34" charset="0"/>
-        <a:buChar char="•"/>
-        <a:defRPr sz="2400" kern="1200">
-          <a:solidFill>
-            <a:schemeClr val="tx1"/>
-          </a:solidFill>
-          <a:latin typeface="+mn-lt"/>
-          <a:ea typeface="+mn-ea"/>
-          <a:cs typeface="+mn-cs"/>
-        </a:defRPr>
-      </a:lvl2pPr>
-      <a:lvl3pPr marL="1143000" indent="-228600" algn="l" defTabSz="914400" rtl="0" eaLnBrk="1" latinLnBrk="0" hangingPunct="1">
-        <a:lnSpc>
-          <a:spcPct val="90000"/>
-        </a:lnSpc>
-        <a:spcBef>
-          <a:spcPts val="500"/>
-        </a:spcBef>
-        <a:buFont typeface="Arial" panose="020B0604020202020204" pitchFamily="34" charset="0"/>
-        <a:buChar char="•"/>
-        <a:defRPr sz="2000" kern="1200">
-          <a:solidFill>
-            <a:schemeClr val="tx1"/>
-          </a:solidFill>
-          <a:latin typeface="+mn-lt"/>
-          <a:ea typeface="+mn-ea"/>
-          <a:cs typeface="+mn-cs"/>
-        </a:defRPr>
-      </a:lvl3pPr>
-      <a:lvl4pPr marL="1600200" indent="-228600" algn="l" defTabSz="914400" rtl="0" eaLnBrk="1" latinLnBrk="0" hangingPunct="1">
-        <a:lnSpc>
-          <a:spcPct val="90000"/>
+          <a:spcPct val="120000"/>
         </a:lnSpc>
         <a:spcBef>
           <a:spcPts val="500"/>
@@ -8313,6 +10546,63 @@
           <a:solidFill>
             <a:schemeClr val="tx1"/>
           </a:solidFill>
+          <a:effectLst>
+            <a:outerShdw blurRad="50800" dist="38100" dir="2700000" algn="tl" rotWithShape="0">
+              <a:srgbClr val="000000">
+                <a:alpha val="48000"/>
+              </a:srgbClr>
+            </a:outerShdw>
+          </a:effectLst>
+          <a:latin typeface="+mn-lt"/>
+          <a:ea typeface="+mn-ea"/>
+          <a:cs typeface="+mn-cs"/>
+        </a:defRPr>
+      </a:lvl2pPr>
+      <a:lvl3pPr marL="1143000" indent="-228600" algn="l" defTabSz="914400" rtl="0" eaLnBrk="1" latinLnBrk="0" hangingPunct="1">
+        <a:lnSpc>
+          <a:spcPct val="120000"/>
+        </a:lnSpc>
+        <a:spcBef>
+          <a:spcPts val="500"/>
+        </a:spcBef>
+        <a:buFont typeface="Arial" panose="020B0604020202020204" pitchFamily="34" charset="0"/>
+        <a:buChar char="•"/>
+        <a:defRPr sz="1600" kern="1200">
+          <a:solidFill>
+            <a:schemeClr val="tx1"/>
+          </a:solidFill>
+          <a:effectLst>
+            <a:outerShdw blurRad="50800" dist="38100" dir="2700000" algn="tl" rotWithShape="0">
+              <a:srgbClr val="000000">
+                <a:alpha val="48000"/>
+              </a:srgbClr>
+            </a:outerShdw>
+          </a:effectLst>
+          <a:latin typeface="+mn-lt"/>
+          <a:ea typeface="+mn-ea"/>
+          <a:cs typeface="+mn-cs"/>
+        </a:defRPr>
+      </a:lvl3pPr>
+      <a:lvl4pPr marL="1600200" indent="-228600" algn="l" defTabSz="914400" rtl="0" eaLnBrk="1" latinLnBrk="0" hangingPunct="1">
+        <a:lnSpc>
+          <a:spcPct val="120000"/>
+        </a:lnSpc>
+        <a:spcBef>
+          <a:spcPts val="500"/>
+        </a:spcBef>
+        <a:buFont typeface="Arial" panose="020B0604020202020204" pitchFamily="34" charset="0"/>
+        <a:buChar char="•"/>
+        <a:defRPr sz="1400" kern="1200">
+          <a:solidFill>
+            <a:schemeClr val="tx1"/>
+          </a:solidFill>
+          <a:effectLst>
+            <a:outerShdw blurRad="50800" dist="38100" dir="2700000" algn="tl" rotWithShape="0">
+              <a:srgbClr val="000000">
+                <a:alpha val="48000"/>
+              </a:srgbClr>
+            </a:outerShdw>
+          </a:effectLst>
           <a:latin typeface="+mn-lt"/>
           <a:ea typeface="+mn-ea"/>
           <a:cs typeface="+mn-cs"/>
@@ -8320,17 +10610,24 @@
       </a:lvl4pPr>
       <a:lvl5pPr marL="2057400" indent="-228600" algn="l" defTabSz="914400" rtl="0" eaLnBrk="1" latinLnBrk="0" hangingPunct="1">
         <a:lnSpc>
-          <a:spcPct val="90000"/>
+          <a:spcPct val="120000"/>
         </a:lnSpc>
         <a:spcBef>
           <a:spcPts val="500"/>
         </a:spcBef>
         <a:buFont typeface="Arial" panose="020B0604020202020204" pitchFamily="34" charset="0"/>
         <a:buChar char="•"/>
-        <a:defRPr sz="1800" kern="1200">
+        <a:defRPr sz="1200" kern="1200">
           <a:solidFill>
             <a:schemeClr val="tx1"/>
           </a:solidFill>
+          <a:effectLst>
+            <a:outerShdw blurRad="50800" dist="38100" dir="2700000" algn="tl" rotWithShape="0">
+              <a:srgbClr val="000000">
+                <a:alpha val="48000"/>
+              </a:srgbClr>
+            </a:outerShdw>
+          </a:effectLst>
           <a:latin typeface="+mn-lt"/>
           <a:ea typeface="+mn-ea"/>
           <a:cs typeface="+mn-cs"/>
@@ -8338,17 +10635,24 @@
       </a:lvl5pPr>
       <a:lvl6pPr marL="2514600" indent="-228600" algn="l" defTabSz="914400" rtl="0" eaLnBrk="1" latinLnBrk="0" hangingPunct="1">
         <a:lnSpc>
-          <a:spcPct val="90000"/>
+          <a:spcPct val="120000"/>
         </a:lnSpc>
         <a:spcBef>
           <a:spcPts val="500"/>
         </a:spcBef>
         <a:buFont typeface="Arial" panose="020B0604020202020204" pitchFamily="34" charset="0"/>
         <a:buChar char="•"/>
-        <a:defRPr sz="1800" kern="1200">
+        <a:defRPr sz="1200" kern="1200">
           <a:solidFill>
             <a:schemeClr val="tx1"/>
           </a:solidFill>
+          <a:effectLst>
+            <a:outerShdw blurRad="50800" dist="38100" dir="2700000" algn="tl" rotWithShape="0">
+              <a:srgbClr val="000000">
+                <a:alpha val="48000"/>
+              </a:srgbClr>
+            </a:outerShdw>
+          </a:effectLst>
           <a:latin typeface="+mn-lt"/>
           <a:ea typeface="+mn-ea"/>
           <a:cs typeface="+mn-cs"/>
@@ -8356,17 +10660,24 @@
       </a:lvl6pPr>
       <a:lvl7pPr marL="2971800" indent="-228600" algn="l" defTabSz="914400" rtl="0" eaLnBrk="1" latinLnBrk="0" hangingPunct="1">
         <a:lnSpc>
-          <a:spcPct val="90000"/>
+          <a:spcPct val="120000"/>
         </a:lnSpc>
         <a:spcBef>
           <a:spcPts val="500"/>
         </a:spcBef>
         <a:buFont typeface="Arial" panose="020B0604020202020204" pitchFamily="34" charset="0"/>
         <a:buChar char="•"/>
-        <a:defRPr sz="1800" kern="1200">
+        <a:defRPr sz="1200" kern="1200">
           <a:solidFill>
             <a:schemeClr val="tx1"/>
           </a:solidFill>
+          <a:effectLst>
+            <a:outerShdw blurRad="50800" dist="38100" dir="2700000" algn="tl" rotWithShape="0">
+              <a:srgbClr val="000000">
+                <a:alpha val="48000"/>
+              </a:srgbClr>
+            </a:outerShdw>
+          </a:effectLst>
           <a:latin typeface="+mn-lt"/>
           <a:ea typeface="+mn-ea"/>
           <a:cs typeface="+mn-cs"/>
@@ -8374,17 +10685,24 @@
       </a:lvl7pPr>
       <a:lvl8pPr marL="3429000" indent="-228600" algn="l" defTabSz="914400" rtl="0" eaLnBrk="1" latinLnBrk="0" hangingPunct="1">
         <a:lnSpc>
-          <a:spcPct val="90000"/>
+          <a:spcPct val="120000"/>
         </a:lnSpc>
         <a:spcBef>
           <a:spcPts val="500"/>
         </a:spcBef>
         <a:buFont typeface="Arial" panose="020B0604020202020204" pitchFamily="34" charset="0"/>
         <a:buChar char="•"/>
-        <a:defRPr sz="1800" kern="1200">
+        <a:defRPr sz="1200" kern="1200">
           <a:solidFill>
             <a:schemeClr val="tx1"/>
           </a:solidFill>
+          <a:effectLst>
+            <a:outerShdw blurRad="50800" dist="38100" dir="2700000" algn="tl" rotWithShape="0">
+              <a:srgbClr val="000000">
+                <a:alpha val="48000"/>
+              </a:srgbClr>
+            </a:outerShdw>
+          </a:effectLst>
           <a:latin typeface="+mn-lt"/>
           <a:ea typeface="+mn-ea"/>
           <a:cs typeface="+mn-cs"/>
@@ -8392,17 +10710,24 @@
       </a:lvl8pPr>
       <a:lvl9pPr marL="3886200" indent="-228600" algn="l" defTabSz="914400" rtl="0" eaLnBrk="1" latinLnBrk="0" hangingPunct="1">
         <a:lnSpc>
-          <a:spcPct val="90000"/>
+          <a:spcPct val="120000"/>
         </a:lnSpc>
         <a:spcBef>
           <a:spcPts val="500"/>
         </a:spcBef>
         <a:buFont typeface="Arial" panose="020B0604020202020204" pitchFamily="34" charset="0"/>
         <a:buChar char="•"/>
-        <a:defRPr sz="1800" kern="1200">
+        <a:defRPr sz="1200" kern="1200">
           <a:solidFill>
             <a:schemeClr val="tx1"/>
           </a:solidFill>
+          <a:effectLst>
+            <a:outerShdw blurRad="50800" dist="38100" dir="2700000" algn="tl" rotWithShape="0">
+              <a:srgbClr val="000000">
+                <a:alpha val="48000"/>
+              </a:srgbClr>
+            </a:outerShdw>
+          </a:effectLst>
           <a:latin typeface="+mn-lt"/>
           <a:ea typeface="+mn-ea"/>
           <a:cs typeface="+mn-cs"/>
@@ -8505,6 +10830,11 @@
       </a:lvl9pPr>
     </p:otherStyle>
   </p:txStyles>
+  <p:extLst>
+    <p:ext uri="{27BBF7A9-308A-43DC-89C8-2F10F3537804}">
+      <p15:sldGuideLst xmlns:p15="http://schemas.microsoft.com/office/powerpoint/2012/main"/>
+    </p:ext>
+  </p:extLst>
 </p:sldMaster>
 </file>
 
@@ -8666,7 +10996,12 @@
             <p:ph idx="1"/>
           </p:nvPr>
         </p:nvSpPr>
-        <p:spPr/>
+        <p:spPr>
+          <a:xfrm>
+            <a:off x="685801" y="1944914"/>
+            <a:ext cx="10131425" cy="3846286"/>
+          </a:xfrm>
+        </p:spPr>
         <p:txBody>
           <a:bodyPr>
             <a:normAutofit/>
@@ -8862,11 +11197,8 @@
             </a:pPr>
             <a:r>
               <a:rPr lang="en-US" dirty="0"/>
-              <a:t>Win Loss record is referred to as winning %. Winning % = Wins / Games Played </a:t>
+              <a:t>Win Loss record is referred to as winning %. </a:t>
             </a:r>
-          </a:p>
-          <a:p>
-            <a:endParaRPr lang="en-US" dirty="0"/>
           </a:p>
         </p:txBody>
       </p:sp>
@@ -9217,7 +11549,9 @@
         </p:nvSpPr>
         <p:spPr/>
         <p:txBody>
-          <a:bodyPr/>
+          <a:bodyPr>
+            <a:normAutofit/>
+          </a:bodyPr>
           <a:lstStyle/>
           <a:p>
             <a:pPr algn="ctr"/>
@@ -9388,71 +11722,10 @@
 </p:sld>
 </file>
 
-<file path=ppt/slides/slide6.xml><?xml version="1.0" encoding="utf-8"?>
-<p:sld xmlns:a="http://schemas.openxmlformats.org/drawingml/2006/main" xmlns:r="http://schemas.openxmlformats.org/officeDocument/2006/relationships" xmlns:p="http://schemas.openxmlformats.org/presentationml/2006/main">
-  <p:cSld>
-    <p:spTree>
-      <p:nvGrpSpPr>
-        <p:cNvPr id="1" name=""/>
-        <p:cNvGrpSpPr/>
-        <p:nvPr/>
-      </p:nvGrpSpPr>
-      <p:grpSpPr>
-        <a:xfrm>
-          <a:off x="0" y="0"/>
-          <a:ext cx="0" cy="0"/>
-          <a:chOff x="0" y="0"/>
-          <a:chExt cx="0" cy="0"/>
-        </a:xfrm>
-      </p:grpSpPr>
-      <p:sp>
-        <p:nvSpPr>
-          <p:cNvPr id="2" name="Title 1">
-            <a:extLst>
-              <a:ext uri="{FF2B5EF4-FFF2-40B4-BE49-F238E27FC236}">
-                <a16:creationId xmlns:a16="http://schemas.microsoft.com/office/drawing/2014/main" id="{85F52A4C-7E54-4276-8F2F-A49E2B8DCEAB}"/>
-              </a:ext>
-            </a:extLst>
-          </p:cNvPr>
-          <p:cNvSpPr>
-            <a:spLocks noGrp="1"/>
-          </p:cNvSpPr>
-          <p:nvPr>
-            <p:ph type="title"/>
-          </p:nvPr>
-        </p:nvSpPr>
-        <p:spPr/>
-        <p:txBody>
-          <a:bodyPr>
-            <a:normAutofit/>
-          </a:bodyPr>
-          <a:lstStyle/>
-          <a:p>
-            <a:pPr algn="ctr"/>
-            <a:r>
-              <a:rPr lang="en-US" sz="8800" dirty="0"/>
-              <a:t>Multiple Regressions</a:t>
-            </a:r>
-          </a:p>
-        </p:txBody>
-      </p:sp>
-    </p:spTree>
-    <p:extLst>
-      <p:ext uri="{BB962C8B-B14F-4D97-AF65-F5344CB8AC3E}">
-        <p14:creationId xmlns:p14="http://schemas.microsoft.com/office/powerpoint/2010/main" val="2708352129"/>
-      </p:ext>
-    </p:extLst>
-  </p:cSld>
-  <p:clrMapOvr>
-    <a:masterClrMapping/>
-  </p:clrMapOvr>
-</p:sld>
-</file>
-
 <file path=ppt/theme/theme1.xml><?xml version="1.0" encoding="utf-8"?>
-<a:theme xmlns:a="http://schemas.openxmlformats.org/drawingml/2006/main" name="Office Theme">
+<a:theme xmlns:a="http://schemas.openxmlformats.org/drawingml/2006/main" name="Damask">
   <a:themeElements>
-    <a:clrScheme name="Office">
+    <a:clrScheme name="Damask">
       <a:dk1>
         <a:sysClr val="windowText" lastClr="000000"/>
       </a:dk1>
@@ -9460,44 +11733,44 @@
         <a:sysClr val="window" lastClr="FFFFFF"/>
       </a:lt1>
       <a:dk2>
-        <a:srgbClr val="44546A"/>
+        <a:srgbClr val="2A5B7F"/>
       </a:dk2>
       <a:lt2>
-        <a:srgbClr val="E7E6E6"/>
+        <a:srgbClr val="ABDAFC"/>
       </a:lt2>
       <a:accent1>
-        <a:srgbClr val="4472C4"/>
+        <a:srgbClr val="9EC544"/>
       </a:accent1>
       <a:accent2>
-        <a:srgbClr val="ED7D31"/>
+        <a:srgbClr val="50BEA3"/>
       </a:accent2>
       <a:accent3>
-        <a:srgbClr val="A5A5A5"/>
+        <a:srgbClr val="4A9CCC"/>
       </a:accent3>
       <a:accent4>
-        <a:srgbClr val="FFC000"/>
+        <a:srgbClr val="9A66CA"/>
       </a:accent4>
       <a:accent5>
-        <a:srgbClr val="5B9BD5"/>
+        <a:srgbClr val="C54F71"/>
       </a:accent5>
       <a:accent6>
-        <a:srgbClr val="70AD47"/>
+        <a:srgbClr val="DE9C3C"/>
       </a:accent6>
       <a:hlink>
-        <a:srgbClr val="0563C1"/>
+        <a:srgbClr val="6BA9DA"/>
       </a:hlink>
       <a:folHlink>
-        <a:srgbClr val="954F72"/>
+        <a:srgbClr val="A0BCD3"/>
       </a:folHlink>
     </a:clrScheme>
-    <a:fontScheme name="Office">
+    <a:fontScheme name="Damask">
       <a:majorFont>
-        <a:latin typeface="Calibri Light" panose="020F0302020204030204"/>
+        <a:latin typeface="Bookman Old Style" panose="02050604050505020204"/>
         <a:ea typeface=""/>
         <a:cs typeface=""/>
-        <a:font script="Jpan" typeface="游ゴシック Light"/>
+        <a:font script="Jpan" typeface="ＭＳ Ｐゴシック"/>
         <a:font script="Hang" typeface="맑은 고딕"/>
-        <a:font script="Hans" typeface="等线 Light"/>
+        <a:font script="Hans" typeface="宋体"/>
         <a:font script="Hant" typeface="新細明體"/>
         <a:font script="Arab" typeface="Times New Roman"/>
         <a:font script="Hebr" typeface="Times New Roman"/>
@@ -9525,31 +11798,14 @@
         <a:font script="Viet" typeface="Times New Roman"/>
         <a:font script="Uigh" typeface="Microsoft Uighur"/>
         <a:font script="Geor" typeface="Sylfaen"/>
-        <a:font script="Armn" typeface="Arial"/>
-        <a:font script="Bugi" typeface="Leelawadee UI"/>
-        <a:font script="Bopo" typeface="Microsoft JhengHei"/>
-        <a:font script="Java" typeface="Javanese Text"/>
-        <a:font script="Lisu" typeface="Segoe UI"/>
-        <a:font script="Mymr" typeface="Myanmar Text"/>
-        <a:font script="Nkoo" typeface="Ebrima"/>
-        <a:font script="Olck" typeface="Nirmala UI"/>
-        <a:font script="Osma" typeface="Ebrima"/>
-        <a:font script="Phag" typeface="Phagspa"/>
-        <a:font script="Syrn" typeface="Estrangelo Edessa"/>
-        <a:font script="Syrj" typeface="Estrangelo Edessa"/>
-        <a:font script="Syre" typeface="Estrangelo Edessa"/>
-        <a:font script="Sora" typeface="Nirmala UI"/>
-        <a:font script="Tale" typeface="Microsoft Tai Le"/>
-        <a:font script="Talu" typeface="Microsoft New Tai Lue"/>
-        <a:font script="Tfng" typeface="Ebrima"/>
       </a:majorFont>
       <a:minorFont>
-        <a:latin typeface="Calibri" panose="020F0502020204030204"/>
+        <a:latin typeface="Rockwell" panose="02060603020205020403"/>
         <a:ea typeface=""/>
         <a:cs typeface=""/>
-        <a:font script="Jpan" typeface="游ゴシック"/>
+        <a:font script="Jpan" typeface="ＭＳ Ｐゴシック"/>
         <a:font script="Hang" typeface="맑은 고딕"/>
-        <a:font script="Hans" typeface="等线"/>
+        <a:font script="Hans" typeface="宋体"/>
         <a:font script="Hant" typeface="新細明體"/>
         <a:font script="Arab" typeface="Arial"/>
         <a:font script="Hebr" typeface="Arial"/>
@@ -9577,26 +11833,9 @@
         <a:font script="Viet" typeface="Arial"/>
         <a:font script="Uigh" typeface="Microsoft Uighur"/>
         <a:font script="Geor" typeface="Sylfaen"/>
-        <a:font script="Armn" typeface="Arial"/>
-        <a:font script="Bugi" typeface="Leelawadee UI"/>
-        <a:font script="Bopo" typeface="Microsoft JhengHei"/>
-        <a:font script="Java" typeface="Javanese Text"/>
-        <a:font script="Lisu" typeface="Segoe UI"/>
-        <a:font script="Mymr" typeface="Myanmar Text"/>
-        <a:font script="Nkoo" typeface="Ebrima"/>
-        <a:font script="Olck" typeface="Nirmala UI"/>
-        <a:font script="Osma" typeface="Ebrima"/>
-        <a:font script="Phag" typeface="Phagspa"/>
-        <a:font script="Syrn" typeface="Estrangelo Edessa"/>
-        <a:font script="Syrj" typeface="Estrangelo Edessa"/>
-        <a:font script="Syre" typeface="Estrangelo Edessa"/>
-        <a:font script="Sora" typeface="Nirmala UI"/>
-        <a:font script="Tale" typeface="Microsoft Tai Le"/>
-        <a:font script="Talu" typeface="Microsoft New Tai Lue"/>
-        <a:font script="Tfng" typeface="Ebrima"/>
       </a:minorFont>
     </a:fontScheme>
-    <a:fmtScheme name="Office">
+    <a:fmtScheme name="Damask">
       <a:fillStyleLst>
         <a:solidFill>
           <a:schemeClr val="phClr"/>
@@ -9605,23 +11844,16 @@
           <a:gsLst>
             <a:gs pos="0">
               <a:schemeClr val="phClr">
+                <a:tint val="48000"/>
+                <a:satMod val="105000"/>
                 <a:lumMod val="110000"/>
-                <a:satMod val="105000"/>
-                <a:tint val="67000"/>
-              </a:schemeClr>
-            </a:gs>
-            <a:gs pos="50000">
-              <a:schemeClr val="phClr">
-                <a:lumMod val="105000"/>
-                <a:satMod val="103000"/>
-                <a:tint val="73000"/>
               </a:schemeClr>
             </a:gs>
             <a:gs pos="100000">
               <a:schemeClr val="phClr">
-                <a:lumMod val="105000"/>
+                <a:tint val="78000"/>
                 <a:satMod val="109000"/>
-                <a:tint val="81000"/>
+                <a:lumMod val="100000"/>
               </a:schemeClr>
             </a:gs>
           </a:gsLst>
@@ -9631,23 +11863,23 @@
           <a:gsLst>
             <a:gs pos="0">
               <a:schemeClr val="phClr">
-                <a:satMod val="103000"/>
-                <a:lumMod val="102000"/>
                 <a:tint val="94000"/>
+                <a:satMod val="100000"/>
+                <a:lumMod val="104000"/>
               </a:schemeClr>
             </a:gs>
-            <a:gs pos="50000">
+            <a:gs pos="69000">
               <a:schemeClr val="phClr">
-                <a:satMod val="110000"/>
-                <a:lumMod val="100000"/>
-                <a:shade val="100000"/>
+                <a:shade val="86000"/>
+                <a:satMod val="130000"/>
+                <a:lumMod val="102000"/>
               </a:schemeClr>
             </a:gs>
             <a:gs pos="100000">
               <a:schemeClr val="phClr">
-                <a:lumMod val="99000"/>
-                <a:satMod val="120000"/>
-                <a:shade val="78000"/>
+                <a:shade val="72000"/>
+                <a:satMod val="130000"/>
+                <a:lumMod val="100000"/>
               </a:schemeClr>
             </a:gs>
           </a:gsLst>
@@ -9655,26 +11887,23 @@
         </a:gradFill>
       </a:fillStyleLst>
       <a:lnStyleLst>
-        <a:ln w="6350" cap="flat" cmpd="sng" algn="ctr">
-          <a:solidFill>
-            <a:schemeClr val="phClr"/>
-          </a:solidFill>
-          <a:prstDash val="solid"/>
-          <a:miter lim="800000"/>
-        </a:ln>
         <a:ln w="12700" cap="flat" cmpd="sng" algn="ctr">
           <a:solidFill>
             <a:schemeClr val="phClr"/>
           </a:solidFill>
           <a:prstDash val="solid"/>
-          <a:miter lim="800000"/>
         </a:ln>
         <a:ln w="19050" cap="flat" cmpd="sng" algn="ctr">
           <a:solidFill>
             <a:schemeClr val="phClr"/>
           </a:solidFill>
           <a:prstDash val="solid"/>
-          <a:miter lim="800000"/>
+        </a:ln>
+        <a:ln w="25400" cap="flat" cmpd="sng" algn="ctr">
+          <a:solidFill>
+            <a:schemeClr val="phClr"/>
+          </a:solidFill>
+          <a:prstDash val="solid"/>
         </a:ln>
       </a:lnStyleLst>
       <a:effectStyleLst>
@@ -9682,16 +11911,31 @@
           <a:effectLst/>
         </a:effectStyle>
         <a:effectStyle>
-          <a:effectLst/>
+          <a:effectLst>
+            <a:outerShdw blurRad="50800" dist="38100" dir="5400000" sy="96000" rotWithShape="0">
+              <a:srgbClr val="000000">
+                <a:alpha val="54000"/>
+              </a:srgbClr>
+            </a:outerShdw>
+          </a:effectLst>
         </a:effectStyle>
         <a:effectStyle>
           <a:effectLst>
-            <a:outerShdw blurRad="57150" dist="19050" dir="5400000" algn="ctr" rotWithShape="0">
+            <a:outerShdw blurRad="76200" dist="38100" dir="5400000" algn="ctr" rotWithShape="0">
               <a:srgbClr val="000000">
-                <a:alpha val="63000"/>
+                <a:alpha val="76000"/>
               </a:srgbClr>
             </a:outerShdw>
           </a:effectLst>
+          <a:scene3d>
+            <a:camera prst="orthographicFront">
+              <a:rot lat="0" lon="0" rev="0"/>
+            </a:camera>
+            <a:lightRig rig="balanced" dir="t"/>
+          </a:scene3d>
+          <a:sp3d prstMaterial="matte">
+            <a:bevelT w="25400" h="25400" prst="relaxedInset"/>
+          </a:sp3d>
         </a:effectStyle>
       </a:effectStyleLst>
       <a:bgFillStyleLst>
@@ -9704,33 +11948,23 @@
             <a:satMod val="170000"/>
           </a:schemeClr>
         </a:solidFill>
-        <a:gradFill rotWithShape="1">
-          <a:gsLst>
-            <a:gs pos="0">
+        <a:blipFill rotWithShape="1">
+          <a:blip xmlns:r="http://schemas.openxmlformats.org/officeDocument/2006/relationships" r:embed="rId1">
+            <a:duotone>
               <a:schemeClr val="phClr">
-                <a:tint val="93000"/>
-                <a:satMod val="150000"/>
-                <a:shade val="98000"/>
-                <a:lumMod val="102000"/>
+                <a:shade val="18000"/>
+                <a:satMod val="160000"/>
+                <a:lumMod val="28000"/>
               </a:schemeClr>
-            </a:gs>
-            <a:gs pos="50000">
               <a:schemeClr val="phClr">
-                <a:tint val="98000"/>
-                <a:satMod val="130000"/>
-                <a:shade val="90000"/>
-                <a:lumMod val="103000"/>
+                <a:tint val="95000"/>
+                <a:satMod val="160000"/>
+                <a:lumMod val="116000"/>
               </a:schemeClr>
-            </a:gs>
-            <a:gs pos="100000">
-              <a:schemeClr val="phClr">
-                <a:shade val="63000"/>
-                <a:satMod val="120000"/>
-              </a:schemeClr>
-            </a:gs>
-          </a:gsLst>
-          <a:lin ang="5400000" scaled="0"/>
-        </a:gradFill>
+            </a:duotone>
+          </a:blip>
+          <a:stretch/>
+        </a:blipFill>
       </a:bgFillStyleLst>
     </a:fmtScheme>
   </a:themeElements>
@@ -9738,7 +11972,7 @@
   <a:extraClrSchemeLst/>
   <a:extLst>
     <a:ext uri="{05A4C25C-085E-4340-85A3-A5531E510DB2}">
-      <thm15:themeFamily xmlns:thm15="http://schemas.microsoft.com/office/thememl/2012/main" name="Office Theme" id="{62F939B6-93AF-4DB8-9C6B-D6C7DFDC589F}" vid="{4A3C46E8-61CC-4603-A589-7422A47A8E4A}"/>
+      <thm15:themeFamily xmlns:thm15="http://schemas.microsoft.com/office/thememl/2012/main" name="Damask" id="{F9A299A0-33D0-4E0F-9F3F-7163E3744208}" vid="{746EEEEA-FB6A-406B-B510-531588D54811}"/>
     </a:ext>
   </a:extLst>
 </a:theme>

--- a/Powerpoint/NBA Attendance Analysis.pptx
+++ b/Powerpoint/NBA Attendance Analysis.pptx
@@ -133,7 +133,7 @@
   <pc:docChgLst>
     <pc:chgData name="Matiullah Hasher" userId="b5da0c13cdb4b27c" providerId="LiveId" clId="{2469DAC8-8C7B-4D21-9881-AF2FB6BAF2F6}"/>
     <pc:docChg chg="custSel addSld delSld modSld">
-      <pc:chgData name="Matiullah Hasher" userId="b5da0c13cdb4b27c" providerId="LiveId" clId="{2469DAC8-8C7B-4D21-9881-AF2FB6BAF2F6}" dt="2018-08-11T02:29:32.428" v="844" actId="27636"/>
+      <pc:chgData name="Matiullah Hasher" userId="b5da0c13cdb4b27c" providerId="LiveId" clId="{2469DAC8-8C7B-4D21-9881-AF2FB6BAF2F6}" dt="2018-08-11T11:06:03.309" v="845"/>
       <pc:docMkLst>
         <pc:docMk/>
       </pc:docMkLst>
@@ -160,8 +160,8 @@
           </ac:spMkLst>
         </pc:spChg>
       </pc:sldChg>
-      <pc:sldChg chg="modSp">
-        <pc:chgData name="Matiullah Hasher" userId="b5da0c13cdb4b27c" providerId="LiveId" clId="{2469DAC8-8C7B-4D21-9881-AF2FB6BAF2F6}" dt="2018-08-11T02:29:08.905" v="839" actId="27636"/>
+      <pc:sldChg chg="modSp delCm">
+        <pc:chgData name="Matiullah Hasher" userId="b5da0c13cdb4b27c" providerId="LiveId" clId="{2469DAC8-8C7B-4D21-9881-AF2FB6BAF2F6}" dt="2018-08-11T11:06:03.309" v="845"/>
         <pc:sldMkLst>
           <pc:docMk/>
           <pc:sldMk cId="3396752082" sldId="260"/>
@@ -319,20 +319,6 @@
     </pc:docChg>
   </pc:docChgLst>
 </pc:chgInfo>
-</file>
-
-<file path=ppt/comments/comment1.xml><?xml version="1.0" encoding="utf-8"?>
-<p:cmLst xmlns:a="http://schemas.openxmlformats.org/drawingml/2006/main" xmlns:r="http://schemas.openxmlformats.org/officeDocument/2006/relationships" xmlns:p="http://schemas.openxmlformats.org/presentationml/2006/main">
-  <p:cm authorId="1" dt="2018-08-09T04:43:53.880" idx="1">
-    <p:pos x="10" y="10"/>
-    <p:text/>
-    <p:extLst>
-      <p:ext uri="{C676402C-5697-4E1C-873F-D02D1690AC5C}">
-        <p15:threadingInfo xmlns:p15="http://schemas.microsoft.com/office/powerpoint/2012/main" timeZoneBias="240"/>
-      </p:ext>
-    </p:extLst>
-  </p:cm>
-</p:cmLst>
 </file>
 
 <file path=ppt/diagrams/colors1.xml><?xml version="1.0" encoding="utf-8"?>
@@ -5458,7 +5444,7 @@
           <a:p>
             <a:fld id="{ECFE6AF2-E251-4549-B07F-CA0BEB1B74A4}" type="datetimeFigureOut">
               <a:rPr lang="en-US" smtClean="0"/>
-              <a:t>8/10/2018</a:t>
+              <a:t>8/11/2018</a:t>
             </a:fld>
             <a:endParaRPr lang="en-US"/>
           </a:p>
@@ -5745,7 +5731,7 @@
           <a:p>
             <a:fld id="{ECFE6AF2-E251-4549-B07F-CA0BEB1B74A4}" type="datetimeFigureOut">
               <a:rPr lang="en-US" smtClean="0"/>
-              <a:t>8/10/2018</a:t>
+              <a:t>8/11/2018</a:t>
             </a:fld>
             <a:endParaRPr lang="en-US"/>
           </a:p>
@@ -5937,7 +5923,7 @@
           <a:p>
             <a:fld id="{ECFE6AF2-E251-4549-B07F-CA0BEB1B74A4}" type="datetimeFigureOut">
               <a:rPr lang="en-US" smtClean="0"/>
-              <a:t>8/10/2018</a:t>
+              <a:t>8/11/2018</a:t>
             </a:fld>
             <a:endParaRPr lang="en-US"/>
           </a:p>
@@ -6198,7 +6184,7 @@
           <a:p>
             <a:fld id="{ECFE6AF2-E251-4549-B07F-CA0BEB1B74A4}" type="datetimeFigureOut">
               <a:rPr lang="en-US" smtClean="0"/>
-              <a:t>8/10/2018</a:t>
+              <a:t>8/11/2018</a:t>
             </a:fld>
             <a:endParaRPr lang="en-US"/>
           </a:p>
@@ -6622,7 +6608,7 @@
           <a:p>
             <a:fld id="{ECFE6AF2-E251-4549-B07F-CA0BEB1B74A4}" type="datetimeFigureOut">
               <a:rPr lang="en-US" smtClean="0"/>
-              <a:t>8/10/2018</a:t>
+              <a:t>8/11/2018</a:t>
             </a:fld>
             <a:endParaRPr lang="en-US"/>
           </a:p>
@@ -7168,7 +7154,7 @@
           <a:p>
             <a:fld id="{ECFE6AF2-E251-4549-B07F-CA0BEB1B74A4}" type="datetimeFigureOut">
               <a:rPr lang="en-US" smtClean="0"/>
-              <a:t>8/10/2018</a:t>
+              <a:t>8/11/2018</a:t>
             </a:fld>
             <a:endParaRPr lang="en-US"/>
           </a:p>
@@ -8008,7 +7994,7 @@
           <a:p>
             <a:fld id="{ECFE6AF2-E251-4549-B07F-CA0BEB1B74A4}" type="datetimeFigureOut">
               <a:rPr lang="en-US" smtClean="0"/>
-              <a:t>8/10/2018</a:t>
+              <a:t>8/11/2018</a:t>
             </a:fld>
             <a:endParaRPr lang="en-US"/>
           </a:p>
@@ -8178,7 +8164,7 @@
           <a:p>
             <a:fld id="{ECFE6AF2-E251-4549-B07F-CA0BEB1B74A4}" type="datetimeFigureOut">
               <a:rPr lang="en-US" smtClean="0"/>
-              <a:t>8/10/2018</a:t>
+              <a:t>8/11/2018</a:t>
             </a:fld>
             <a:endParaRPr lang="en-US"/>
           </a:p>
@@ -8362,7 +8348,7 @@
           <a:p>
             <a:fld id="{ECFE6AF2-E251-4549-B07F-CA0BEB1B74A4}" type="datetimeFigureOut">
               <a:rPr lang="en-US" smtClean="0"/>
-              <a:t>8/10/2018</a:t>
+              <a:t>8/11/2018</a:t>
             </a:fld>
             <a:endParaRPr lang="en-US"/>
           </a:p>
@@ -8532,7 +8518,7 @@
           <a:p>
             <a:fld id="{ECFE6AF2-E251-4549-B07F-CA0BEB1B74A4}" type="datetimeFigureOut">
               <a:rPr lang="en-US" smtClean="0"/>
-              <a:t>8/10/2018</a:t>
+              <a:t>8/11/2018</a:t>
             </a:fld>
             <a:endParaRPr lang="en-US"/>
           </a:p>
@@ -8780,7 +8766,7 @@
           <a:p>
             <a:fld id="{ECFE6AF2-E251-4549-B07F-CA0BEB1B74A4}" type="datetimeFigureOut">
               <a:rPr lang="en-US" smtClean="0"/>
-              <a:t>8/10/2018</a:t>
+              <a:t>8/11/2018</a:t>
             </a:fld>
             <a:endParaRPr lang="en-US"/>
           </a:p>
@@ -9017,7 +9003,7 @@
           <a:p>
             <a:fld id="{ECFE6AF2-E251-4549-B07F-CA0BEB1B74A4}" type="datetimeFigureOut">
               <a:rPr lang="en-US" smtClean="0"/>
-              <a:t>8/10/2018</a:t>
+              <a:t>8/11/2018</a:t>
             </a:fld>
             <a:endParaRPr lang="en-US"/>
           </a:p>
@@ -9395,7 +9381,7 @@
           <a:p>
             <a:fld id="{ECFE6AF2-E251-4549-B07F-CA0BEB1B74A4}" type="datetimeFigureOut">
               <a:rPr lang="en-US" smtClean="0"/>
-              <a:t>8/10/2018</a:t>
+              <a:t>8/11/2018</a:t>
             </a:fld>
             <a:endParaRPr lang="en-US"/>
           </a:p>
@@ -9518,7 +9504,7 @@
           <a:p>
             <a:fld id="{ECFE6AF2-E251-4549-B07F-CA0BEB1B74A4}" type="datetimeFigureOut">
               <a:rPr lang="en-US" smtClean="0"/>
-              <a:t>8/10/2018</a:t>
+              <a:t>8/11/2018</a:t>
             </a:fld>
             <a:endParaRPr lang="en-US"/>
           </a:p>
@@ -9613,7 +9599,7 @@
           <a:p>
             <a:fld id="{ECFE6AF2-E251-4549-B07F-CA0BEB1B74A4}" type="datetimeFigureOut">
               <a:rPr lang="en-US" smtClean="0"/>
-              <a:t>8/10/2018</a:t>
+              <a:t>8/11/2018</a:t>
             </a:fld>
             <a:endParaRPr lang="en-US"/>
           </a:p>
@@ -9864,7 +9850,7 @@
           <a:p>
             <a:fld id="{ECFE6AF2-E251-4549-B07F-CA0BEB1B74A4}" type="datetimeFigureOut">
               <a:rPr lang="en-US" smtClean="0"/>
-              <a:t>8/10/2018</a:t>
+              <a:t>8/11/2018</a:t>
             </a:fld>
             <a:endParaRPr lang="en-US"/>
           </a:p>
@@ -10156,7 +10142,7 @@
           <a:p>
             <a:fld id="{ECFE6AF2-E251-4549-B07F-CA0BEB1B74A4}" type="datetimeFigureOut">
               <a:rPr lang="en-US" smtClean="0"/>
-              <a:t>8/10/2018</a:t>
+              <a:t>8/11/2018</a:t>
             </a:fld>
             <a:endParaRPr lang="en-US"/>
           </a:p>
@@ -10369,7 +10355,7 @@
           <a:p>
             <a:fld id="{ECFE6AF2-E251-4549-B07F-CA0BEB1B74A4}" type="datetimeFigureOut">
               <a:rPr lang="en-US" smtClean="0"/>
-              <a:t>8/10/2018</a:t>
+              <a:t>8/11/2018</a:t>
             </a:fld>
             <a:endParaRPr lang="en-US"/>
           </a:p>
@@ -10906,13 +10892,8 @@
           <a:p>
             <a:r>
               <a:rPr lang="en-US" dirty="0"/>
-              <a:t>Matiullah Hasher &amp; JT von </a:t>
+              <a:t>Matiullah Hasher &amp; JT von Seggern</a:t>
             </a:r>
-            <a:r>
-              <a:rPr lang="en-US" dirty="0" err="1"/>
-              <a:t>Seggern</a:t>
-            </a:r>
-            <a:endParaRPr lang="en-US" dirty="0"/>
           </a:p>
           <a:p>
             <a:endParaRPr lang="en-US" dirty="0"/>
